--- a/file.pptx
+++ b/file.pptx
@@ -7,6 +7,7 @@
   <p:sldIdLst>
     <p:sldId id="256" r:id="rId2"/>
     <p:sldId id="257" r:id="rId3"/>
+    <p:sldId id="258" r:id="rId4"/>
   </p:sldIdLst>
   <p:sldSz cx="12192000" cy="6858000"/>
   <p:notesSz cx="6858000" cy="9144000"/>
@@ -111,3837 +112,6 @@
     </p:ext>
   </p:extLst>
 </p:presentation>
-</file>
-
-<file path=ppt/diagrams/colors1.xml><?xml version="1.0" encoding="utf-8"?>
-<dgm:colorsDef xmlns:dgm="http://schemas.openxmlformats.org/drawingml/2006/diagram" xmlns:a="http://schemas.openxmlformats.org/drawingml/2006/main" uniqueId="urn:microsoft.com/office/officeart/2005/8/colors/accent0_3">
-  <dgm:title val=""/>
-  <dgm:desc val=""/>
-  <dgm:catLst>
-    <dgm:cat type="mainScheme" pri="10300"/>
-  </dgm:catLst>
-  <dgm:styleLbl name="node0">
-    <dgm:fillClrLst meth="repeat">
-      <a:schemeClr val="dk2"/>
-    </dgm:fillClrLst>
-    <dgm:linClrLst meth="repeat">
-      <a:schemeClr val="lt2"/>
-    </dgm:linClrLst>
-    <dgm:effectClrLst/>
-    <dgm:txLinClrLst/>
-    <dgm:txFillClrLst/>
-    <dgm:txEffectClrLst/>
-  </dgm:styleLbl>
-  <dgm:styleLbl name="alignNode1">
-    <dgm:fillClrLst meth="repeat">
-      <a:schemeClr val="dk2"/>
-    </dgm:fillClrLst>
-    <dgm:linClrLst meth="repeat">
-      <a:schemeClr val="dk2"/>
-    </dgm:linClrLst>
-    <dgm:effectClrLst/>
-    <dgm:txLinClrLst/>
-    <dgm:txFillClrLst/>
-    <dgm:txEffectClrLst/>
-  </dgm:styleLbl>
-  <dgm:styleLbl name="node1">
-    <dgm:fillClrLst meth="repeat">
-      <a:schemeClr val="dk2"/>
-    </dgm:fillClrLst>
-    <dgm:linClrLst meth="repeat">
-      <a:schemeClr val="lt2"/>
-    </dgm:linClrLst>
-    <dgm:effectClrLst/>
-    <dgm:txLinClrLst/>
-    <dgm:txFillClrLst/>
-    <dgm:txEffectClrLst/>
-  </dgm:styleLbl>
-  <dgm:styleLbl name="lnNode1">
-    <dgm:fillClrLst meth="repeat">
-      <a:schemeClr val="dk2"/>
-    </dgm:fillClrLst>
-    <dgm:linClrLst meth="repeat">
-      <a:schemeClr val="lt2"/>
-    </dgm:linClrLst>
-    <dgm:effectClrLst/>
-    <dgm:txLinClrLst/>
-    <dgm:txFillClrLst/>
-    <dgm:txEffectClrLst/>
-  </dgm:styleLbl>
-  <dgm:styleLbl name="vennNode1">
-    <dgm:fillClrLst meth="repeat">
-      <a:schemeClr val="dk2">
-        <a:alpha val="50000"/>
-      </a:schemeClr>
-    </dgm:fillClrLst>
-    <dgm:linClrLst meth="repeat">
-      <a:schemeClr val="lt2"/>
-    </dgm:linClrLst>
-    <dgm:effectClrLst/>
-    <dgm:txLinClrLst/>
-    <dgm:txFillClrLst/>
-    <dgm:txEffectClrLst/>
-  </dgm:styleLbl>
-  <dgm:styleLbl name="node2">
-    <dgm:fillClrLst meth="repeat">
-      <a:schemeClr val="dk2"/>
-    </dgm:fillClrLst>
-    <dgm:linClrLst meth="repeat">
-      <a:schemeClr val="lt2"/>
-    </dgm:linClrLst>
-    <dgm:effectClrLst/>
-    <dgm:txLinClrLst/>
-    <dgm:txFillClrLst/>
-    <dgm:txEffectClrLst/>
-  </dgm:styleLbl>
-  <dgm:styleLbl name="node3">
-    <dgm:fillClrLst meth="repeat">
-      <a:schemeClr val="dk2"/>
-    </dgm:fillClrLst>
-    <dgm:linClrLst meth="repeat">
-      <a:schemeClr val="lt2"/>
-    </dgm:linClrLst>
-    <dgm:effectClrLst/>
-    <dgm:txLinClrLst/>
-    <dgm:txFillClrLst/>
-    <dgm:txEffectClrLst/>
-  </dgm:styleLbl>
-  <dgm:styleLbl name="node4">
-    <dgm:fillClrLst meth="repeat">
-      <a:schemeClr val="dk2"/>
-    </dgm:fillClrLst>
-    <dgm:linClrLst meth="repeat">
-      <a:schemeClr val="lt2"/>
-    </dgm:linClrLst>
-    <dgm:effectClrLst/>
-    <dgm:txLinClrLst/>
-    <dgm:txFillClrLst/>
-    <dgm:txEffectClrLst/>
-  </dgm:styleLbl>
-  <dgm:styleLbl name="fgImgPlace1">
-    <dgm:fillClrLst meth="repeat">
-      <a:schemeClr val="dk2">
-        <a:tint val="50000"/>
-      </a:schemeClr>
-    </dgm:fillClrLst>
-    <dgm:linClrLst meth="repeat">
-      <a:schemeClr val="lt2"/>
-    </dgm:linClrLst>
-    <dgm:effectClrLst/>
-    <dgm:txLinClrLst/>
-    <dgm:txFillClrLst meth="repeat">
-      <a:schemeClr val="lt2"/>
-    </dgm:txFillClrLst>
-    <dgm:txEffectClrLst/>
-  </dgm:styleLbl>
-  <dgm:styleLbl name="alignImgPlace1">
-    <dgm:fillClrLst meth="repeat">
-      <a:schemeClr val="dk2">
-        <a:tint val="50000"/>
-      </a:schemeClr>
-    </dgm:fillClrLst>
-    <dgm:linClrLst meth="repeat">
-      <a:schemeClr val="dk2">
-        <a:shade val="80000"/>
-      </a:schemeClr>
-    </dgm:linClrLst>
-    <dgm:effectClrLst/>
-    <dgm:txLinClrLst/>
-    <dgm:txFillClrLst meth="repeat">
-      <a:schemeClr val="lt2"/>
-    </dgm:txFillClrLst>
-    <dgm:txEffectClrLst/>
-  </dgm:styleLbl>
-  <dgm:styleLbl name="bgImgPlace1">
-    <dgm:fillClrLst meth="repeat">
-      <a:schemeClr val="dk2">
-        <a:tint val="50000"/>
-      </a:schemeClr>
-    </dgm:fillClrLst>
-    <dgm:linClrLst meth="repeat">
-      <a:schemeClr val="dk2">
-        <a:shade val="80000"/>
-      </a:schemeClr>
-    </dgm:linClrLst>
-    <dgm:effectClrLst/>
-    <dgm:txLinClrLst/>
-    <dgm:txFillClrLst meth="repeat">
-      <a:schemeClr val="lt2"/>
-    </dgm:txFillClrLst>
-    <dgm:txEffectClrLst/>
-  </dgm:styleLbl>
-  <dgm:styleLbl name="sibTrans2D1">
-    <dgm:fillClrLst meth="repeat">
-      <a:schemeClr val="dk2">
-        <a:tint val="60000"/>
-      </a:schemeClr>
-    </dgm:fillClrLst>
-    <dgm:linClrLst meth="repeat">
-      <a:schemeClr val="dk2">
-        <a:tint val="60000"/>
-      </a:schemeClr>
-    </dgm:linClrLst>
-    <dgm:effectClrLst/>
-    <dgm:txLinClrLst/>
-    <dgm:txFillClrLst/>
-    <dgm:txEffectClrLst/>
-  </dgm:styleLbl>
-  <dgm:styleLbl name="fgSibTrans2D1">
-    <dgm:fillClrLst meth="repeat">
-      <a:schemeClr val="dk2">
-        <a:tint val="60000"/>
-      </a:schemeClr>
-    </dgm:fillClrLst>
-    <dgm:linClrLst meth="repeat">
-      <a:schemeClr val="dk2">
-        <a:tint val="60000"/>
-      </a:schemeClr>
-    </dgm:linClrLst>
-    <dgm:effectClrLst/>
-    <dgm:txLinClrLst/>
-    <dgm:txFillClrLst/>
-    <dgm:txEffectClrLst/>
-  </dgm:styleLbl>
-  <dgm:styleLbl name="bgSibTrans2D1">
-    <dgm:fillClrLst meth="repeat">
-      <a:schemeClr val="dk2">
-        <a:tint val="60000"/>
-      </a:schemeClr>
-    </dgm:fillClrLst>
-    <dgm:linClrLst meth="repeat">
-      <a:schemeClr val="dk2">
-        <a:tint val="60000"/>
-      </a:schemeClr>
-    </dgm:linClrLst>
-    <dgm:effectClrLst/>
-    <dgm:txLinClrLst/>
-    <dgm:txFillClrLst/>
-    <dgm:txEffectClrLst/>
-  </dgm:styleLbl>
-  <dgm:styleLbl name="sibTrans1D1">
-    <dgm:fillClrLst meth="repeat">
-      <a:schemeClr val="dk2"/>
-    </dgm:fillClrLst>
-    <dgm:linClrLst meth="repeat">
-      <a:schemeClr val="dk2"/>
-    </dgm:linClrLst>
-    <dgm:effectClrLst/>
-    <dgm:txLinClrLst/>
-    <dgm:txFillClrLst meth="repeat">
-      <a:schemeClr val="lt2"/>
-    </dgm:txFillClrLst>
-    <dgm:txEffectClrLst/>
-  </dgm:styleLbl>
-  <dgm:styleLbl name="callout">
-    <dgm:fillClrLst meth="repeat">
-      <a:schemeClr val="dk2"/>
-    </dgm:fillClrLst>
-    <dgm:linClrLst meth="repeat">
-      <a:schemeClr val="dk2">
-        <a:tint val="50000"/>
-      </a:schemeClr>
-    </dgm:linClrLst>
-    <dgm:effectClrLst/>
-    <dgm:txLinClrLst/>
-    <dgm:txFillClrLst meth="repeat">
-      <a:schemeClr val="lt2"/>
-    </dgm:txFillClrLst>
-    <dgm:txEffectClrLst/>
-  </dgm:styleLbl>
-  <dgm:styleLbl name="asst0">
-    <dgm:fillClrLst meth="repeat">
-      <a:schemeClr val="dk2"/>
-    </dgm:fillClrLst>
-    <dgm:linClrLst meth="repeat">
-      <a:schemeClr val="lt2"/>
-    </dgm:linClrLst>
-    <dgm:effectClrLst/>
-    <dgm:txLinClrLst/>
-    <dgm:txFillClrLst/>
-    <dgm:txEffectClrLst/>
-  </dgm:styleLbl>
-  <dgm:styleLbl name="asst1">
-    <dgm:fillClrLst meth="repeat">
-      <a:schemeClr val="dk2"/>
-    </dgm:fillClrLst>
-    <dgm:linClrLst meth="repeat">
-      <a:schemeClr val="lt2"/>
-    </dgm:linClrLst>
-    <dgm:effectClrLst/>
-    <dgm:txLinClrLst/>
-    <dgm:txFillClrLst/>
-    <dgm:txEffectClrLst/>
-  </dgm:styleLbl>
-  <dgm:styleLbl name="asst2">
-    <dgm:fillClrLst meth="repeat">
-      <a:schemeClr val="dk2"/>
-    </dgm:fillClrLst>
-    <dgm:linClrLst meth="repeat">
-      <a:schemeClr val="lt2"/>
-    </dgm:linClrLst>
-    <dgm:effectClrLst/>
-    <dgm:txLinClrLst/>
-    <dgm:txFillClrLst/>
-    <dgm:txEffectClrLst/>
-  </dgm:styleLbl>
-  <dgm:styleLbl name="asst3">
-    <dgm:fillClrLst meth="repeat">
-      <a:schemeClr val="dk2"/>
-    </dgm:fillClrLst>
-    <dgm:linClrLst meth="repeat">
-      <a:schemeClr val="lt2"/>
-    </dgm:linClrLst>
-    <dgm:effectClrLst/>
-    <dgm:txLinClrLst/>
-    <dgm:txFillClrLst/>
-    <dgm:txEffectClrLst/>
-  </dgm:styleLbl>
-  <dgm:styleLbl name="asst4">
-    <dgm:fillClrLst meth="repeat">
-      <a:schemeClr val="dk2"/>
-    </dgm:fillClrLst>
-    <dgm:linClrLst meth="repeat">
-      <a:schemeClr val="lt2"/>
-    </dgm:linClrLst>
-    <dgm:effectClrLst/>
-    <dgm:txLinClrLst/>
-    <dgm:txFillClrLst/>
-    <dgm:txEffectClrLst/>
-  </dgm:styleLbl>
-  <dgm:styleLbl name="parChTrans2D1">
-    <dgm:fillClrLst meth="repeat">
-      <a:schemeClr val="dk2">
-        <a:tint val="60000"/>
-      </a:schemeClr>
-    </dgm:fillClrLst>
-    <dgm:linClrLst meth="repeat">
-      <a:schemeClr val="dk2">
-        <a:tint val="60000"/>
-      </a:schemeClr>
-    </dgm:linClrLst>
-    <dgm:effectClrLst/>
-    <dgm:txLinClrLst/>
-    <dgm:txFillClrLst meth="repeat">
-      <a:schemeClr val="lt2"/>
-    </dgm:txFillClrLst>
-    <dgm:txEffectClrLst/>
-  </dgm:styleLbl>
-  <dgm:styleLbl name="parChTrans2D2">
-    <dgm:fillClrLst meth="repeat">
-      <a:schemeClr val="dk2"/>
-    </dgm:fillClrLst>
-    <dgm:linClrLst meth="repeat">
-      <a:schemeClr val="dk2"/>
-    </dgm:linClrLst>
-    <dgm:effectClrLst/>
-    <dgm:txLinClrLst/>
-    <dgm:txFillClrLst meth="repeat">
-      <a:schemeClr val="lt2"/>
-    </dgm:txFillClrLst>
-    <dgm:txEffectClrLst/>
-  </dgm:styleLbl>
-  <dgm:styleLbl name="parChTrans2D3">
-    <dgm:fillClrLst meth="repeat">
-      <a:schemeClr val="dk2"/>
-    </dgm:fillClrLst>
-    <dgm:linClrLst meth="repeat">
-      <a:schemeClr val="dk2"/>
-    </dgm:linClrLst>
-    <dgm:effectClrLst/>
-    <dgm:txLinClrLst/>
-    <dgm:txFillClrLst meth="repeat">
-      <a:schemeClr val="lt2"/>
-    </dgm:txFillClrLst>
-    <dgm:txEffectClrLst/>
-  </dgm:styleLbl>
-  <dgm:styleLbl name="parChTrans2D4">
-    <dgm:fillClrLst meth="repeat">
-      <a:schemeClr val="dk2"/>
-    </dgm:fillClrLst>
-    <dgm:linClrLst meth="repeat">
-      <a:schemeClr val="dk2"/>
-    </dgm:linClrLst>
-    <dgm:effectClrLst/>
-    <dgm:txLinClrLst/>
-    <dgm:txFillClrLst meth="repeat">
-      <a:schemeClr val="lt2"/>
-    </dgm:txFillClrLst>
-    <dgm:txEffectClrLst/>
-  </dgm:styleLbl>
-  <dgm:styleLbl name="parChTrans1D1">
-    <dgm:fillClrLst meth="repeat">
-      <a:schemeClr val="dk2"/>
-    </dgm:fillClrLst>
-    <dgm:linClrLst meth="repeat">
-      <a:schemeClr val="dk2">
-        <a:shade val="60000"/>
-      </a:schemeClr>
-    </dgm:linClrLst>
-    <dgm:effectClrLst/>
-    <dgm:txLinClrLst/>
-    <dgm:txFillClrLst meth="repeat">
-      <a:schemeClr val="tx1"/>
-    </dgm:txFillClrLst>
-    <dgm:txEffectClrLst/>
-  </dgm:styleLbl>
-  <dgm:styleLbl name="parChTrans1D2">
-    <dgm:fillClrLst meth="repeat">
-      <a:schemeClr val="dk2"/>
-    </dgm:fillClrLst>
-    <dgm:linClrLst meth="repeat">
-      <a:schemeClr val="dk2">
-        <a:shade val="60000"/>
-      </a:schemeClr>
-    </dgm:linClrLst>
-    <dgm:effectClrLst/>
-    <dgm:txLinClrLst/>
-    <dgm:txFillClrLst meth="repeat">
-      <a:schemeClr val="tx1"/>
-    </dgm:txFillClrLst>
-    <dgm:txEffectClrLst/>
-  </dgm:styleLbl>
-  <dgm:styleLbl name="parChTrans1D3">
-    <dgm:fillClrLst meth="repeat">
-      <a:schemeClr val="dk2"/>
-    </dgm:fillClrLst>
-    <dgm:linClrLst meth="repeat">
-      <a:schemeClr val="dk2">
-        <a:shade val="80000"/>
-      </a:schemeClr>
-    </dgm:linClrLst>
-    <dgm:effectClrLst/>
-    <dgm:txLinClrLst/>
-    <dgm:txFillClrLst meth="repeat">
-      <a:schemeClr val="tx1"/>
-    </dgm:txFillClrLst>
-    <dgm:txEffectClrLst/>
-  </dgm:styleLbl>
-  <dgm:styleLbl name="parChTrans1D4">
-    <dgm:fillClrLst meth="repeat">
-      <a:schemeClr val="dk2"/>
-    </dgm:fillClrLst>
-    <dgm:linClrLst meth="repeat">
-      <a:schemeClr val="dk2">
-        <a:shade val="80000"/>
-      </a:schemeClr>
-    </dgm:linClrLst>
-    <dgm:effectClrLst/>
-    <dgm:txLinClrLst/>
-    <dgm:txFillClrLst meth="repeat">
-      <a:schemeClr val="tx1"/>
-    </dgm:txFillClrLst>
-    <dgm:txEffectClrLst/>
-  </dgm:styleLbl>
-  <dgm:styleLbl name="fgAcc1">
-    <dgm:fillClrLst meth="repeat">
-      <a:schemeClr val="lt2">
-        <a:alpha val="90000"/>
-      </a:schemeClr>
-    </dgm:fillClrLst>
-    <dgm:linClrLst meth="repeat">
-      <a:schemeClr val="dk2"/>
-    </dgm:linClrLst>
-    <dgm:effectClrLst/>
-    <dgm:txLinClrLst/>
-    <dgm:txFillClrLst meth="repeat">
-      <a:schemeClr val="dk1"/>
-    </dgm:txFillClrLst>
-    <dgm:txEffectClrLst/>
-  </dgm:styleLbl>
-  <dgm:styleLbl name="conFgAcc1">
-    <dgm:fillClrLst meth="repeat">
-      <a:schemeClr val="lt2">
-        <a:alpha val="90000"/>
-      </a:schemeClr>
-    </dgm:fillClrLst>
-    <dgm:linClrLst meth="repeat">
-      <a:schemeClr val="dk2"/>
-    </dgm:linClrLst>
-    <dgm:effectClrLst/>
-    <dgm:txLinClrLst/>
-    <dgm:txFillClrLst meth="repeat">
-      <a:schemeClr val="dk1"/>
-    </dgm:txFillClrLst>
-    <dgm:txEffectClrLst/>
-  </dgm:styleLbl>
-  <dgm:styleLbl name="alignAcc1">
-    <dgm:fillClrLst meth="repeat">
-      <a:schemeClr val="lt2">
-        <a:alpha val="90000"/>
-      </a:schemeClr>
-    </dgm:fillClrLst>
-    <dgm:linClrLst meth="repeat">
-      <a:schemeClr val="dk2"/>
-    </dgm:linClrLst>
-    <dgm:effectClrLst/>
-    <dgm:txLinClrLst/>
-    <dgm:txFillClrLst meth="repeat">
-      <a:schemeClr val="dk1"/>
-    </dgm:txFillClrLst>
-    <dgm:txEffectClrLst/>
-  </dgm:styleLbl>
-  <dgm:styleLbl name="trAlignAcc1">
-    <dgm:fillClrLst meth="repeat">
-      <a:schemeClr val="lt2">
-        <a:alpha val="40000"/>
-      </a:schemeClr>
-    </dgm:fillClrLst>
-    <dgm:linClrLst meth="repeat">
-      <a:schemeClr val="dk2"/>
-    </dgm:linClrLst>
-    <dgm:effectClrLst/>
-    <dgm:txLinClrLst/>
-    <dgm:txFillClrLst meth="repeat">
-      <a:schemeClr val="dk1"/>
-    </dgm:txFillClrLst>
-    <dgm:txEffectClrLst/>
-  </dgm:styleLbl>
-  <dgm:styleLbl name="bgAcc1">
-    <dgm:fillClrLst meth="repeat">
-      <a:schemeClr val="lt2">
-        <a:alpha val="90000"/>
-      </a:schemeClr>
-    </dgm:fillClrLst>
-    <dgm:linClrLst meth="repeat">
-      <a:schemeClr val="dk2"/>
-    </dgm:linClrLst>
-    <dgm:effectClrLst/>
-    <dgm:txLinClrLst/>
-    <dgm:txFillClrLst meth="repeat">
-      <a:schemeClr val="dk1"/>
-    </dgm:txFillClrLst>
-    <dgm:txEffectClrLst/>
-  </dgm:styleLbl>
-  <dgm:styleLbl name="solidFgAcc1">
-    <dgm:fillClrLst meth="repeat">
-      <a:schemeClr val="lt2"/>
-    </dgm:fillClrLst>
-    <dgm:linClrLst meth="repeat">
-      <a:schemeClr val="dk2"/>
-    </dgm:linClrLst>
-    <dgm:effectClrLst/>
-    <dgm:txLinClrLst/>
-    <dgm:txFillClrLst meth="repeat">
-      <a:schemeClr val="dk1"/>
-    </dgm:txFillClrLst>
-    <dgm:txEffectClrLst/>
-  </dgm:styleLbl>
-  <dgm:styleLbl name="solidAlignAcc1">
-    <dgm:fillClrLst meth="repeat">
-      <a:schemeClr val="lt2"/>
-    </dgm:fillClrLst>
-    <dgm:linClrLst meth="repeat">
-      <a:schemeClr val="dk2"/>
-    </dgm:linClrLst>
-    <dgm:effectClrLst/>
-    <dgm:txLinClrLst/>
-    <dgm:txFillClrLst meth="repeat">
-      <a:schemeClr val="dk1"/>
-    </dgm:txFillClrLst>
-    <dgm:txEffectClrLst/>
-  </dgm:styleLbl>
-  <dgm:styleLbl name="solidBgAcc1">
-    <dgm:fillClrLst meth="repeat">
-      <a:schemeClr val="lt2"/>
-    </dgm:fillClrLst>
-    <dgm:linClrLst meth="repeat">
-      <a:schemeClr val="dk2"/>
-    </dgm:linClrLst>
-    <dgm:effectClrLst/>
-    <dgm:txLinClrLst/>
-    <dgm:txFillClrLst meth="repeat">
-      <a:schemeClr val="dk1"/>
-    </dgm:txFillClrLst>
-    <dgm:txEffectClrLst/>
-  </dgm:styleLbl>
-  <dgm:styleLbl name="fgAccFollowNode1">
-    <dgm:fillClrLst meth="repeat">
-      <a:schemeClr val="dk2">
-        <a:alpha val="90000"/>
-        <a:tint val="40000"/>
-      </a:schemeClr>
-    </dgm:fillClrLst>
-    <dgm:linClrLst meth="repeat">
-      <a:schemeClr val="dk2">
-        <a:alpha val="90000"/>
-        <a:tint val="40000"/>
-      </a:schemeClr>
-    </dgm:linClrLst>
-    <dgm:effectClrLst/>
-    <dgm:txLinClrLst/>
-    <dgm:txFillClrLst meth="repeat">
-      <a:schemeClr val="dk1"/>
-    </dgm:txFillClrLst>
-    <dgm:txEffectClrLst/>
-  </dgm:styleLbl>
-  <dgm:styleLbl name="alignAccFollowNode1">
-    <dgm:fillClrLst meth="repeat">
-      <a:schemeClr val="dk2">
-        <a:alpha val="90000"/>
-        <a:tint val="40000"/>
-      </a:schemeClr>
-    </dgm:fillClrLst>
-    <dgm:linClrLst meth="repeat">
-      <a:schemeClr val="dk2">
-        <a:alpha val="90000"/>
-        <a:tint val="40000"/>
-      </a:schemeClr>
-    </dgm:linClrLst>
-    <dgm:effectClrLst/>
-    <dgm:txLinClrLst/>
-    <dgm:txFillClrLst meth="repeat">
-      <a:schemeClr val="dk1"/>
-    </dgm:txFillClrLst>
-    <dgm:txEffectClrLst/>
-  </dgm:styleLbl>
-  <dgm:styleLbl name="bgAccFollowNode1">
-    <dgm:fillClrLst meth="repeat">
-      <a:schemeClr val="dk2">
-        <a:alpha val="90000"/>
-        <a:tint val="40000"/>
-      </a:schemeClr>
-    </dgm:fillClrLst>
-    <dgm:linClrLst meth="repeat">
-      <a:schemeClr val="dk2">
-        <a:alpha val="90000"/>
-        <a:tint val="40000"/>
-      </a:schemeClr>
-    </dgm:linClrLst>
-    <dgm:effectClrLst/>
-    <dgm:txLinClrLst/>
-    <dgm:txFillClrLst meth="repeat">
-      <a:schemeClr val="dk1"/>
-    </dgm:txFillClrLst>
-    <dgm:txEffectClrLst/>
-  </dgm:styleLbl>
-  <dgm:styleLbl name="fgAcc0">
-    <dgm:fillClrLst meth="repeat">
-      <a:schemeClr val="lt2">
-        <a:alpha val="90000"/>
-      </a:schemeClr>
-    </dgm:fillClrLst>
-    <dgm:linClrLst meth="repeat">
-      <a:schemeClr val="dk2"/>
-    </dgm:linClrLst>
-    <dgm:effectClrLst/>
-    <dgm:txLinClrLst/>
-    <dgm:txFillClrLst meth="repeat">
-      <a:schemeClr val="dk1"/>
-    </dgm:txFillClrLst>
-    <dgm:txEffectClrLst/>
-  </dgm:styleLbl>
-  <dgm:styleLbl name="fgAcc2">
-    <dgm:fillClrLst meth="repeat">
-      <a:schemeClr val="lt2">
-        <a:alpha val="90000"/>
-      </a:schemeClr>
-    </dgm:fillClrLst>
-    <dgm:linClrLst meth="repeat">
-      <a:schemeClr val="dk2"/>
-    </dgm:linClrLst>
-    <dgm:effectClrLst/>
-    <dgm:txLinClrLst/>
-    <dgm:txFillClrLst meth="repeat">
-      <a:schemeClr val="dk1"/>
-    </dgm:txFillClrLst>
-    <dgm:txEffectClrLst/>
-  </dgm:styleLbl>
-  <dgm:styleLbl name="fgAcc3">
-    <dgm:fillClrLst meth="repeat">
-      <a:schemeClr val="lt2">
-        <a:alpha val="90000"/>
-      </a:schemeClr>
-    </dgm:fillClrLst>
-    <dgm:linClrLst meth="repeat">
-      <a:schemeClr val="dk2"/>
-    </dgm:linClrLst>
-    <dgm:effectClrLst/>
-    <dgm:txLinClrLst/>
-    <dgm:txFillClrLst meth="repeat">
-      <a:schemeClr val="dk1"/>
-    </dgm:txFillClrLst>
-    <dgm:txEffectClrLst/>
-  </dgm:styleLbl>
-  <dgm:styleLbl name="fgAcc4">
-    <dgm:fillClrLst meth="repeat">
-      <a:schemeClr val="lt2">
-        <a:alpha val="90000"/>
-      </a:schemeClr>
-    </dgm:fillClrLst>
-    <dgm:linClrLst meth="repeat">
-      <a:schemeClr val="dk2"/>
-    </dgm:linClrLst>
-    <dgm:effectClrLst/>
-    <dgm:txLinClrLst/>
-    <dgm:txFillClrLst meth="repeat">
-      <a:schemeClr val="dk1"/>
-    </dgm:txFillClrLst>
-    <dgm:txEffectClrLst/>
-  </dgm:styleLbl>
-  <dgm:styleLbl name="bgShp">
-    <dgm:fillClrLst meth="repeat">
-      <a:schemeClr val="dk2">
-        <a:tint val="40000"/>
-      </a:schemeClr>
-    </dgm:fillClrLst>
-    <dgm:linClrLst meth="repeat">
-      <a:schemeClr val="dk2"/>
-    </dgm:linClrLst>
-    <dgm:effectClrLst/>
-    <dgm:txLinClrLst/>
-    <dgm:txFillClrLst meth="repeat">
-      <a:schemeClr val="dk1"/>
-    </dgm:txFillClrLst>
-    <dgm:txEffectClrLst/>
-  </dgm:styleLbl>
-  <dgm:styleLbl name="dkBgShp">
-    <dgm:fillClrLst meth="repeat">
-      <a:schemeClr val="dk2">
-        <a:shade val="80000"/>
-      </a:schemeClr>
-    </dgm:fillClrLst>
-    <dgm:linClrLst meth="repeat">
-      <a:schemeClr val="dk2"/>
-    </dgm:linClrLst>
-    <dgm:effectClrLst/>
-    <dgm:txLinClrLst/>
-    <dgm:txFillClrLst meth="repeat">
-      <a:schemeClr val="lt1"/>
-    </dgm:txFillClrLst>
-    <dgm:txEffectClrLst/>
-  </dgm:styleLbl>
-  <dgm:styleLbl name="trBgShp">
-    <dgm:fillClrLst meth="repeat">
-      <a:schemeClr val="dk2">
-        <a:tint val="50000"/>
-        <a:alpha val="40000"/>
-      </a:schemeClr>
-    </dgm:fillClrLst>
-    <dgm:linClrLst meth="repeat">
-      <a:schemeClr val="dk2"/>
-    </dgm:linClrLst>
-    <dgm:effectClrLst/>
-    <dgm:txLinClrLst/>
-    <dgm:txFillClrLst meth="repeat">
-      <a:schemeClr val="lt1"/>
-    </dgm:txFillClrLst>
-    <dgm:txEffectClrLst/>
-  </dgm:styleLbl>
-  <dgm:styleLbl name="fgShp">
-    <dgm:fillClrLst meth="repeat">
-      <a:schemeClr val="dk2">
-        <a:tint val="60000"/>
-      </a:schemeClr>
-    </dgm:fillClrLst>
-    <dgm:linClrLst meth="repeat">
-      <a:schemeClr val="lt2"/>
-    </dgm:linClrLst>
-    <dgm:effectClrLst/>
-    <dgm:txLinClrLst/>
-    <dgm:txFillClrLst meth="repeat">
-      <a:schemeClr val="dk1"/>
-    </dgm:txFillClrLst>
-    <dgm:txEffectClrLst/>
-  </dgm:styleLbl>
-  <dgm:styleLbl name="revTx">
-    <dgm:fillClrLst meth="repeat">
-      <a:schemeClr val="lt2">
-        <a:alpha val="0"/>
-      </a:schemeClr>
-    </dgm:fillClrLst>
-    <dgm:linClrLst meth="repeat">
-      <a:schemeClr val="dk1">
-        <a:alpha val="0"/>
-      </a:schemeClr>
-    </dgm:linClrLst>
-    <dgm:effectClrLst/>
-    <dgm:txLinClrLst/>
-    <dgm:txFillClrLst meth="repeat">
-      <a:schemeClr val="tx1"/>
-    </dgm:txFillClrLst>
-    <dgm:txEffectClrLst/>
-  </dgm:styleLbl>
-</dgm:colorsDef>
-</file>
-
-<file path=ppt/diagrams/data1.xml><?xml version="1.0" encoding="utf-8"?>
-<dgm:dataModel xmlns:dgm="http://schemas.openxmlformats.org/drawingml/2006/diagram" xmlns:a="http://schemas.openxmlformats.org/drawingml/2006/main">
-  <dgm:ptLst>
-    <dgm:pt modelId="{61C9D436-DFDC-4AA3-84EE-4FEC532BD79B}" type="doc">
-      <dgm:prSet loTypeId="urn:microsoft.com/office/officeart/2005/8/layout/radial1" loCatId="cycle" qsTypeId="urn:microsoft.com/office/officeart/2005/8/quickstyle/simple4" qsCatId="simple" csTypeId="urn:microsoft.com/office/officeart/2005/8/colors/accent0_3" csCatId="mainScheme" phldr="1"/>
-      <dgm:spPr/>
-      <dgm:t>
-        <a:bodyPr/>
-        <a:lstStyle/>
-        <a:p>
-          <a:endParaRPr lang="fr-FR"/>
-        </a:p>
-      </dgm:t>
-    </dgm:pt>
-    <dgm:pt modelId="{73F11CEF-B868-47FA-938D-FB075A0BB07C}">
-      <dgm:prSet phldrT="[Text]" phldr="1"/>
-      <dgm:spPr/>
-      <dgm:t>
-        <a:bodyPr/>
-        <a:lstStyle/>
-        <a:p>
-          <a:endParaRPr lang="fr-FR" dirty="0"/>
-        </a:p>
-      </dgm:t>
-    </dgm:pt>
-    <dgm:pt modelId="{201B3D53-445D-491A-9A81-705268DE64DA}" type="parTrans" cxnId="{18C8EDBC-CD85-4331-84EF-76E9076861E3}">
-      <dgm:prSet/>
-      <dgm:spPr/>
-      <dgm:t>
-        <a:bodyPr/>
-        <a:lstStyle/>
-        <a:p>
-          <a:endParaRPr lang="fr-FR"/>
-        </a:p>
-      </dgm:t>
-    </dgm:pt>
-    <dgm:pt modelId="{665B5369-A7EB-49F5-BA1E-5F388626AB84}" type="sibTrans" cxnId="{18C8EDBC-CD85-4331-84EF-76E9076861E3}">
-      <dgm:prSet/>
-      <dgm:spPr/>
-      <dgm:t>
-        <a:bodyPr/>
-        <a:lstStyle/>
-        <a:p>
-          <a:endParaRPr lang="fr-FR"/>
-        </a:p>
-      </dgm:t>
-    </dgm:pt>
-    <dgm:pt modelId="{648EB689-45A5-4C32-B40B-9D5BCDD30AF2}">
-      <dgm:prSet phldrT="[Text]" phldr="1"/>
-      <dgm:spPr/>
-      <dgm:t>
-        <a:bodyPr/>
-        <a:lstStyle/>
-        <a:p>
-          <a:endParaRPr lang="fr-FR"/>
-        </a:p>
-      </dgm:t>
-    </dgm:pt>
-    <dgm:pt modelId="{49D0DE46-AB92-454C-B78E-5B611361D4ED}" type="parTrans" cxnId="{B8AB71E0-062C-47AF-BFFD-AE5033264B84}">
-      <dgm:prSet/>
-      <dgm:spPr/>
-      <dgm:t>
-        <a:bodyPr/>
-        <a:lstStyle/>
-        <a:p>
-          <a:endParaRPr lang="fr-FR"/>
-        </a:p>
-      </dgm:t>
-    </dgm:pt>
-    <dgm:pt modelId="{0FEC6223-6496-4387-B909-6B426C35B96F}" type="sibTrans" cxnId="{B8AB71E0-062C-47AF-BFFD-AE5033264B84}">
-      <dgm:prSet/>
-      <dgm:spPr/>
-      <dgm:t>
-        <a:bodyPr/>
-        <a:lstStyle/>
-        <a:p>
-          <a:endParaRPr lang="fr-FR"/>
-        </a:p>
-      </dgm:t>
-    </dgm:pt>
-    <dgm:pt modelId="{6272F0F8-DF67-478C-ADD4-BD664F726B6C}">
-      <dgm:prSet phldrT="[Text]" phldr="1"/>
-      <dgm:spPr/>
-      <dgm:t>
-        <a:bodyPr/>
-        <a:lstStyle/>
-        <a:p>
-          <a:endParaRPr lang="fr-FR"/>
-        </a:p>
-      </dgm:t>
-    </dgm:pt>
-    <dgm:pt modelId="{043A078C-8938-4272-A135-D2FA7852178D}" type="parTrans" cxnId="{7A6CFD8C-7BDA-4014-A3DB-00BFE734E93B}">
-      <dgm:prSet/>
-      <dgm:spPr/>
-      <dgm:t>
-        <a:bodyPr/>
-        <a:lstStyle/>
-        <a:p>
-          <a:endParaRPr lang="fr-FR"/>
-        </a:p>
-      </dgm:t>
-    </dgm:pt>
-    <dgm:pt modelId="{96916972-C16A-4508-84AE-55A638F10693}" type="sibTrans" cxnId="{7A6CFD8C-7BDA-4014-A3DB-00BFE734E93B}">
-      <dgm:prSet/>
-      <dgm:spPr/>
-      <dgm:t>
-        <a:bodyPr/>
-        <a:lstStyle/>
-        <a:p>
-          <a:endParaRPr lang="fr-FR"/>
-        </a:p>
-      </dgm:t>
-    </dgm:pt>
-    <dgm:pt modelId="{4FEAF5B9-0683-4AEB-B188-D33BC8B7EAD8}">
-      <dgm:prSet phldrT="[Text]" phldr="1"/>
-      <dgm:spPr/>
-      <dgm:t>
-        <a:bodyPr/>
-        <a:lstStyle/>
-        <a:p>
-          <a:endParaRPr lang="fr-FR"/>
-        </a:p>
-      </dgm:t>
-    </dgm:pt>
-    <dgm:pt modelId="{D2E00496-5448-4988-98CF-F8C77D9773F7}" type="parTrans" cxnId="{7184A821-3107-4659-BA49-D36A7347E8C3}">
-      <dgm:prSet/>
-      <dgm:spPr/>
-      <dgm:t>
-        <a:bodyPr/>
-        <a:lstStyle/>
-        <a:p>
-          <a:endParaRPr lang="fr-FR"/>
-        </a:p>
-      </dgm:t>
-    </dgm:pt>
-    <dgm:pt modelId="{678DF7C8-0C34-4EB2-8D2B-A85D5F4E5D87}" type="sibTrans" cxnId="{7184A821-3107-4659-BA49-D36A7347E8C3}">
-      <dgm:prSet/>
-      <dgm:spPr/>
-      <dgm:t>
-        <a:bodyPr/>
-        <a:lstStyle/>
-        <a:p>
-          <a:endParaRPr lang="fr-FR"/>
-        </a:p>
-      </dgm:t>
-    </dgm:pt>
-    <dgm:pt modelId="{308DAF61-E9FF-4EDA-B0CE-40C4110DC406}">
-      <dgm:prSet phldrT="[Text]" phldr="1"/>
-      <dgm:spPr/>
-      <dgm:t>
-        <a:bodyPr/>
-        <a:lstStyle/>
-        <a:p>
-          <a:endParaRPr lang="fr-FR"/>
-        </a:p>
-      </dgm:t>
-    </dgm:pt>
-    <dgm:pt modelId="{173D1590-D3FA-44F3-B0E3-B36CAE1360A7}" type="parTrans" cxnId="{1B96A413-6E6A-40DF-8675-1FFA145DD1C5}">
-      <dgm:prSet/>
-      <dgm:spPr/>
-      <dgm:t>
-        <a:bodyPr/>
-        <a:lstStyle/>
-        <a:p>
-          <a:endParaRPr lang="fr-FR"/>
-        </a:p>
-      </dgm:t>
-    </dgm:pt>
-    <dgm:pt modelId="{EBD46415-84D2-4431-8836-ACB2D1660B18}" type="sibTrans" cxnId="{1B96A413-6E6A-40DF-8675-1FFA145DD1C5}">
-      <dgm:prSet/>
-      <dgm:spPr/>
-      <dgm:t>
-        <a:bodyPr/>
-        <a:lstStyle/>
-        <a:p>
-          <a:endParaRPr lang="fr-FR"/>
-        </a:p>
-      </dgm:t>
-    </dgm:pt>
-    <dgm:pt modelId="{6CD029B4-F231-463E-9C52-73146B108ABF}">
-      <dgm:prSet/>
-      <dgm:spPr/>
-      <dgm:t>
-        <a:bodyPr/>
-        <a:lstStyle/>
-        <a:p>
-          <a:endParaRPr lang="fr-FR"/>
-        </a:p>
-      </dgm:t>
-    </dgm:pt>
-    <dgm:pt modelId="{4D7A44C6-10D7-4B84-B2AE-89C0B045F8EF}" type="parTrans" cxnId="{25E3B334-601B-4A75-B73C-B530ACC73E02}">
-      <dgm:prSet/>
-      <dgm:spPr/>
-      <dgm:t>
-        <a:bodyPr/>
-        <a:lstStyle/>
-        <a:p>
-          <a:endParaRPr lang="fr-FR"/>
-        </a:p>
-      </dgm:t>
-    </dgm:pt>
-    <dgm:pt modelId="{DF976A46-B8FD-4A95-A2FC-D7E4F7DB9EA4}" type="sibTrans" cxnId="{25E3B334-601B-4A75-B73C-B530ACC73E02}">
-      <dgm:prSet/>
-      <dgm:spPr/>
-      <dgm:t>
-        <a:bodyPr/>
-        <a:lstStyle/>
-        <a:p>
-          <a:endParaRPr lang="fr-FR"/>
-        </a:p>
-      </dgm:t>
-    </dgm:pt>
-    <dgm:pt modelId="{896B2475-3479-44E2-A1C3-485CE98B2433}">
-      <dgm:prSet/>
-      <dgm:spPr/>
-      <dgm:t>
-        <a:bodyPr/>
-        <a:lstStyle/>
-        <a:p>
-          <a:endParaRPr lang="fr-FR"/>
-        </a:p>
-      </dgm:t>
-    </dgm:pt>
-    <dgm:pt modelId="{CCC24E93-8E4C-4D18-9166-0DB3D234AB02}" type="parTrans" cxnId="{3049CFAF-B337-45D7-812A-E0E5209E7A64}">
-      <dgm:prSet/>
-      <dgm:spPr/>
-      <dgm:t>
-        <a:bodyPr/>
-        <a:lstStyle/>
-        <a:p>
-          <a:endParaRPr lang="fr-FR"/>
-        </a:p>
-      </dgm:t>
-    </dgm:pt>
-    <dgm:pt modelId="{F30910CF-33F5-4741-AF15-D6110A9FC371}" type="sibTrans" cxnId="{3049CFAF-B337-45D7-812A-E0E5209E7A64}">
-      <dgm:prSet/>
-      <dgm:spPr/>
-      <dgm:t>
-        <a:bodyPr/>
-        <a:lstStyle/>
-        <a:p>
-          <a:endParaRPr lang="fr-FR"/>
-        </a:p>
-      </dgm:t>
-    </dgm:pt>
-    <dgm:pt modelId="{6A3AE429-ED4E-492C-B596-A015A198DC16}">
-      <dgm:prSet/>
-      <dgm:spPr/>
-      <dgm:t>
-        <a:bodyPr/>
-        <a:lstStyle/>
-        <a:p>
-          <a:endParaRPr lang="fr-FR"/>
-        </a:p>
-      </dgm:t>
-    </dgm:pt>
-    <dgm:pt modelId="{7C9A7A03-5034-4790-B263-8B5ECC9AE787}" type="parTrans" cxnId="{571509C2-3484-439C-8372-D377150296D9}">
-      <dgm:prSet/>
-      <dgm:spPr/>
-      <dgm:t>
-        <a:bodyPr/>
-        <a:lstStyle/>
-        <a:p>
-          <a:endParaRPr lang="fr-FR"/>
-        </a:p>
-      </dgm:t>
-    </dgm:pt>
-    <dgm:pt modelId="{D141A0CD-EF8D-4431-887F-303C481CDBA9}" type="sibTrans" cxnId="{571509C2-3484-439C-8372-D377150296D9}">
-      <dgm:prSet/>
-      <dgm:spPr/>
-      <dgm:t>
-        <a:bodyPr/>
-        <a:lstStyle/>
-        <a:p>
-          <a:endParaRPr lang="fr-FR"/>
-        </a:p>
-      </dgm:t>
-    </dgm:pt>
-    <dgm:pt modelId="{8A4C3A3D-2D7C-4323-B699-AEED20F67429}" type="pres">
-      <dgm:prSet presAssocID="{61C9D436-DFDC-4AA3-84EE-4FEC532BD79B}" presName="cycle" presStyleCnt="0">
-        <dgm:presLayoutVars>
-          <dgm:chMax val="1"/>
-          <dgm:dir/>
-          <dgm:animLvl val="ctr"/>
-          <dgm:resizeHandles val="exact"/>
-        </dgm:presLayoutVars>
-      </dgm:prSet>
-      <dgm:spPr/>
-    </dgm:pt>
-    <dgm:pt modelId="{EFD2FA64-FF24-45CA-A7D0-8AE17A53E9FC}" type="pres">
-      <dgm:prSet presAssocID="{73F11CEF-B868-47FA-938D-FB075A0BB07C}" presName="centerShape" presStyleLbl="node0" presStyleIdx="0" presStyleCnt="1"/>
-      <dgm:spPr/>
-    </dgm:pt>
-    <dgm:pt modelId="{AD5E6852-E3A3-48E6-A90E-08E3AD5329EC}" type="pres">
-      <dgm:prSet presAssocID="{49D0DE46-AB92-454C-B78E-5B611361D4ED}" presName="Name9" presStyleLbl="parChTrans1D2" presStyleIdx="0" presStyleCnt="7"/>
-      <dgm:spPr/>
-    </dgm:pt>
-    <dgm:pt modelId="{0CD909B0-30A4-4149-BFF5-9C8D914F5CB8}" type="pres">
-      <dgm:prSet presAssocID="{49D0DE46-AB92-454C-B78E-5B611361D4ED}" presName="connTx" presStyleLbl="parChTrans1D2" presStyleIdx="0" presStyleCnt="7"/>
-      <dgm:spPr/>
-    </dgm:pt>
-    <dgm:pt modelId="{44818082-AFF5-4119-9A6D-F2024FA35D9A}" type="pres">
-      <dgm:prSet presAssocID="{648EB689-45A5-4C32-B40B-9D5BCDD30AF2}" presName="node" presStyleLbl="node1" presStyleIdx="0" presStyleCnt="7">
-        <dgm:presLayoutVars>
-          <dgm:bulletEnabled val="1"/>
-        </dgm:presLayoutVars>
-      </dgm:prSet>
-      <dgm:spPr/>
-    </dgm:pt>
-    <dgm:pt modelId="{5A1C6722-B8DD-489D-B754-222F6A7A38EE}" type="pres">
-      <dgm:prSet presAssocID="{043A078C-8938-4272-A135-D2FA7852178D}" presName="Name9" presStyleLbl="parChTrans1D2" presStyleIdx="1" presStyleCnt="7"/>
-      <dgm:spPr/>
-    </dgm:pt>
-    <dgm:pt modelId="{D52F0861-0DA4-4451-8D9F-94ECBDF87126}" type="pres">
-      <dgm:prSet presAssocID="{043A078C-8938-4272-A135-D2FA7852178D}" presName="connTx" presStyleLbl="parChTrans1D2" presStyleIdx="1" presStyleCnt="7"/>
-      <dgm:spPr/>
-    </dgm:pt>
-    <dgm:pt modelId="{9AB44369-5E2A-4A84-B203-1A9522C7CB9B}" type="pres">
-      <dgm:prSet presAssocID="{6272F0F8-DF67-478C-ADD4-BD664F726B6C}" presName="node" presStyleLbl="node1" presStyleIdx="1" presStyleCnt="7">
-        <dgm:presLayoutVars>
-          <dgm:bulletEnabled val="1"/>
-        </dgm:presLayoutVars>
-      </dgm:prSet>
-      <dgm:spPr/>
-    </dgm:pt>
-    <dgm:pt modelId="{31C0BCEB-43F7-4AD9-B920-05B43387011F}" type="pres">
-      <dgm:prSet presAssocID="{D2E00496-5448-4988-98CF-F8C77D9773F7}" presName="Name9" presStyleLbl="parChTrans1D2" presStyleIdx="2" presStyleCnt="7"/>
-      <dgm:spPr/>
-    </dgm:pt>
-    <dgm:pt modelId="{4AB49F44-9C96-49F0-9157-7096829E61B7}" type="pres">
-      <dgm:prSet presAssocID="{D2E00496-5448-4988-98CF-F8C77D9773F7}" presName="connTx" presStyleLbl="parChTrans1D2" presStyleIdx="2" presStyleCnt="7"/>
-      <dgm:spPr/>
-    </dgm:pt>
-    <dgm:pt modelId="{A80BECB1-B597-4CEB-81E3-89B193B856A6}" type="pres">
-      <dgm:prSet presAssocID="{4FEAF5B9-0683-4AEB-B188-D33BC8B7EAD8}" presName="node" presStyleLbl="node1" presStyleIdx="2" presStyleCnt="7">
-        <dgm:presLayoutVars>
-          <dgm:bulletEnabled val="1"/>
-        </dgm:presLayoutVars>
-      </dgm:prSet>
-      <dgm:spPr/>
-    </dgm:pt>
-    <dgm:pt modelId="{47F3C299-0E30-475D-9C6F-DE57AC8FE84D}" type="pres">
-      <dgm:prSet presAssocID="{173D1590-D3FA-44F3-B0E3-B36CAE1360A7}" presName="Name9" presStyleLbl="parChTrans1D2" presStyleIdx="3" presStyleCnt="7"/>
-      <dgm:spPr/>
-    </dgm:pt>
-    <dgm:pt modelId="{0F43977B-CC30-4464-BA72-93DE8F91F448}" type="pres">
-      <dgm:prSet presAssocID="{173D1590-D3FA-44F3-B0E3-B36CAE1360A7}" presName="connTx" presStyleLbl="parChTrans1D2" presStyleIdx="3" presStyleCnt="7"/>
-      <dgm:spPr/>
-    </dgm:pt>
-    <dgm:pt modelId="{E7D4780A-223B-4FC3-835C-56FFF1DCF4E2}" type="pres">
-      <dgm:prSet presAssocID="{308DAF61-E9FF-4EDA-B0CE-40C4110DC406}" presName="node" presStyleLbl="node1" presStyleIdx="3" presStyleCnt="7">
-        <dgm:presLayoutVars>
-          <dgm:bulletEnabled val="1"/>
-        </dgm:presLayoutVars>
-      </dgm:prSet>
-      <dgm:spPr/>
-    </dgm:pt>
-    <dgm:pt modelId="{C2F9CD7D-AF45-4F7D-A2C3-CB158102D0B1}" type="pres">
-      <dgm:prSet presAssocID="{4D7A44C6-10D7-4B84-B2AE-89C0B045F8EF}" presName="Name9" presStyleLbl="parChTrans1D2" presStyleIdx="4" presStyleCnt="7"/>
-      <dgm:spPr/>
-    </dgm:pt>
-    <dgm:pt modelId="{6A1D68D2-42B0-4BAC-A96D-F36B4A43E62F}" type="pres">
-      <dgm:prSet presAssocID="{4D7A44C6-10D7-4B84-B2AE-89C0B045F8EF}" presName="connTx" presStyleLbl="parChTrans1D2" presStyleIdx="4" presStyleCnt="7"/>
-      <dgm:spPr/>
-    </dgm:pt>
-    <dgm:pt modelId="{B94273A3-097A-4DCF-8080-7C915CF31702}" type="pres">
-      <dgm:prSet presAssocID="{6CD029B4-F231-463E-9C52-73146B108ABF}" presName="node" presStyleLbl="node1" presStyleIdx="4" presStyleCnt="7">
-        <dgm:presLayoutVars>
-          <dgm:bulletEnabled val="1"/>
-        </dgm:presLayoutVars>
-      </dgm:prSet>
-      <dgm:spPr/>
-    </dgm:pt>
-    <dgm:pt modelId="{3FCDF4CC-CD00-48C0-B4E3-944A660E3041}" type="pres">
-      <dgm:prSet presAssocID="{CCC24E93-8E4C-4D18-9166-0DB3D234AB02}" presName="Name9" presStyleLbl="parChTrans1D2" presStyleIdx="5" presStyleCnt="7"/>
-      <dgm:spPr/>
-    </dgm:pt>
-    <dgm:pt modelId="{53747BBC-12D5-4685-B629-C5A8D38F0776}" type="pres">
-      <dgm:prSet presAssocID="{CCC24E93-8E4C-4D18-9166-0DB3D234AB02}" presName="connTx" presStyleLbl="parChTrans1D2" presStyleIdx="5" presStyleCnt="7"/>
-      <dgm:spPr/>
-    </dgm:pt>
-    <dgm:pt modelId="{3FA9E819-95A5-450E-8BDB-64395BB42D9F}" type="pres">
-      <dgm:prSet presAssocID="{896B2475-3479-44E2-A1C3-485CE98B2433}" presName="node" presStyleLbl="node1" presStyleIdx="5" presStyleCnt="7">
-        <dgm:presLayoutVars>
-          <dgm:bulletEnabled val="1"/>
-        </dgm:presLayoutVars>
-      </dgm:prSet>
-      <dgm:spPr/>
-    </dgm:pt>
-    <dgm:pt modelId="{9E733576-EF25-45ED-BC3D-5A44140D1C43}" type="pres">
-      <dgm:prSet presAssocID="{7C9A7A03-5034-4790-B263-8B5ECC9AE787}" presName="Name9" presStyleLbl="parChTrans1D2" presStyleIdx="6" presStyleCnt="7"/>
-      <dgm:spPr/>
-    </dgm:pt>
-    <dgm:pt modelId="{A93E80DD-7206-4E1E-9ED7-EA3714F16D84}" type="pres">
-      <dgm:prSet presAssocID="{7C9A7A03-5034-4790-B263-8B5ECC9AE787}" presName="connTx" presStyleLbl="parChTrans1D2" presStyleIdx="6" presStyleCnt="7"/>
-      <dgm:spPr/>
-    </dgm:pt>
-    <dgm:pt modelId="{C38B1CC1-A205-464D-A462-61A5611E4ED2}" type="pres">
-      <dgm:prSet presAssocID="{6A3AE429-ED4E-492C-B596-A015A198DC16}" presName="node" presStyleLbl="node1" presStyleIdx="6" presStyleCnt="7">
-        <dgm:presLayoutVars>
-          <dgm:bulletEnabled val="1"/>
-        </dgm:presLayoutVars>
-      </dgm:prSet>
-      <dgm:spPr/>
-    </dgm:pt>
-  </dgm:ptLst>
-  <dgm:cxnLst>
-    <dgm:cxn modelId="{CEC02006-31FC-4DD2-ACEF-ECE4D94C2025}" type="presOf" srcId="{73F11CEF-B868-47FA-938D-FB075A0BB07C}" destId="{EFD2FA64-FF24-45CA-A7D0-8AE17A53E9FC}" srcOrd="0" destOrd="0" presId="urn:microsoft.com/office/officeart/2005/8/layout/radial1"/>
-    <dgm:cxn modelId="{EBDEF707-37D2-4126-A42D-664015210112}" type="presOf" srcId="{6272F0F8-DF67-478C-ADD4-BD664F726B6C}" destId="{9AB44369-5E2A-4A84-B203-1A9522C7CB9B}" srcOrd="0" destOrd="0" presId="urn:microsoft.com/office/officeart/2005/8/layout/radial1"/>
-    <dgm:cxn modelId="{7000BA08-46E4-4F75-9A3B-970272C8889E}" type="presOf" srcId="{6A3AE429-ED4E-492C-B596-A015A198DC16}" destId="{C38B1CC1-A205-464D-A462-61A5611E4ED2}" srcOrd="0" destOrd="0" presId="urn:microsoft.com/office/officeart/2005/8/layout/radial1"/>
-    <dgm:cxn modelId="{BAA30B09-DFC8-4571-A6F5-4FC7C4F9BCDD}" type="presOf" srcId="{648EB689-45A5-4C32-B40B-9D5BCDD30AF2}" destId="{44818082-AFF5-4119-9A6D-F2024FA35D9A}" srcOrd="0" destOrd="0" presId="urn:microsoft.com/office/officeart/2005/8/layout/radial1"/>
-    <dgm:cxn modelId="{1B96A413-6E6A-40DF-8675-1FFA145DD1C5}" srcId="{73F11CEF-B868-47FA-938D-FB075A0BB07C}" destId="{308DAF61-E9FF-4EDA-B0CE-40C4110DC406}" srcOrd="3" destOrd="0" parTransId="{173D1590-D3FA-44F3-B0E3-B36CAE1360A7}" sibTransId="{EBD46415-84D2-4431-8836-ACB2D1660B18}"/>
-    <dgm:cxn modelId="{F3D8361A-E71F-4884-8A0F-FF84510EBBF4}" type="presOf" srcId="{173D1590-D3FA-44F3-B0E3-B36CAE1360A7}" destId="{47F3C299-0E30-475D-9C6F-DE57AC8FE84D}" srcOrd="0" destOrd="0" presId="urn:microsoft.com/office/officeart/2005/8/layout/radial1"/>
-    <dgm:cxn modelId="{833AC71A-020F-491F-96CC-8E7365D599EC}" type="presOf" srcId="{043A078C-8938-4272-A135-D2FA7852178D}" destId="{D52F0861-0DA4-4451-8D9F-94ECBDF87126}" srcOrd="1" destOrd="0" presId="urn:microsoft.com/office/officeart/2005/8/layout/radial1"/>
-    <dgm:cxn modelId="{7184A821-3107-4659-BA49-D36A7347E8C3}" srcId="{73F11CEF-B868-47FA-938D-FB075A0BB07C}" destId="{4FEAF5B9-0683-4AEB-B188-D33BC8B7EAD8}" srcOrd="2" destOrd="0" parTransId="{D2E00496-5448-4988-98CF-F8C77D9773F7}" sibTransId="{678DF7C8-0C34-4EB2-8D2B-A85D5F4E5D87}"/>
-    <dgm:cxn modelId="{08B3EC25-A714-4429-8FFA-E353185E2852}" type="presOf" srcId="{308DAF61-E9FF-4EDA-B0CE-40C4110DC406}" destId="{E7D4780A-223B-4FC3-835C-56FFF1DCF4E2}" srcOrd="0" destOrd="0" presId="urn:microsoft.com/office/officeart/2005/8/layout/radial1"/>
-    <dgm:cxn modelId="{065BB131-9AAF-4DAC-B4D9-6A0B48E346BA}" type="presOf" srcId="{61C9D436-DFDC-4AA3-84EE-4FEC532BD79B}" destId="{8A4C3A3D-2D7C-4323-B699-AEED20F67429}" srcOrd="0" destOrd="0" presId="urn:microsoft.com/office/officeart/2005/8/layout/radial1"/>
-    <dgm:cxn modelId="{37D0F732-9F25-48AA-9256-BD2F2326F2A2}" type="presOf" srcId="{49D0DE46-AB92-454C-B78E-5B611361D4ED}" destId="{AD5E6852-E3A3-48E6-A90E-08E3AD5329EC}" srcOrd="0" destOrd="0" presId="urn:microsoft.com/office/officeart/2005/8/layout/radial1"/>
-    <dgm:cxn modelId="{25E3B334-601B-4A75-B73C-B530ACC73E02}" srcId="{73F11CEF-B868-47FA-938D-FB075A0BB07C}" destId="{6CD029B4-F231-463E-9C52-73146B108ABF}" srcOrd="4" destOrd="0" parTransId="{4D7A44C6-10D7-4B84-B2AE-89C0B045F8EF}" sibTransId="{DF976A46-B8FD-4A95-A2FC-D7E4F7DB9EA4}"/>
-    <dgm:cxn modelId="{FB332E45-7DAB-42D9-9E82-C0A025F07829}" type="presOf" srcId="{4D7A44C6-10D7-4B84-B2AE-89C0B045F8EF}" destId="{6A1D68D2-42B0-4BAC-A96D-F36B4A43E62F}" srcOrd="1" destOrd="0" presId="urn:microsoft.com/office/officeart/2005/8/layout/radial1"/>
-    <dgm:cxn modelId="{E17E5445-284E-4024-B04C-C001B39C2D3E}" type="presOf" srcId="{4FEAF5B9-0683-4AEB-B188-D33BC8B7EAD8}" destId="{A80BECB1-B597-4CEB-81E3-89B193B856A6}" srcOrd="0" destOrd="0" presId="urn:microsoft.com/office/officeart/2005/8/layout/radial1"/>
-    <dgm:cxn modelId="{54D1A36A-241D-4EA4-97AA-5091064ECC14}" type="presOf" srcId="{6CD029B4-F231-463E-9C52-73146B108ABF}" destId="{B94273A3-097A-4DCF-8080-7C915CF31702}" srcOrd="0" destOrd="0" presId="urn:microsoft.com/office/officeart/2005/8/layout/radial1"/>
-    <dgm:cxn modelId="{5561396C-462C-444D-BB79-07F89E6F0225}" type="presOf" srcId="{D2E00496-5448-4988-98CF-F8C77D9773F7}" destId="{31C0BCEB-43F7-4AD9-B920-05B43387011F}" srcOrd="0" destOrd="0" presId="urn:microsoft.com/office/officeart/2005/8/layout/radial1"/>
-    <dgm:cxn modelId="{90E83D53-9B4D-49FB-B058-7D4AAC93F230}" type="presOf" srcId="{896B2475-3479-44E2-A1C3-485CE98B2433}" destId="{3FA9E819-95A5-450E-8BDB-64395BB42D9F}" srcOrd="0" destOrd="0" presId="urn:microsoft.com/office/officeart/2005/8/layout/radial1"/>
-    <dgm:cxn modelId="{F927B853-5D41-4163-871B-63AD3B9ED633}" type="presOf" srcId="{4D7A44C6-10D7-4B84-B2AE-89C0B045F8EF}" destId="{C2F9CD7D-AF45-4F7D-A2C3-CB158102D0B1}" srcOrd="0" destOrd="0" presId="urn:microsoft.com/office/officeart/2005/8/layout/radial1"/>
-    <dgm:cxn modelId="{7A6CFD8C-7BDA-4014-A3DB-00BFE734E93B}" srcId="{73F11CEF-B868-47FA-938D-FB075A0BB07C}" destId="{6272F0F8-DF67-478C-ADD4-BD664F726B6C}" srcOrd="1" destOrd="0" parTransId="{043A078C-8938-4272-A135-D2FA7852178D}" sibTransId="{96916972-C16A-4508-84AE-55A638F10693}"/>
-    <dgm:cxn modelId="{1F514BA8-7100-4EBE-8247-607678F0049D}" type="presOf" srcId="{173D1590-D3FA-44F3-B0E3-B36CAE1360A7}" destId="{0F43977B-CC30-4464-BA72-93DE8F91F448}" srcOrd="1" destOrd="0" presId="urn:microsoft.com/office/officeart/2005/8/layout/radial1"/>
-    <dgm:cxn modelId="{3049CFAF-B337-45D7-812A-E0E5209E7A64}" srcId="{73F11CEF-B868-47FA-938D-FB075A0BB07C}" destId="{896B2475-3479-44E2-A1C3-485CE98B2433}" srcOrd="5" destOrd="0" parTransId="{CCC24E93-8E4C-4D18-9166-0DB3D234AB02}" sibTransId="{F30910CF-33F5-4741-AF15-D6110A9FC371}"/>
-    <dgm:cxn modelId="{18C8EDBC-CD85-4331-84EF-76E9076861E3}" srcId="{61C9D436-DFDC-4AA3-84EE-4FEC532BD79B}" destId="{73F11CEF-B868-47FA-938D-FB075A0BB07C}" srcOrd="0" destOrd="0" parTransId="{201B3D53-445D-491A-9A81-705268DE64DA}" sibTransId="{665B5369-A7EB-49F5-BA1E-5F388626AB84}"/>
-    <dgm:cxn modelId="{571509C2-3484-439C-8372-D377150296D9}" srcId="{73F11CEF-B868-47FA-938D-FB075A0BB07C}" destId="{6A3AE429-ED4E-492C-B596-A015A198DC16}" srcOrd="6" destOrd="0" parTransId="{7C9A7A03-5034-4790-B263-8B5ECC9AE787}" sibTransId="{D141A0CD-EF8D-4431-887F-303C481CDBA9}"/>
-    <dgm:cxn modelId="{C568FECA-B4AC-4B10-81EC-FE233B797EA1}" type="presOf" srcId="{49D0DE46-AB92-454C-B78E-5B611361D4ED}" destId="{0CD909B0-30A4-4149-BFF5-9C8D914F5CB8}" srcOrd="1" destOrd="0" presId="urn:microsoft.com/office/officeart/2005/8/layout/radial1"/>
-    <dgm:cxn modelId="{5BAC82CF-5E31-4788-8919-FF4ED4BC1D13}" type="presOf" srcId="{D2E00496-5448-4988-98CF-F8C77D9773F7}" destId="{4AB49F44-9C96-49F0-9157-7096829E61B7}" srcOrd="1" destOrd="0" presId="urn:microsoft.com/office/officeart/2005/8/layout/radial1"/>
-    <dgm:cxn modelId="{1FB877D1-8F3E-40E9-90FF-7B0BE54FCA40}" type="presOf" srcId="{7C9A7A03-5034-4790-B263-8B5ECC9AE787}" destId="{A93E80DD-7206-4E1E-9ED7-EA3714F16D84}" srcOrd="1" destOrd="0" presId="urn:microsoft.com/office/officeart/2005/8/layout/radial1"/>
-    <dgm:cxn modelId="{DEFDC0D9-AB2A-4447-A04B-C375D271CF3C}" type="presOf" srcId="{CCC24E93-8E4C-4D18-9166-0DB3D234AB02}" destId="{53747BBC-12D5-4685-B629-C5A8D38F0776}" srcOrd="1" destOrd="0" presId="urn:microsoft.com/office/officeart/2005/8/layout/radial1"/>
-    <dgm:cxn modelId="{B8AB71E0-062C-47AF-BFFD-AE5033264B84}" srcId="{73F11CEF-B868-47FA-938D-FB075A0BB07C}" destId="{648EB689-45A5-4C32-B40B-9D5BCDD30AF2}" srcOrd="0" destOrd="0" parTransId="{49D0DE46-AB92-454C-B78E-5B611361D4ED}" sibTransId="{0FEC6223-6496-4387-B909-6B426C35B96F}"/>
-    <dgm:cxn modelId="{E3AC16E1-1A8E-4979-B941-A0908035F30D}" type="presOf" srcId="{043A078C-8938-4272-A135-D2FA7852178D}" destId="{5A1C6722-B8DD-489D-B754-222F6A7A38EE}" srcOrd="0" destOrd="0" presId="urn:microsoft.com/office/officeart/2005/8/layout/radial1"/>
-    <dgm:cxn modelId="{AA6871F2-335D-493A-A863-DD63D964A86E}" type="presOf" srcId="{CCC24E93-8E4C-4D18-9166-0DB3D234AB02}" destId="{3FCDF4CC-CD00-48C0-B4E3-944A660E3041}" srcOrd="0" destOrd="0" presId="urn:microsoft.com/office/officeart/2005/8/layout/radial1"/>
-    <dgm:cxn modelId="{34C622F4-1AB1-494D-8579-DD33E6FD1324}" type="presOf" srcId="{7C9A7A03-5034-4790-B263-8B5ECC9AE787}" destId="{9E733576-EF25-45ED-BC3D-5A44140D1C43}" srcOrd="0" destOrd="0" presId="urn:microsoft.com/office/officeart/2005/8/layout/radial1"/>
-    <dgm:cxn modelId="{FF56EF04-B485-4FE0-9B4A-B0971B076D07}" type="presParOf" srcId="{8A4C3A3D-2D7C-4323-B699-AEED20F67429}" destId="{EFD2FA64-FF24-45CA-A7D0-8AE17A53E9FC}" srcOrd="0" destOrd="0" presId="urn:microsoft.com/office/officeart/2005/8/layout/radial1"/>
-    <dgm:cxn modelId="{71B00763-99DD-4AF3-B096-9A69826C9AE4}" type="presParOf" srcId="{8A4C3A3D-2D7C-4323-B699-AEED20F67429}" destId="{AD5E6852-E3A3-48E6-A90E-08E3AD5329EC}" srcOrd="1" destOrd="0" presId="urn:microsoft.com/office/officeart/2005/8/layout/radial1"/>
-    <dgm:cxn modelId="{8C2BB6B5-AF73-497F-9C70-D6705C4D0E9A}" type="presParOf" srcId="{AD5E6852-E3A3-48E6-A90E-08E3AD5329EC}" destId="{0CD909B0-30A4-4149-BFF5-9C8D914F5CB8}" srcOrd="0" destOrd="0" presId="urn:microsoft.com/office/officeart/2005/8/layout/radial1"/>
-    <dgm:cxn modelId="{F8E8E0B0-DF8D-4FEF-A3BD-3905D36E4F69}" type="presParOf" srcId="{8A4C3A3D-2D7C-4323-B699-AEED20F67429}" destId="{44818082-AFF5-4119-9A6D-F2024FA35D9A}" srcOrd="2" destOrd="0" presId="urn:microsoft.com/office/officeart/2005/8/layout/radial1"/>
-    <dgm:cxn modelId="{7D6CD640-0561-40A9-B3BD-383C94B930A6}" type="presParOf" srcId="{8A4C3A3D-2D7C-4323-B699-AEED20F67429}" destId="{5A1C6722-B8DD-489D-B754-222F6A7A38EE}" srcOrd="3" destOrd="0" presId="urn:microsoft.com/office/officeart/2005/8/layout/radial1"/>
-    <dgm:cxn modelId="{816E4284-89B7-4365-876C-60C20C65911D}" type="presParOf" srcId="{5A1C6722-B8DD-489D-B754-222F6A7A38EE}" destId="{D52F0861-0DA4-4451-8D9F-94ECBDF87126}" srcOrd="0" destOrd="0" presId="urn:microsoft.com/office/officeart/2005/8/layout/radial1"/>
-    <dgm:cxn modelId="{F25D144F-BA3E-41FE-BD00-FCAFE6C2C2B2}" type="presParOf" srcId="{8A4C3A3D-2D7C-4323-B699-AEED20F67429}" destId="{9AB44369-5E2A-4A84-B203-1A9522C7CB9B}" srcOrd="4" destOrd="0" presId="urn:microsoft.com/office/officeart/2005/8/layout/radial1"/>
-    <dgm:cxn modelId="{AA07423F-DAA9-4DF3-BD2C-5FBCFE609BAD}" type="presParOf" srcId="{8A4C3A3D-2D7C-4323-B699-AEED20F67429}" destId="{31C0BCEB-43F7-4AD9-B920-05B43387011F}" srcOrd="5" destOrd="0" presId="urn:microsoft.com/office/officeart/2005/8/layout/radial1"/>
-    <dgm:cxn modelId="{740577CE-88DF-426F-9128-66662C88BFA0}" type="presParOf" srcId="{31C0BCEB-43F7-4AD9-B920-05B43387011F}" destId="{4AB49F44-9C96-49F0-9157-7096829E61B7}" srcOrd="0" destOrd="0" presId="urn:microsoft.com/office/officeart/2005/8/layout/radial1"/>
-    <dgm:cxn modelId="{001AFD35-1F20-4B1D-9002-B7A78976132F}" type="presParOf" srcId="{8A4C3A3D-2D7C-4323-B699-AEED20F67429}" destId="{A80BECB1-B597-4CEB-81E3-89B193B856A6}" srcOrd="6" destOrd="0" presId="urn:microsoft.com/office/officeart/2005/8/layout/radial1"/>
-    <dgm:cxn modelId="{5917ECFA-613F-4F20-976B-861087CC1AFF}" type="presParOf" srcId="{8A4C3A3D-2D7C-4323-B699-AEED20F67429}" destId="{47F3C299-0E30-475D-9C6F-DE57AC8FE84D}" srcOrd="7" destOrd="0" presId="urn:microsoft.com/office/officeart/2005/8/layout/radial1"/>
-    <dgm:cxn modelId="{A56AA04F-F2E5-4967-BCA9-2E938E09B670}" type="presParOf" srcId="{47F3C299-0E30-475D-9C6F-DE57AC8FE84D}" destId="{0F43977B-CC30-4464-BA72-93DE8F91F448}" srcOrd="0" destOrd="0" presId="urn:microsoft.com/office/officeart/2005/8/layout/radial1"/>
-    <dgm:cxn modelId="{2DAAA9FD-1154-4FA2-AAA4-886B77496505}" type="presParOf" srcId="{8A4C3A3D-2D7C-4323-B699-AEED20F67429}" destId="{E7D4780A-223B-4FC3-835C-56FFF1DCF4E2}" srcOrd="8" destOrd="0" presId="urn:microsoft.com/office/officeart/2005/8/layout/radial1"/>
-    <dgm:cxn modelId="{0A295A8E-825D-4690-B028-F6A0C9C09D66}" type="presParOf" srcId="{8A4C3A3D-2D7C-4323-B699-AEED20F67429}" destId="{C2F9CD7D-AF45-4F7D-A2C3-CB158102D0B1}" srcOrd="9" destOrd="0" presId="urn:microsoft.com/office/officeart/2005/8/layout/radial1"/>
-    <dgm:cxn modelId="{D5EAFD4A-65AD-4A2A-B99B-5FDB98764332}" type="presParOf" srcId="{C2F9CD7D-AF45-4F7D-A2C3-CB158102D0B1}" destId="{6A1D68D2-42B0-4BAC-A96D-F36B4A43E62F}" srcOrd="0" destOrd="0" presId="urn:microsoft.com/office/officeart/2005/8/layout/radial1"/>
-    <dgm:cxn modelId="{266023CA-49EF-4711-9076-A37010916260}" type="presParOf" srcId="{8A4C3A3D-2D7C-4323-B699-AEED20F67429}" destId="{B94273A3-097A-4DCF-8080-7C915CF31702}" srcOrd="10" destOrd="0" presId="urn:microsoft.com/office/officeart/2005/8/layout/radial1"/>
-    <dgm:cxn modelId="{4FD9D2D9-7DD9-4099-AFB0-F86069D350CC}" type="presParOf" srcId="{8A4C3A3D-2D7C-4323-B699-AEED20F67429}" destId="{3FCDF4CC-CD00-48C0-B4E3-944A660E3041}" srcOrd="11" destOrd="0" presId="urn:microsoft.com/office/officeart/2005/8/layout/radial1"/>
-    <dgm:cxn modelId="{CBED2D63-F5EB-4F71-A22A-ABB178F8BBB4}" type="presParOf" srcId="{3FCDF4CC-CD00-48C0-B4E3-944A660E3041}" destId="{53747BBC-12D5-4685-B629-C5A8D38F0776}" srcOrd="0" destOrd="0" presId="urn:microsoft.com/office/officeart/2005/8/layout/radial1"/>
-    <dgm:cxn modelId="{FC2F5F86-92DD-4393-A365-D6180DE460EC}" type="presParOf" srcId="{8A4C3A3D-2D7C-4323-B699-AEED20F67429}" destId="{3FA9E819-95A5-450E-8BDB-64395BB42D9F}" srcOrd="12" destOrd="0" presId="urn:microsoft.com/office/officeart/2005/8/layout/radial1"/>
-    <dgm:cxn modelId="{9FB1D33D-0373-4C95-830F-04A7F755CC8E}" type="presParOf" srcId="{8A4C3A3D-2D7C-4323-B699-AEED20F67429}" destId="{9E733576-EF25-45ED-BC3D-5A44140D1C43}" srcOrd="13" destOrd="0" presId="urn:microsoft.com/office/officeart/2005/8/layout/radial1"/>
-    <dgm:cxn modelId="{A2F1A4A4-51B2-4017-A726-0EA1B3392FF3}" type="presParOf" srcId="{9E733576-EF25-45ED-BC3D-5A44140D1C43}" destId="{A93E80DD-7206-4E1E-9ED7-EA3714F16D84}" srcOrd="0" destOrd="0" presId="urn:microsoft.com/office/officeart/2005/8/layout/radial1"/>
-    <dgm:cxn modelId="{0061B2C5-FD2C-4BE6-9E2D-AD0B56EB553E}" type="presParOf" srcId="{8A4C3A3D-2D7C-4323-B699-AEED20F67429}" destId="{C38B1CC1-A205-464D-A462-61A5611E4ED2}" srcOrd="14" destOrd="0" presId="urn:microsoft.com/office/officeart/2005/8/layout/radial1"/>
-  </dgm:cxnLst>
-  <dgm:bg/>
-  <dgm:whole/>
-  <dgm:extLst>
-    <a:ext uri="http://schemas.microsoft.com/office/drawing/2008/diagram">
-      <dsp:dataModelExt xmlns:dsp="http://schemas.microsoft.com/office/drawing/2008/diagram" relId="rId8" minVer="http://schemas.openxmlformats.org/drawingml/2006/diagram"/>
-    </a:ext>
-  </dgm:extLst>
-</dgm:dataModel>
-</file>
-
-<file path=ppt/diagrams/drawing1.xml><?xml version="1.0" encoding="utf-8"?>
-<dsp:drawing xmlns:dgm="http://schemas.openxmlformats.org/drawingml/2006/diagram" xmlns:dsp="http://schemas.microsoft.com/office/drawing/2008/diagram" xmlns:a="http://schemas.openxmlformats.org/drawingml/2006/main">
-  <dsp:spTree>
-    <dsp:nvGrpSpPr>
-      <dsp:cNvPr id="0" name=""/>
-      <dsp:cNvGrpSpPr/>
-    </dsp:nvGrpSpPr>
-    <dsp:grpSpPr/>
-    <dsp:sp modelId="{EFD2FA64-FF24-45CA-A7D0-8AE17A53E9FC}">
-      <dsp:nvSpPr>
-        <dsp:cNvPr id="0" name=""/>
-        <dsp:cNvSpPr/>
-      </dsp:nvSpPr>
-      <dsp:spPr>
-        <a:xfrm>
-          <a:off x="3701488" y="2249585"/>
-          <a:ext cx="1499722" cy="1499722"/>
-        </a:xfrm>
-        <a:prstGeom prst="ellipse">
-          <a:avLst/>
-        </a:prstGeom>
-        <a:gradFill rotWithShape="0">
-          <a:gsLst>
-            <a:gs pos="0">
-              <a:schemeClr val="dk2">
-                <a:hueOff val="0"/>
-                <a:satOff val="0"/>
-                <a:lumOff val="0"/>
-                <a:alphaOff val="0"/>
-                <a:satMod val="103000"/>
-                <a:lumMod val="102000"/>
-                <a:tint val="94000"/>
-              </a:schemeClr>
-            </a:gs>
-            <a:gs pos="50000">
-              <a:schemeClr val="dk2">
-                <a:hueOff val="0"/>
-                <a:satOff val="0"/>
-                <a:lumOff val="0"/>
-                <a:alphaOff val="0"/>
-                <a:satMod val="110000"/>
-                <a:lumMod val="100000"/>
-                <a:shade val="100000"/>
-              </a:schemeClr>
-            </a:gs>
-            <a:gs pos="100000">
-              <a:schemeClr val="dk2">
-                <a:hueOff val="0"/>
-                <a:satOff val="0"/>
-                <a:lumOff val="0"/>
-                <a:alphaOff val="0"/>
-                <a:lumMod val="99000"/>
-                <a:satMod val="120000"/>
-                <a:shade val="78000"/>
-              </a:schemeClr>
-            </a:gs>
-          </a:gsLst>
-          <a:lin ang="5400000" scaled="0"/>
-        </a:gradFill>
-        <a:ln>
-          <a:noFill/>
-        </a:ln>
-        <a:effectLst/>
-      </dsp:spPr>
-      <dsp:style>
-        <a:lnRef idx="0">
-          <a:scrgbClr r="0" g="0" b="0"/>
-        </a:lnRef>
-        <a:fillRef idx="3">
-          <a:scrgbClr r="0" g="0" b="0"/>
-        </a:fillRef>
-        <a:effectRef idx="2">
-          <a:scrgbClr r="0" g="0" b="0"/>
-        </a:effectRef>
-        <a:fontRef idx="minor">
-          <a:schemeClr val="lt1"/>
-        </a:fontRef>
-      </dsp:style>
-      <dsp:txBody>
-        <a:bodyPr spcFirstLastPara="0" vert="horz" wrap="square" lIns="22225" tIns="22225" rIns="22225" bIns="22225" numCol="1" spcCol="1270" anchor="ctr" anchorCtr="0">
-          <a:noAutofit/>
-        </a:bodyPr>
-        <a:lstStyle/>
-        <a:p>
-          <a:pPr marL="0" lvl="0" indent="0" algn="ctr" defTabSz="1555750">
-            <a:lnSpc>
-              <a:spcPct val="90000"/>
-            </a:lnSpc>
-            <a:spcBef>
-              <a:spcPct val="0"/>
-            </a:spcBef>
-            <a:spcAft>
-              <a:spcPct val="35000"/>
-            </a:spcAft>
-            <a:buNone/>
-          </a:pPr>
-          <a:endParaRPr lang="fr-FR" sz="3500" kern="1200" dirty="0"/>
-        </a:p>
-      </dsp:txBody>
-      <dsp:txXfrm>
-        <a:off x="3921117" y="2469214"/>
-        <a:ext cx="1060464" cy="1060464"/>
-      </dsp:txXfrm>
-    </dsp:sp>
-    <dsp:sp modelId="{AD5E6852-E3A3-48E6-A90E-08E3AD5329EC}">
-      <dsp:nvSpPr>
-        <dsp:cNvPr id="0" name=""/>
-        <dsp:cNvSpPr/>
-      </dsp:nvSpPr>
-      <dsp:spPr>
-        <a:xfrm rot="16200000">
-          <a:off x="4077776" y="1860851"/>
-          <a:ext cx="747147" cy="30322"/>
-        </a:xfrm>
-        <a:custGeom>
-          <a:avLst/>
-          <a:gdLst/>
-          <a:ahLst/>
-          <a:cxnLst/>
-          <a:rect l="0" t="0" r="0" b="0"/>
-          <a:pathLst>
-            <a:path>
-              <a:moveTo>
-                <a:pt x="0" y="15161"/>
-              </a:moveTo>
-              <a:lnTo>
-                <a:pt x="747147" y="15161"/>
-              </a:lnTo>
-            </a:path>
-          </a:pathLst>
-        </a:custGeom>
-        <a:noFill/>
-        <a:ln w="6350" cap="flat" cmpd="sng" algn="ctr">
-          <a:solidFill>
-            <a:schemeClr val="dk2">
-              <a:shade val="60000"/>
-              <a:hueOff val="0"/>
-              <a:satOff val="0"/>
-              <a:lumOff val="0"/>
-              <a:alphaOff val="0"/>
-            </a:schemeClr>
-          </a:solidFill>
-          <a:prstDash val="solid"/>
-          <a:miter lim="800000"/>
-        </a:ln>
-        <a:effectLst/>
-      </dsp:spPr>
-      <dsp:style>
-        <a:lnRef idx="1">
-          <a:scrgbClr r="0" g="0" b="0"/>
-        </a:lnRef>
-        <a:fillRef idx="0">
-          <a:scrgbClr r="0" g="0" b="0"/>
-        </a:fillRef>
-        <a:effectRef idx="0">
-          <a:scrgbClr r="0" g="0" b="0"/>
-        </a:effectRef>
-        <a:fontRef idx="minor"/>
-      </dsp:style>
-      <dsp:txBody>
-        <a:bodyPr spcFirstLastPara="0" vert="horz" wrap="square" lIns="12700" tIns="0" rIns="12700" bIns="0" numCol="1" spcCol="1270" anchor="ctr" anchorCtr="0">
-          <a:noAutofit/>
-        </a:bodyPr>
-        <a:lstStyle/>
-        <a:p>
-          <a:pPr marL="0" lvl="0" indent="0" algn="ctr" defTabSz="222250">
-            <a:lnSpc>
-              <a:spcPct val="90000"/>
-            </a:lnSpc>
-            <a:spcBef>
-              <a:spcPct val="0"/>
-            </a:spcBef>
-            <a:spcAft>
-              <a:spcPct val="35000"/>
-            </a:spcAft>
-            <a:buNone/>
-          </a:pPr>
-          <a:endParaRPr lang="fr-FR" sz="500" kern="1200"/>
-        </a:p>
-      </dsp:txBody>
-      <dsp:txXfrm>
-        <a:off x="4432671" y="1857333"/>
-        <a:ext cx="37357" cy="37357"/>
-      </dsp:txXfrm>
-    </dsp:sp>
-    <dsp:sp modelId="{44818082-AFF5-4119-9A6D-F2024FA35D9A}">
-      <dsp:nvSpPr>
-        <dsp:cNvPr id="0" name=""/>
-        <dsp:cNvSpPr/>
-      </dsp:nvSpPr>
-      <dsp:spPr>
-        <a:xfrm>
-          <a:off x="3701488" y="2716"/>
-          <a:ext cx="1499722" cy="1499722"/>
-        </a:xfrm>
-        <a:prstGeom prst="ellipse">
-          <a:avLst/>
-        </a:prstGeom>
-        <a:gradFill rotWithShape="0">
-          <a:gsLst>
-            <a:gs pos="0">
-              <a:schemeClr val="dk2">
-                <a:hueOff val="0"/>
-                <a:satOff val="0"/>
-                <a:lumOff val="0"/>
-                <a:alphaOff val="0"/>
-                <a:satMod val="103000"/>
-                <a:lumMod val="102000"/>
-                <a:tint val="94000"/>
-              </a:schemeClr>
-            </a:gs>
-            <a:gs pos="50000">
-              <a:schemeClr val="dk2">
-                <a:hueOff val="0"/>
-                <a:satOff val="0"/>
-                <a:lumOff val="0"/>
-                <a:alphaOff val="0"/>
-                <a:satMod val="110000"/>
-                <a:lumMod val="100000"/>
-                <a:shade val="100000"/>
-              </a:schemeClr>
-            </a:gs>
-            <a:gs pos="100000">
-              <a:schemeClr val="dk2">
-                <a:hueOff val="0"/>
-                <a:satOff val="0"/>
-                <a:lumOff val="0"/>
-                <a:alphaOff val="0"/>
-                <a:lumMod val="99000"/>
-                <a:satMod val="120000"/>
-                <a:shade val="78000"/>
-              </a:schemeClr>
-            </a:gs>
-          </a:gsLst>
-          <a:lin ang="5400000" scaled="0"/>
-        </a:gradFill>
-        <a:ln>
-          <a:noFill/>
-        </a:ln>
-        <a:effectLst/>
-      </dsp:spPr>
-      <dsp:style>
-        <a:lnRef idx="0">
-          <a:scrgbClr r="0" g="0" b="0"/>
-        </a:lnRef>
-        <a:fillRef idx="3">
-          <a:scrgbClr r="0" g="0" b="0"/>
-        </a:fillRef>
-        <a:effectRef idx="2">
-          <a:scrgbClr r="0" g="0" b="0"/>
-        </a:effectRef>
-        <a:fontRef idx="minor">
-          <a:schemeClr val="lt1"/>
-        </a:fontRef>
-      </dsp:style>
-      <dsp:txBody>
-        <a:bodyPr spcFirstLastPara="0" vert="horz" wrap="square" lIns="22225" tIns="22225" rIns="22225" bIns="22225" numCol="1" spcCol="1270" anchor="ctr" anchorCtr="0">
-          <a:noAutofit/>
-        </a:bodyPr>
-        <a:lstStyle/>
-        <a:p>
-          <a:pPr marL="0" lvl="0" indent="0" algn="ctr" defTabSz="1555750">
-            <a:lnSpc>
-              <a:spcPct val="90000"/>
-            </a:lnSpc>
-            <a:spcBef>
-              <a:spcPct val="0"/>
-            </a:spcBef>
-            <a:spcAft>
-              <a:spcPct val="35000"/>
-            </a:spcAft>
-            <a:buNone/>
-          </a:pPr>
-          <a:endParaRPr lang="fr-FR" sz="3500" kern="1200"/>
-        </a:p>
-      </dsp:txBody>
-      <dsp:txXfrm>
-        <a:off x="3921117" y="222345"/>
-        <a:ext cx="1060464" cy="1060464"/>
-      </dsp:txXfrm>
-    </dsp:sp>
-    <dsp:sp modelId="{5A1C6722-B8DD-489D-B754-222F6A7A38EE}">
-      <dsp:nvSpPr>
-        <dsp:cNvPr id="0" name=""/>
-        <dsp:cNvSpPr/>
-      </dsp:nvSpPr>
-      <dsp:spPr>
-        <a:xfrm rot="19285714">
-          <a:off x="4956113" y="2283835"/>
-          <a:ext cx="747147" cy="30322"/>
-        </a:xfrm>
-        <a:custGeom>
-          <a:avLst/>
-          <a:gdLst/>
-          <a:ahLst/>
-          <a:cxnLst/>
-          <a:rect l="0" t="0" r="0" b="0"/>
-          <a:pathLst>
-            <a:path>
-              <a:moveTo>
-                <a:pt x="0" y="15161"/>
-              </a:moveTo>
-              <a:lnTo>
-                <a:pt x="747147" y="15161"/>
-              </a:lnTo>
-            </a:path>
-          </a:pathLst>
-        </a:custGeom>
-        <a:noFill/>
-        <a:ln w="6350" cap="flat" cmpd="sng" algn="ctr">
-          <a:solidFill>
-            <a:schemeClr val="dk2">
-              <a:shade val="60000"/>
-              <a:hueOff val="0"/>
-              <a:satOff val="0"/>
-              <a:lumOff val="0"/>
-              <a:alphaOff val="0"/>
-            </a:schemeClr>
-          </a:solidFill>
-          <a:prstDash val="solid"/>
-          <a:miter lim="800000"/>
-        </a:ln>
-        <a:effectLst/>
-      </dsp:spPr>
-      <dsp:style>
-        <a:lnRef idx="1">
-          <a:scrgbClr r="0" g="0" b="0"/>
-        </a:lnRef>
-        <a:fillRef idx="0">
-          <a:scrgbClr r="0" g="0" b="0"/>
-        </a:fillRef>
-        <a:effectRef idx="0">
-          <a:scrgbClr r="0" g="0" b="0"/>
-        </a:effectRef>
-        <a:fontRef idx="minor"/>
-      </dsp:style>
-      <dsp:txBody>
-        <a:bodyPr spcFirstLastPara="0" vert="horz" wrap="square" lIns="12700" tIns="0" rIns="12700" bIns="0" numCol="1" spcCol="1270" anchor="ctr" anchorCtr="0">
-          <a:noAutofit/>
-        </a:bodyPr>
-        <a:lstStyle/>
-        <a:p>
-          <a:pPr marL="0" lvl="0" indent="0" algn="ctr" defTabSz="222250">
-            <a:lnSpc>
-              <a:spcPct val="90000"/>
-            </a:lnSpc>
-            <a:spcBef>
-              <a:spcPct val="0"/>
-            </a:spcBef>
-            <a:spcAft>
-              <a:spcPct val="35000"/>
-            </a:spcAft>
-            <a:buNone/>
-          </a:pPr>
-          <a:endParaRPr lang="fr-FR" sz="500" kern="1200"/>
-        </a:p>
-      </dsp:txBody>
-      <dsp:txXfrm>
-        <a:off x="5311008" y="2280318"/>
-        <a:ext cx="37357" cy="37357"/>
-      </dsp:txXfrm>
-    </dsp:sp>
-    <dsp:sp modelId="{9AB44369-5E2A-4A84-B203-1A9522C7CB9B}">
-      <dsp:nvSpPr>
-        <dsp:cNvPr id="0" name=""/>
-        <dsp:cNvSpPr/>
-      </dsp:nvSpPr>
-      <dsp:spPr>
-        <a:xfrm>
-          <a:off x="5458162" y="848685"/>
-          <a:ext cx="1499722" cy="1499722"/>
-        </a:xfrm>
-        <a:prstGeom prst="ellipse">
-          <a:avLst/>
-        </a:prstGeom>
-        <a:gradFill rotWithShape="0">
-          <a:gsLst>
-            <a:gs pos="0">
-              <a:schemeClr val="dk2">
-                <a:hueOff val="0"/>
-                <a:satOff val="0"/>
-                <a:lumOff val="0"/>
-                <a:alphaOff val="0"/>
-                <a:satMod val="103000"/>
-                <a:lumMod val="102000"/>
-                <a:tint val="94000"/>
-              </a:schemeClr>
-            </a:gs>
-            <a:gs pos="50000">
-              <a:schemeClr val="dk2">
-                <a:hueOff val="0"/>
-                <a:satOff val="0"/>
-                <a:lumOff val="0"/>
-                <a:alphaOff val="0"/>
-                <a:satMod val="110000"/>
-                <a:lumMod val="100000"/>
-                <a:shade val="100000"/>
-              </a:schemeClr>
-            </a:gs>
-            <a:gs pos="100000">
-              <a:schemeClr val="dk2">
-                <a:hueOff val="0"/>
-                <a:satOff val="0"/>
-                <a:lumOff val="0"/>
-                <a:alphaOff val="0"/>
-                <a:lumMod val="99000"/>
-                <a:satMod val="120000"/>
-                <a:shade val="78000"/>
-              </a:schemeClr>
-            </a:gs>
-          </a:gsLst>
-          <a:lin ang="5400000" scaled="0"/>
-        </a:gradFill>
-        <a:ln>
-          <a:noFill/>
-        </a:ln>
-        <a:effectLst/>
-      </dsp:spPr>
-      <dsp:style>
-        <a:lnRef idx="0">
-          <a:scrgbClr r="0" g="0" b="0"/>
-        </a:lnRef>
-        <a:fillRef idx="3">
-          <a:scrgbClr r="0" g="0" b="0"/>
-        </a:fillRef>
-        <a:effectRef idx="2">
-          <a:scrgbClr r="0" g="0" b="0"/>
-        </a:effectRef>
-        <a:fontRef idx="minor">
-          <a:schemeClr val="lt1"/>
-        </a:fontRef>
-      </dsp:style>
-      <dsp:txBody>
-        <a:bodyPr spcFirstLastPara="0" vert="horz" wrap="square" lIns="22225" tIns="22225" rIns="22225" bIns="22225" numCol="1" spcCol="1270" anchor="ctr" anchorCtr="0">
-          <a:noAutofit/>
-        </a:bodyPr>
-        <a:lstStyle/>
-        <a:p>
-          <a:pPr marL="0" lvl="0" indent="0" algn="ctr" defTabSz="1555750">
-            <a:lnSpc>
-              <a:spcPct val="90000"/>
-            </a:lnSpc>
-            <a:spcBef>
-              <a:spcPct val="0"/>
-            </a:spcBef>
-            <a:spcAft>
-              <a:spcPct val="35000"/>
-            </a:spcAft>
-            <a:buNone/>
-          </a:pPr>
-          <a:endParaRPr lang="fr-FR" sz="3500" kern="1200"/>
-        </a:p>
-      </dsp:txBody>
-      <dsp:txXfrm>
-        <a:off x="5677791" y="1068314"/>
-        <a:ext cx="1060464" cy="1060464"/>
-      </dsp:txXfrm>
-    </dsp:sp>
-    <dsp:sp modelId="{31C0BCEB-43F7-4AD9-B920-05B43387011F}">
-      <dsp:nvSpPr>
-        <dsp:cNvPr id="0" name=""/>
-        <dsp:cNvSpPr/>
-      </dsp:nvSpPr>
-      <dsp:spPr>
-        <a:xfrm rot="771429">
-          <a:off x="5173044" y="3234273"/>
-          <a:ext cx="747147" cy="30322"/>
-        </a:xfrm>
-        <a:custGeom>
-          <a:avLst/>
-          <a:gdLst/>
-          <a:ahLst/>
-          <a:cxnLst/>
-          <a:rect l="0" t="0" r="0" b="0"/>
-          <a:pathLst>
-            <a:path>
-              <a:moveTo>
-                <a:pt x="0" y="15161"/>
-              </a:moveTo>
-              <a:lnTo>
-                <a:pt x="747147" y="15161"/>
-              </a:lnTo>
-            </a:path>
-          </a:pathLst>
-        </a:custGeom>
-        <a:noFill/>
-        <a:ln w="6350" cap="flat" cmpd="sng" algn="ctr">
-          <a:solidFill>
-            <a:schemeClr val="dk2">
-              <a:shade val="60000"/>
-              <a:hueOff val="0"/>
-              <a:satOff val="0"/>
-              <a:lumOff val="0"/>
-              <a:alphaOff val="0"/>
-            </a:schemeClr>
-          </a:solidFill>
-          <a:prstDash val="solid"/>
-          <a:miter lim="800000"/>
-        </a:ln>
-        <a:effectLst/>
-      </dsp:spPr>
-      <dsp:style>
-        <a:lnRef idx="1">
-          <a:scrgbClr r="0" g="0" b="0"/>
-        </a:lnRef>
-        <a:fillRef idx="0">
-          <a:scrgbClr r="0" g="0" b="0"/>
-        </a:fillRef>
-        <a:effectRef idx="0">
-          <a:scrgbClr r="0" g="0" b="0"/>
-        </a:effectRef>
-        <a:fontRef idx="minor"/>
-      </dsp:style>
-      <dsp:txBody>
-        <a:bodyPr spcFirstLastPara="0" vert="horz" wrap="square" lIns="12700" tIns="0" rIns="12700" bIns="0" numCol="1" spcCol="1270" anchor="ctr" anchorCtr="0">
-          <a:noAutofit/>
-        </a:bodyPr>
-        <a:lstStyle/>
-        <a:p>
-          <a:pPr marL="0" lvl="0" indent="0" algn="ctr" defTabSz="222250">
-            <a:lnSpc>
-              <a:spcPct val="90000"/>
-            </a:lnSpc>
-            <a:spcBef>
-              <a:spcPct val="0"/>
-            </a:spcBef>
-            <a:spcAft>
-              <a:spcPct val="35000"/>
-            </a:spcAft>
-            <a:buNone/>
-          </a:pPr>
-          <a:endParaRPr lang="fr-FR" sz="500" kern="1200"/>
-        </a:p>
-      </dsp:txBody>
-      <dsp:txXfrm>
-        <a:off x="5527939" y="3230756"/>
-        <a:ext cx="37357" cy="37357"/>
-      </dsp:txXfrm>
-    </dsp:sp>
-    <dsp:sp modelId="{A80BECB1-B597-4CEB-81E3-89B193B856A6}">
-      <dsp:nvSpPr>
-        <dsp:cNvPr id="0" name=""/>
-        <dsp:cNvSpPr/>
-      </dsp:nvSpPr>
-      <dsp:spPr>
-        <a:xfrm>
-          <a:off x="5892024" y="2749561"/>
-          <a:ext cx="1499722" cy="1499722"/>
-        </a:xfrm>
-        <a:prstGeom prst="ellipse">
-          <a:avLst/>
-        </a:prstGeom>
-        <a:gradFill rotWithShape="0">
-          <a:gsLst>
-            <a:gs pos="0">
-              <a:schemeClr val="dk2">
-                <a:hueOff val="0"/>
-                <a:satOff val="0"/>
-                <a:lumOff val="0"/>
-                <a:alphaOff val="0"/>
-                <a:satMod val="103000"/>
-                <a:lumMod val="102000"/>
-                <a:tint val="94000"/>
-              </a:schemeClr>
-            </a:gs>
-            <a:gs pos="50000">
-              <a:schemeClr val="dk2">
-                <a:hueOff val="0"/>
-                <a:satOff val="0"/>
-                <a:lumOff val="0"/>
-                <a:alphaOff val="0"/>
-                <a:satMod val="110000"/>
-                <a:lumMod val="100000"/>
-                <a:shade val="100000"/>
-              </a:schemeClr>
-            </a:gs>
-            <a:gs pos="100000">
-              <a:schemeClr val="dk2">
-                <a:hueOff val="0"/>
-                <a:satOff val="0"/>
-                <a:lumOff val="0"/>
-                <a:alphaOff val="0"/>
-                <a:lumMod val="99000"/>
-                <a:satMod val="120000"/>
-                <a:shade val="78000"/>
-              </a:schemeClr>
-            </a:gs>
-          </a:gsLst>
-          <a:lin ang="5400000" scaled="0"/>
-        </a:gradFill>
-        <a:ln>
-          <a:noFill/>
-        </a:ln>
-        <a:effectLst/>
-      </dsp:spPr>
-      <dsp:style>
-        <a:lnRef idx="0">
-          <a:scrgbClr r="0" g="0" b="0"/>
-        </a:lnRef>
-        <a:fillRef idx="3">
-          <a:scrgbClr r="0" g="0" b="0"/>
-        </a:fillRef>
-        <a:effectRef idx="2">
-          <a:scrgbClr r="0" g="0" b="0"/>
-        </a:effectRef>
-        <a:fontRef idx="minor">
-          <a:schemeClr val="lt1"/>
-        </a:fontRef>
-      </dsp:style>
-      <dsp:txBody>
-        <a:bodyPr spcFirstLastPara="0" vert="horz" wrap="square" lIns="22225" tIns="22225" rIns="22225" bIns="22225" numCol="1" spcCol="1270" anchor="ctr" anchorCtr="0">
-          <a:noAutofit/>
-        </a:bodyPr>
-        <a:lstStyle/>
-        <a:p>
-          <a:pPr marL="0" lvl="0" indent="0" algn="ctr" defTabSz="1555750">
-            <a:lnSpc>
-              <a:spcPct val="90000"/>
-            </a:lnSpc>
-            <a:spcBef>
-              <a:spcPct val="0"/>
-            </a:spcBef>
-            <a:spcAft>
-              <a:spcPct val="35000"/>
-            </a:spcAft>
-            <a:buNone/>
-          </a:pPr>
-          <a:endParaRPr lang="fr-FR" sz="3500" kern="1200"/>
-        </a:p>
-      </dsp:txBody>
-      <dsp:txXfrm>
-        <a:off x="6111653" y="2969190"/>
-        <a:ext cx="1060464" cy="1060464"/>
-      </dsp:txXfrm>
-    </dsp:sp>
-    <dsp:sp modelId="{47F3C299-0E30-475D-9C6F-DE57AC8FE84D}">
-      <dsp:nvSpPr>
-        <dsp:cNvPr id="0" name=""/>
-        <dsp:cNvSpPr/>
-      </dsp:nvSpPr>
-      <dsp:spPr>
-        <a:xfrm rot="3857143">
-          <a:off x="4565216" y="3996465"/>
-          <a:ext cx="747147" cy="30322"/>
-        </a:xfrm>
-        <a:custGeom>
-          <a:avLst/>
-          <a:gdLst/>
-          <a:ahLst/>
-          <a:cxnLst/>
-          <a:rect l="0" t="0" r="0" b="0"/>
-          <a:pathLst>
-            <a:path>
-              <a:moveTo>
-                <a:pt x="0" y="15161"/>
-              </a:moveTo>
-              <a:lnTo>
-                <a:pt x="747147" y="15161"/>
-              </a:lnTo>
-            </a:path>
-          </a:pathLst>
-        </a:custGeom>
-        <a:noFill/>
-        <a:ln w="6350" cap="flat" cmpd="sng" algn="ctr">
-          <a:solidFill>
-            <a:schemeClr val="dk2">
-              <a:shade val="60000"/>
-              <a:hueOff val="0"/>
-              <a:satOff val="0"/>
-              <a:lumOff val="0"/>
-              <a:alphaOff val="0"/>
-            </a:schemeClr>
-          </a:solidFill>
-          <a:prstDash val="solid"/>
-          <a:miter lim="800000"/>
-        </a:ln>
-        <a:effectLst/>
-      </dsp:spPr>
-      <dsp:style>
-        <a:lnRef idx="1">
-          <a:scrgbClr r="0" g="0" b="0"/>
-        </a:lnRef>
-        <a:fillRef idx="0">
-          <a:scrgbClr r="0" g="0" b="0"/>
-        </a:fillRef>
-        <a:effectRef idx="0">
-          <a:scrgbClr r="0" g="0" b="0"/>
-        </a:effectRef>
-        <a:fontRef idx="minor"/>
-      </dsp:style>
-      <dsp:txBody>
-        <a:bodyPr spcFirstLastPara="0" vert="horz" wrap="square" lIns="12700" tIns="0" rIns="12700" bIns="0" numCol="1" spcCol="1270" anchor="ctr" anchorCtr="0">
-          <a:noAutofit/>
-        </a:bodyPr>
-        <a:lstStyle/>
-        <a:p>
-          <a:pPr marL="0" lvl="0" indent="0" algn="ctr" defTabSz="222250">
-            <a:lnSpc>
-              <a:spcPct val="90000"/>
-            </a:lnSpc>
-            <a:spcBef>
-              <a:spcPct val="0"/>
-            </a:spcBef>
-            <a:spcAft>
-              <a:spcPct val="35000"/>
-            </a:spcAft>
-            <a:buNone/>
-          </a:pPr>
-          <a:endParaRPr lang="fr-FR" sz="500" kern="1200"/>
-        </a:p>
-      </dsp:txBody>
-      <dsp:txXfrm>
-        <a:off x="4920111" y="3992948"/>
-        <a:ext cx="37357" cy="37357"/>
-      </dsp:txXfrm>
-    </dsp:sp>
-    <dsp:sp modelId="{E7D4780A-223B-4FC3-835C-56FFF1DCF4E2}">
-      <dsp:nvSpPr>
-        <dsp:cNvPr id="0" name=""/>
-        <dsp:cNvSpPr/>
-      </dsp:nvSpPr>
-      <dsp:spPr>
-        <a:xfrm>
-          <a:off x="4676369" y="4273945"/>
-          <a:ext cx="1499722" cy="1499722"/>
-        </a:xfrm>
-        <a:prstGeom prst="ellipse">
-          <a:avLst/>
-        </a:prstGeom>
-        <a:gradFill rotWithShape="0">
-          <a:gsLst>
-            <a:gs pos="0">
-              <a:schemeClr val="dk2">
-                <a:hueOff val="0"/>
-                <a:satOff val="0"/>
-                <a:lumOff val="0"/>
-                <a:alphaOff val="0"/>
-                <a:satMod val="103000"/>
-                <a:lumMod val="102000"/>
-                <a:tint val="94000"/>
-              </a:schemeClr>
-            </a:gs>
-            <a:gs pos="50000">
-              <a:schemeClr val="dk2">
-                <a:hueOff val="0"/>
-                <a:satOff val="0"/>
-                <a:lumOff val="0"/>
-                <a:alphaOff val="0"/>
-                <a:satMod val="110000"/>
-                <a:lumMod val="100000"/>
-                <a:shade val="100000"/>
-              </a:schemeClr>
-            </a:gs>
-            <a:gs pos="100000">
-              <a:schemeClr val="dk2">
-                <a:hueOff val="0"/>
-                <a:satOff val="0"/>
-                <a:lumOff val="0"/>
-                <a:alphaOff val="0"/>
-                <a:lumMod val="99000"/>
-                <a:satMod val="120000"/>
-                <a:shade val="78000"/>
-              </a:schemeClr>
-            </a:gs>
-          </a:gsLst>
-          <a:lin ang="5400000" scaled="0"/>
-        </a:gradFill>
-        <a:ln>
-          <a:noFill/>
-        </a:ln>
-        <a:effectLst/>
-      </dsp:spPr>
-      <dsp:style>
-        <a:lnRef idx="0">
-          <a:scrgbClr r="0" g="0" b="0"/>
-        </a:lnRef>
-        <a:fillRef idx="3">
-          <a:scrgbClr r="0" g="0" b="0"/>
-        </a:fillRef>
-        <a:effectRef idx="2">
-          <a:scrgbClr r="0" g="0" b="0"/>
-        </a:effectRef>
-        <a:fontRef idx="minor">
-          <a:schemeClr val="lt1"/>
-        </a:fontRef>
-      </dsp:style>
-      <dsp:txBody>
-        <a:bodyPr spcFirstLastPara="0" vert="horz" wrap="square" lIns="22225" tIns="22225" rIns="22225" bIns="22225" numCol="1" spcCol="1270" anchor="ctr" anchorCtr="0">
-          <a:noAutofit/>
-        </a:bodyPr>
-        <a:lstStyle/>
-        <a:p>
-          <a:pPr marL="0" lvl="0" indent="0" algn="ctr" defTabSz="1555750">
-            <a:lnSpc>
-              <a:spcPct val="90000"/>
-            </a:lnSpc>
-            <a:spcBef>
-              <a:spcPct val="0"/>
-            </a:spcBef>
-            <a:spcAft>
-              <a:spcPct val="35000"/>
-            </a:spcAft>
-            <a:buNone/>
-          </a:pPr>
-          <a:endParaRPr lang="fr-FR" sz="3500" kern="1200"/>
-        </a:p>
-      </dsp:txBody>
-      <dsp:txXfrm>
-        <a:off x="4895998" y="4493574"/>
-        <a:ext cx="1060464" cy="1060464"/>
-      </dsp:txXfrm>
-    </dsp:sp>
-    <dsp:sp modelId="{C2F9CD7D-AF45-4F7D-A2C3-CB158102D0B1}">
-      <dsp:nvSpPr>
-        <dsp:cNvPr id="0" name=""/>
-        <dsp:cNvSpPr/>
-      </dsp:nvSpPr>
-      <dsp:spPr>
-        <a:xfrm rot="6942857">
-          <a:off x="3590336" y="3996465"/>
-          <a:ext cx="747147" cy="30322"/>
-        </a:xfrm>
-        <a:custGeom>
-          <a:avLst/>
-          <a:gdLst/>
-          <a:ahLst/>
-          <a:cxnLst/>
-          <a:rect l="0" t="0" r="0" b="0"/>
-          <a:pathLst>
-            <a:path>
-              <a:moveTo>
-                <a:pt x="0" y="15161"/>
-              </a:moveTo>
-              <a:lnTo>
-                <a:pt x="747147" y="15161"/>
-              </a:lnTo>
-            </a:path>
-          </a:pathLst>
-        </a:custGeom>
-        <a:noFill/>
-        <a:ln w="6350" cap="flat" cmpd="sng" algn="ctr">
-          <a:solidFill>
-            <a:schemeClr val="dk2">
-              <a:shade val="60000"/>
-              <a:hueOff val="0"/>
-              <a:satOff val="0"/>
-              <a:lumOff val="0"/>
-              <a:alphaOff val="0"/>
-            </a:schemeClr>
-          </a:solidFill>
-          <a:prstDash val="solid"/>
-          <a:miter lim="800000"/>
-        </a:ln>
-        <a:effectLst/>
-      </dsp:spPr>
-      <dsp:style>
-        <a:lnRef idx="1">
-          <a:scrgbClr r="0" g="0" b="0"/>
-        </a:lnRef>
-        <a:fillRef idx="0">
-          <a:scrgbClr r="0" g="0" b="0"/>
-        </a:fillRef>
-        <a:effectRef idx="0">
-          <a:scrgbClr r="0" g="0" b="0"/>
-        </a:effectRef>
-        <a:fontRef idx="minor"/>
-      </dsp:style>
-      <dsp:txBody>
-        <a:bodyPr spcFirstLastPara="0" vert="horz" wrap="square" lIns="12700" tIns="0" rIns="12700" bIns="0" numCol="1" spcCol="1270" anchor="ctr" anchorCtr="0">
-          <a:noAutofit/>
-        </a:bodyPr>
-        <a:lstStyle/>
-        <a:p>
-          <a:pPr marL="0" lvl="0" indent="0" algn="ctr" defTabSz="222250">
-            <a:lnSpc>
-              <a:spcPct val="90000"/>
-            </a:lnSpc>
-            <a:spcBef>
-              <a:spcPct val="0"/>
-            </a:spcBef>
-            <a:spcAft>
-              <a:spcPct val="35000"/>
-            </a:spcAft>
-            <a:buNone/>
-          </a:pPr>
-          <a:endParaRPr lang="fr-FR" sz="500" kern="1200"/>
-        </a:p>
-      </dsp:txBody>
-      <dsp:txXfrm rot="10800000">
-        <a:off x="3945231" y="3992948"/>
-        <a:ext cx="37357" cy="37357"/>
-      </dsp:txXfrm>
-    </dsp:sp>
-    <dsp:sp modelId="{B94273A3-097A-4DCF-8080-7C915CF31702}">
-      <dsp:nvSpPr>
-        <dsp:cNvPr id="0" name=""/>
-        <dsp:cNvSpPr/>
-      </dsp:nvSpPr>
-      <dsp:spPr>
-        <a:xfrm>
-          <a:off x="2726608" y="4273945"/>
-          <a:ext cx="1499722" cy="1499722"/>
-        </a:xfrm>
-        <a:prstGeom prst="ellipse">
-          <a:avLst/>
-        </a:prstGeom>
-        <a:gradFill rotWithShape="0">
-          <a:gsLst>
-            <a:gs pos="0">
-              <a:schemeClr val="dk2">
-                <a:hueOff val="0"/>
-                <a:satOff val="0"/>
-                <a:lumOff val="0"/>
-                <a:alphaOff val="0"/>
-                <a:satMod val="103000"/>
-                <a:lumMod val="102000"/>
-                <a:tint val="94000"/>
-              </a:schemeClr>
-            </a:gs>
-            <a:gs pos="50000">
-              <a:schemeClr val="dk2">
-                <a:hueOff val="0"/>
-                <a:satOff val="0"/>
-                <a:lumOff val="0"/>
-                <a:alphaOff val="0"/>
-                <a:satMod val="110000"/>
-                <a:lumMod val="100000"/>
-                <a:shade val="100000"/>
-              </a:schemeClr>
-            </a:gs>
-            <a:gs pos="100000">
-              <a:schemeClr val="dk2">
-                <a:hueOff val="0"/>
-                <a:satOff val="0"/>
-                <a:lumOff val="0"/>
-                <a:alphaOff val="0"/>
-                <a:lumMod val="99000"/>
-                <a:satMod val="120000"/>
-                <a:shade val="78000"/>
-              </a:schemeClr>
-            </a:gs>
-          </a:gsLst>
-          <a:lin ang="5400000" scaled="0"/>
-        </a:gradFill>
-        <a:ln>
-          <a:noFill/>
-        </a:ln>
-        <a:effectLst/>
-      </dsp:spPr>
-      <dsp:style>
-        <a:lnRef idx="0">
-          <a:scrgbClr r="0" g="0" b="0"/>
-        </a:lnRef>
-        <a:fillRef idx="3">
-          <a:scrgbClr r="0" g="0" b="0"/>
-        </a:fillRef>
-        <a:effectRef idx="2">
-          <a:scrgbClr r="0" g="0" b="0"/>
-        </a:effectRef>
-        <a:fontRef idx="minor">
-          <a:schemeClr val="lt1"/>
-        </a:fontRef>
-      </dsp:style>
-      <dsp:txBody>
-        <a:bodyPr spcFirstLastPara="0" vert="horz" wrap="square" lIns="41275" tIns="41275" rIns="41275" bIns="41275" numCol="1" spcCol="1270" anchor="ctr" anchorCtr="0">
-          <a:noAutofit/>
-        </a:bodyPr>
-        <a:lstStyle/>
-        <a:p>
-          <a:pPr marL="0" lvl="0" indent="0" algn="ctr" defTabSz="2889250">
-            <a:lnSpc>
-              <a:spcPct val="90000"/>
-            </a:lnSpc>
-            <a:spcBef>
-              <a:spcPct val="0"/>
-            </a:spcBef>
-            <a:spcAft>
-              <a:spcPct val="35000"/>
-            </a:spcAft>
-            <a:buNone/>
-          </a:pPr>
-          <a:endParaRPr lang="fr-FR" sz="6500" kern="1200"/>
-        </a:p>
-      </dsp:txBody>
-      <dsp:txXfrm>
-        <a:off x="2946237" y="4493574"/>
-        <a:ext cx="1060464" cy="1060464"/>
-      </dsp:txXfrm>
-    </dsp:sp>
-    <dsp:sp modelId="{3FCDF4CC-CD00-48C0-B4E3-944A660E3041}">
-      <dsp:nvSpPr>
-        <dsp:cNvPr id="0" name=""/>
-        <dsp:cNvSpPr/>
-      </dsp:nvSpPr>
-      <dsp:spPr>
-        <a:xfrm rot="10028571">
-          <a:off x="2982508" y="3234273"/>
-          <a:ext cx="747147" cy="30322"/>
-        </a:xfrm>
-        <a:custGeom>
-          <a:avLst/>
-          <a:gdLst/>
-          <a:ahLst/>
-          <a:cxnLst/>
-          <a:rect l="0" t="0" r="0" b="0"/>
-          <a:pathLst>
-            <a:path>
-              <a:moveTo>
-                <a:pt x="0" y="15161"/>
-              </a:moveTo>
-              <a:lnTo>
-                <a:pt x="747147" y="15161"/>
-              </a:lnTo>
-            </a:path>
-          </a:pathLst>
-        </a:custGeom>
-        <a:noFill/>
-        <a:ln w="6350" cap="flat" cmpd="sng" algn="ctr">
-          <a:solidFill>
-            <a:schemeClr val="dk2">
-              <a:shade val="60000"/>
-              <a:hueOff val="0"/>
-              <a:satOff val="0"/>
-              <a:lumOff val="0"/>
-              <a:alphaOff val="0"/>
-            </a:schemeClr>
-          </a:solidFill>
-          <a:prstDash val="solid"/>
-          <a:miter lim="800000"/>
-        </a:ln>
-        <a:effectLst/>
-      </dsp:spPr>
-      <dsp:style>
-        <a:lnRef idx="1">
-          <a:scrgbClr r="0" g="0" b="0"/>
-        </a:lnRef>
-        <a:fillRef idx="0">
-          <a:scrgbClr r="0" g="0" b="0"/>
-        </a:fillRef>
-        <a:effectRef idx="0">
-          <a:scrgbClr r="0" g="0" b="0"/>
-        </a:effectRef>
-        <a:fontRef idx="minor"/>
-      </dsp:style>
-      <dsp:txBody>
-        <a:bodyPr spcFirstLastPara="0" vert="horz" wrap="square" lIns="12700" tIns="0" rIns="12700" bIns="0" numCol="1" spcCol="1270" anchor="ctr" anchorCtr="0">
-          <a:noAutofit/>
-        </a:bodyPr>
-        <a:lstStyle/>
-        <a:p>
-          <a:pPr marL="0" lvl="0" indent="0" algn="ctr" defTabSz="222250">
-            <a:lnSpc>
-              <a:spcPct val="90000"/>
-            </a:lnSpc>
-            <a:spcBef>
-              <a:spcPct val="0"/>
-            </a:spcBef>
-            <a:spcAft>
-              <a:spcPct val="35000"/>
-            </a:spcAft>
-            <a:buNone/>
-          </a:pPr>
-          <a:endParaRPr lang="fr-FR" sz="500" kern="1200"/>
-        </a:p>
-      </dsp:txBody>
-      <dsp:txXfrm rot="10800000">
-        <a:off x="3337403" y="3230756"/>
-        <a:ext cx="37357" cy="37357"/>
-      </dsp:txXfrm>
-    </dsp:sp>
-    <dsp:sp modelId="{3FA9E819-95A5-450E-8BDB-64395BB42D9F}">
-      <dsp:nvSpPr>
-        <dsp:cNvPr id="0" name=""/>
-        <dsp:cNvSpPr/>
-      </dsp:nvSpPr>
-      <dsp:spPr>
-        <a:xfrm>
-          <a:off x="1510952" y="2749561"/>
-          <a:ext cx="1499722" cy="1499722"/>
-        </a:xfrm>
-        <a:prstGeom prst="ellipse">
-          <a:avLst/>
-        </a:prstGeom>
-        <a:gradFill rotWithShape="0">
-          <a:gsLst>
-            <a:gs pos="0">
-              <a:schemeClr val="dk2">
-                <a:hueOff val="0"/>
-                <a:satOff val="0"/>
-                <a:lumOff val="0"/>
-                <a:alphaOff val="0"/>
-                <a:satMod val="103000"/>
-                <a:lumMod val="102000"/>
-                <a:tint val="94000"/>
-              </a:schemeClr>
-            </a:gs>
-            <a:gs pos="50000">
-              <a:schemeClr val="dk2">
-                <a:hueOff val="0"/>
-                <a:satOff val="0"/>
-                <a:lumOff val="0"/>
-                <a:alphaOff val="0"/>
-                <a:satMod val="110000"/>
-                <a:lumMod val="100000"/>
-                <a:shade val="100000"/>
-              </a:schemeClr>
-            </a:gs>
-            <a:gs pos="100000">
-              <a:schemeClr val="dk2">
-                <a:hueOff val="0"/>
-                <a:satOff val="0"/>
-                <a:lumOff val="0"/>
-                <a:alphaOff val="0"/>
-                <a:lumMod val="99000"/>
-                <a:satMod val="120000"/>
-                <a:shade val="78000"/>
-              </a:schemeClr>
-            </a:gs>
-          </a:gsLst>
-          <a:lin ang="5400000" scaled="0"/>
-        </a:gradFill>
-        <a:ln>
-          <a:noFill/>
-        </a:ln>
-        <a:effectLst/>
-      </dsp:spPr>
-      <dsp:style>
-        <a:lnRef idx="0">
-          <a:scrgbClr r="0" g="0" b="0"/>
-        </a:lnRef>
-        <a:fillRef idx="3">
-          <a:scrgbClr r="0" g="0" b="0"/>
-        </a:fillRef>
-        <a:effectRef idx="2">
-          <a:scrgbClr r="0" g="0" b="0"/>
-        </a:effectRef>
-        <a:fontRef idx="minor">
-          <a:schemeClr val="lt1"/>
-        </a:fontRef>
-      </dsp:style>
-      <dsp:txBody>
-        <a:bodyPr spcFirstLastPara="0" vert="horz" wrap="square" lIns="41275" tIns="41275" rIns="41275" bIns="41275" numCol="1" spcCol="1270" anchor="ctr" anchorCtr="0">
-          <a:noAutofit/>
-        </a:bodyPr>
-        <a:lstStyle/>
-        <a:p>
-          <a:pPr marL="0" lvl="0" indent="0" algn="ctr" defTabSz="2889250">
-            <a:lnSpc>
-              <a:spcPct val="90000"/>
-            </a:lnSpc>
-            <a:spcBef>
-              <a:spcPct val="0"/>
-            </a:spcBef>
-            <a:spcAft>
-              <a:spcPct val="35000"/>
-            </a:spcAft>
-            <a:buNone/>
-          </a:pPr>
-          <a:endParaRPr lang="fr-FR" sz="6500" kern="1200"/>
-        </a:p>
-      </dsp:txBody>
-      <dsp:txXfrm>
-        <a:off x="1730581" y="2969190"/>
-        <a:ext cx="1060464" cy="1060464"/>
-      </dsp:txXfrm>
-    </dsp:sp>
-    <dsp:sp modelId="{9E733576-EF25-45ED-BC3D-5A44140D1C43}">
-      <dsp:nvSpPr>
-        <dsp:cNvPr id="0" name=""/>
-        <dsp:cNvSpPr/>
-      </dsp:nvSpPr>
-      <dsp:spPr>
-        <a:xfrm rot="13114286">
-          <a:off x="3199439" y="2283835"/>
-          <a:ext cx="747147" cy="30322"/>
-        </a:xfrm>
-        <a:custGeom>
-          <a:avLst/>
-          <a:gdLst/>
-          <a:ahLst/>
-          <a:cxnLst/>
-          <a:rect l="0" t="0" r="0" b="0"/>
-          <a:pathLst>
-            <a:path>
-              <a:moveTo>
-                <a:pt x="0" y="15161"/>
-              </a:moveTo>
-              <a:lnTo>
-                <a:pt x="747147" y="15161"/>
-              </a:lnTo>
-            </a:path>
-          </a:pathLst>
-        </a:custGeom>
-        <a:noFill/>
-        <a:ln w="6350" cap="flat" cmpd="sng" algn="ctr">
-          <a:solidFill>
-            <a:schemeClr val="dk2">
-              <a:shade val="60000"/>
-              <a:hueOff val="0"/>
-              <a:satOff val="0"/>
-              <a:lumOff val="0"/>
-              <a:alphaOff val="0"/>
-            </a:schemeClr>
-          </a:solidFill>
-          <a:prstDash val="solid"/>
-          <a:miter lim="800000"/>
-        </a:ln>
-        <a:effectLst/>
-      </dsp:spPr>
-      <dsp:style>
-        <a:lnRef idx="1">
-          <a:scrgbClr r="0" g="0" b="0"/>
-        </a:lnRef>
-        <a:fillRef idx="0">
-          <a:scrgbClr r="0" g="0" b="0"/>
-        </a:fillRef>
-        <a:effectRef idx="0">
-          <a:scrgbClr r="0" g="0" b="0"/>
-        </a:effectRef>
-        <a:fontRef idx="minor"/>
-      </dsp:style>
-      <dsp:txBody>
-        <a:bodyPr spcFirstLastPara="0" vert="horz" wrap="square" lIns="12700" tIns="0" rIns="12700" bIns="0" numCol="1" spcCol="1270" anchor="ctr" anchorCtr="0">
-          <a:noAutofit/>
-        </a:bodyPr>
-        <a:lstStyle/>
-        <a:p>
-          <a:pPr marL="0" lvl="0" indent="0" algn="ctr" defTabSz="222250">
-            <a:lnSpc>
-              <a:spcPct val="90000"/>
-            </a:lnSpc>
-            <a:spcBef>
-              <a:spcPct val="0"/>
-            </a:spcBef>
-            <a:spcAft>
-              <a:spcPct val="35000"/>
-            </a:spcAft>
-            <a:buNone/>
-          </a:pPr>
-          <a:endParaRPr lang="fr-FR" sz="500" kern="1200"/>
-        </a:p>
-      </dsp:txBody>
-      <dsp:txXfrm rot="10800000">
-        <a:off x="3554334" y="2280318"/>
-        <a:ext cx="37357" cy="37357"/>
-      </dsp:txXfrm>
-    </dsp:sp>
-    <dsp:sp modelId="{C38B1CC1-A205-464D-A462-61A5611E4ED2}">
-      <dsp:nvSpPr>
-        <dsp:cNvPr id="0" name=""/>
-        <dsp:cNvSpPr/>
-      </dsp:nvSpPr>
-      <dsp:spPr>
-        <a:xfrm>
-          <a:off x="1944815" y="848685"/>
-          <a:ext cx="1499722" cy="1499722"/>
-        </a:xfrm>
-        <a:prstGeom prst="ellipse">
-          <a:avLst/>
-        </a:prstGeom>
-        <a:gradFill rotWithShape="0">
-          <a:gsLst>
-            <a:gs pos="0">
-              <a:schemeClr val="dk2">
-                <a:hueOff val="0"/>
-                <a:satOff val="0"/>
-                <a:lumOff val="0"/>
-                <a:alphaOff val="0"/>
-                <a:satMod val="103000"/>
-                <a:lumMod val="102000"/>
-                <a:tint val="94000"/>
-              </a:schemeClr>
-            </a:gs>
-            <a:gs pos="50000">
-              <a:schemeClr val="dk2">
-                <a:hueOff val="0"/>
-                <a:satOff val="0"/>
-                <a:lumOff val="0"/>
-                <a:alphaOff val="0"/>
-                <a:satMod val="110000"/>
-                <a:lumMod val="100000"/>
-                <a:shade val="100000"/>
-              </a:schemeClr>
-            </a:gs>
-            <a:gs pos="100000">
-              <a:schemeClr val="dk2">
-                <a:hueOff val="0"/>
-                <a:satOff val="0"/>
-                <a:lumOff val="0"/>
-                <a:alphaOff val="0"/>
-                <a:lumMod val="99000"/>
-                <a:satMod val="120000"/>
-                <a:shade val="78000"/>
-              </a:schemeClr>
-            </a:gs>
-          </a:gsLst>
-          <a:lin ang="5400000" scaled="0"/>
-        </a:gradFill>
-        <a:ln>
-          <a:noFill/>
-        </a:ln>
-        <a:effectLst/>
-      </dsp:spPr>
-      <dsp:style>
-        <a:lnRef idx="0">
-          <a:scrgbClr r="0" g="0" b="0"/>
-        </a:lnRef>
-        <a:fillRef idx="3">
-          <a:scrgbClr r="0" g="0" b="0"/>
-        </a:fillRef>
-        <a:effectRef idx="2">
-          <a:scrgbClr r="0" g="0" b="0"/>
-        </a:effectRef>
-        <a:fontRef idx="minor">
-          <a:schemeClr val="lt1"/>
-        </a:fontRef>
-      </dsp:style>
-      <dsp:txBody>
-        <a:bodyPr spcFirstLastPara="0" vert="horz" wrap="square" lIns="41275" tIns="41275" rIns="41275" bIns="41275" numCol="1" spcCol="1270" anchor="ctr" anchorCtr="0">
-          <a:noAutofit/>
-        </a:bodyPr>
-        <a:lstStyle/>
-        <a:p>
-          <a:pPr marL="0" lvl="0" indent="0" algn="ctr" defTabSz="2889250">
-            <a:lnSpc>
-              <a:spcPct val="90000"/>
-            </a:lnSpc>
-            <a:spcBef>
-              <a:spcPct val="0"/>
-            </a:spcBef>
-            <a:spcAft>
-              <a:spcPct val="35000"/>
-            </a:spcAft>
-            <a:buNone/>
-          </a:pPr>
-          <a:endParaRPr lang="fr-FR" sz="6500" kern="1200"/>
-        </a:p>
-      </dsp:txBody>
-      <dsp:txXfrm>
-        <a:off x="2164444" y="1068314"/>
-        <a:ext cx="1060464" cy="1060464"/>
-      </dsp:txXfrm>
-    </dsp:sp>
-  </dsp:spTree>
-</dsp:drawing>
-</file>
-
-<file path=ppt/diagrams/layout1.xml><?xml version="1.0" encoding="utf-8"?>
-<dgm:layoutDef xmlns:dgm="http://schemas.openxmlformats.org/drawingml/2006/diagram" xmlns:a="http://schemas.openxmlformats.org/drawingml/2006/main" uniqueId="urn:microsoft.com/office/officeart/2005/8/layout/radial1">
-  <dgm:title val=""/>
-  <dgm:desc val=""/>
-  <dgm:catLst>
-    <dgm:cat type="relationship" pri="22000"/>
-    <dgm:cat type="cycle" pri="10000"/>
-  </dgm:catLst>
-  <dgm:sampData>
-    <dgm:dataModel>
-      <dgm:ptLst>
-        <dgm:pt modelId="0" type="doc"/>
-        <dgm:pt modelId="1">
-          <dgm:prSet phldr="1"/>
-        </dgm:pt>
-        <dgm:pt modelId="11">
-          <dgm:prSet phldr="1"/>
-        </dgm:pt>
-        <dgm:pt modelId="12">
-          <dgm:prSet phldr="1"/>
-        </dgm:pt>
-        <dgm:pt modelId="13">
-          <dgm:prSet phldr="1"/>
-        </dgm:pt>
-        <dgm:pt modelId="14">
-          <dgm:prSet phldr="1"/>
-        </dgm:pt>
-      </dgm:ptLst>
-      <dgm:cxnLst>
-        <dgm:cxn modelId="2" srcId="0" destId="1" srcOrd="0" destOrd="0"/>
-        <dgm:cxn modelId="3" srcId="1" destId="11" srcOrd="0" destOrd="0"/>
-        <dgm:cxn modelId="4" srcId="1" destId="12" srcOrd="1" destOrd="0"/>
-        <dgm:cxn modelId="5" srcId="1" destId="13" srcOrd="2" destOrd="0"/>
-        <dgm:cxn modelId="6" srcId="1" destId="14" srcOrd="3" destOrd="0"/>
-      </dgm:cxnLst>
-      <dgm:bg/>
-      <dgm:whole/>
-    </dgm:dataModel>
-  </dgm:sampData>
-  <dgm:styleData>
-    <dgm:dataModel>
-      <dgm:ptLst>
-        <dgm:pt modelId="0" type="doc"/>
-        <dgm:pt modelId="1"/>
-        <dgm:pt modelId="11"/>
-        <dgm:pt modelId="12"/>
-        <dgm:pt modelId="13"/>
-      </dgm:ptLst>
-      <dgm:cxnLst>
-        <dgm:cxn modelId="2" srcId="0" destId="1" srcOrd="0" destOrd="0"/>
-        <dgm:cxn modelId="15" srcId="1" destId="11" srcOrd="0" destOrd="0"/>
-        <dgm:cxn modelId="16" srcId="1" destId="12" srcOrd="1" destOrd="0"/>
-        <dgm:cxn modelId="17" srcId="1" destId="13" srcOrd="2" destOrd="0"/>
-      </dgm:cxnLst>
-      <dgm:bg/>
-      <dgm:whole/>
-    </dgm:dataModel>
-  </dgm:styleData>
-  <dgm:clrData>
-    <dgm:dataModel>
-      <dgm:ptLst>
-        <dgm:pt modelId="0" type="doc"/>
-        <dgm:pt modelId="1"/>
-        <dgm:pt modelId="11"/>
-        <dgm:pt modelId="12"/>
-        <dgm:pt modelId="13"/>
-        <dgm:pt modelId="14"/>
-        <dgm:pt modelId="15"/>
-        <dgm:pt modelId="16"/>
-      </dgm:ptLst>
-      <dgm:cxnLst>
-        <dgm:cxn modelId="2" srcId="0" destId="1" srcOrd="0" destOrd="0"/>
-        <dgm:cxn modelId="16" srcId="1" destId="11" srcOrd="0" destOrd="0"/>
-        <dgm:cxn modelId="17" srcId="1" destId="12" srcOrd="1" destOrd="0"/>
-        <dgm:cxn modelId="18" srcId="1" destId="13" srcOrd="2" destOrd="0"/>
-        <dgm:cxn modelId="19" srcId="1" destId="14" srcOrd="3" destOrd="0"/>
-        <dgm:cxn modelId="20" srcId="1" destId="15" srcOrd="4" destOrd="0"/>
-        <dgm:cxn modelId="21" srcId="1" destId="16" srcOrd="5" destOrd="0"/>
-      </dgm:cxnLst>
-      <dgm:bg/>
-      <dgm:whole/>
-    </dgm:dataModel>
-  </dgm:clrData>
-  <dgm:layoutNode name="cycle">
-    <dgm:varLst>
-      <dgm:chMax val="1"/>
-      <dgm:dir/>
-      <dgm:animLvl val="ctr"/>
-      <dgm:resizeHandles val="exact"/>
-    </dgm:varLst>
-    <dgm:choose name="Name0">
-      <dgm:if name="Name1" func="var" arg="dir" op="equ" val="norm">
-        <dgm:choose name="Name2">
-          <dgm:if name="Name3" axis="ch ch" ptType="node node" st="1 1" cnt="1 0" func="cnt" op="lte" val="1">
-            <dgm:alg type="cycle">
-              <dgm:param type="stAng" val="90"/>
-              <dgm:param type="spanAng" val="360"/>
-              <dgm:param type="ctrShpMap" val="fNode"/>
-            </dgm:alg>
-          </dgm:if>
-          <dgm:else name="Name4">
-            <dgm:alg type="cycle">
-              <dgm:param type="stAng" val="0"/>
-              <dgm:param type="spanAng" val="360"/>
-              <dgm:param type="ctrShpMap" val="fNode"/>
-            </dgm:alg>
-          </dgm:else>
-        </dgm:choose>
-      </dgm:if>
-      <dgm:else name="Name5">
-        <dgm:alg type="cycle">
-          <dgm:param type="stAng" val="0"/>
-          <dgm:param type="spanAng" val="-360"/>
-          <dgm:param type="ctrShpMap" val="fNode"/>
-        </dgm:alg>
-      </dgm:else>
-    </dgm:choose>
-    <dgm:shape xmlns:r="http://schemas.openxmlformats.org/officeDocument/2006/relationships" r:blip="">
-      <dgm:adjLst/>
-    </dgm:shape>
-    <dgm:presOf/>
-    <dgm:constrLst>
-      <dgm:constr type="w" for="ch" forName="centerShape" refType="w"/>
-      <dgm:constr type="w" for="ch" forName="node" refType="w" refFor="ch" refForName="centerShape" op="equ"/>
-      <dgm:constr type="sp" refType="w" refFor="ch" refForName="node" fact="0.3"/>
-      <dgm:constr type="sibSp" refType="w" refFor="ch" refForName="node" fact="0.3"/>
-      <dgm:constr type="primFontSz" for="ch" forName="centerShape" val="65"/>
-      <dgm:constr type="primFontSz" for="des" forName="node" op="equ" val="65"/>
-      <dgm:constr type="primFontSz" for="des" forName="connTx" val="55"/>
-      <dgm:constr type="primFontSz" for="des" forName="connTx" refType="primFontSz" refFor="ch" refForName="centerShape" op="lte" fact="0.8"/>
-    </dgm:constrLst>
-    <dgm:ruleLst/>
-    <dgm:forEach name="Name6" axis="ch" ptType="node" cnt="1">
-      <dgm:layoutNode name="centerShape" styleLbl="node0">
-        <dgm:alg type="tx"/>
-        <dgm:shape xmlns:r="http://schemas.openxmlformats.org/officeDocument/2006/relationships" type="ellipse" r:blip="">
-          <dgm:adjLst/>
-        </dgm:shape>
-        <dgm:presOf axis="self"/>
-        <dgm:constrLst>
-          <dgm:constr type="h" refType="w"/>
-          <dgm:constr type="tMarg" refType="primFontSz" fact="0.05"/>
-          <dgm:constr type="bMarg" refType="primFontSz" fact="0.05"/>
-          <dgm:constr type="lMarg" refType="primFontSz" fact="0.05"/>
-          <dgm:constr type="rMarg" refType="primFontSz" fact="0.05"/>
-        </dgm:constrLst>
-        <dgm:ruleLst>
-          <dgm:rule type="primFontSz" val="5" fact="NaN" max="NaN"/>
-        </dgm:ruleLst>
-      </dgm:layoutNode>
-      <dgm:forEach name="Name7" axis="ch">
-        <dgm:forEach name="Name8" axis="self" ptType="parTrans">
-          <dgm:layoutNode name="Name9">
-            <dgm:alg type="conn">
-              <dgm:param type="dim" val="1D"/>
-              <dgm:param type="begPts" val="auto"/>
-              <dgm:param type="endPts" val="auto"/>
-              <dgm:param type="begSty" val="noArr"/>
-              <dgm:param type="endSty" val="noArr"/>
-            </dgm:alg>
-            <dgm:shape xmlns:r="http://schemas.openxmlformats.org/officeDocument/2006/relationships" type="conn" r:blip="">
-              <dgm:adjLst/>
-            </dgm:shape>
-            <dgm:presOf axis="self"/>
-            <dgm:constrLst>
-              <dgm:constr type="connDist"/>
-              <dgm:constr type="userA" for="ch" refType="connDist"/>
-              <dgm:constr type="w" val="1"/>
-              <dgm:constr type="h" val="5"/>
-              <dgm:constr type="begPad"/>
-              <dgm:constr type="endPad"/>
-            </dgm:constrLst>
-            <dgm:ruleLst/>
-            <dgm:layoutNode name="connTx">
-              <dgm:alg type="tx">
-                <dgm:param type="autoTxRot" val="grav"/>
-              </dgm:alg>
-              <dgm:shape xmlns:r="http://schemas.openxmlformats.org/officeDocument/2006/relationships" type="rect" r:blip="" hideGeom="1">
-                <dgm:adjLst/>
-              </dgm:shape>
-              <dgm:presOf axis="self"/>
-              <dgm:constrLst>
-                <dgm:constr type="userA"/>
-                <dgm:constr type="w" refType="userA" fact="0.05"/>
-                <dgm:constr type="h" refType="userA" fact="0.05"/>
-                <dgm:constr type="lMarg" val="1"/>
-                <dgm:constr type="rMarg" val="1"/>
-                <dgm:constr type="tMarg"/>
-                <dgm:constr type="bMarg"/>
-              </dgm:constrLst>
-              <dgm:ruleLst>
-                <dgm:rule type="w" val="NaN" fact="0.8" max="NaN"/>
-                <dgm:rule type="h" val="NaN" fact="1" max="NaN"/>
-                <dgm:rule type="primFontSz" val="5" fact="NaN" max="NaN"/>
-              </dgm:ruleLst>
-            </dgm:layoutNode>
-          </dgm:layoutNode>
-        </dgm:forEach>
-        <dgm:forEach name="Name10" axis="self" ptType="node">
-          <dgm:layoutNode name="node" styleLbl="node1">
-            <dgm:varLst>
-              <dgm:bulletEnabled val="1"/>
-            </dgm:varLst>
-            <dgm:alg type="tx">
-              <dgm:param type="txAnchorVertCh" val="mid"/>
-            </dgm:alg>
-            <dgm:shape xmlns:r="http://schemas.openxmlformats.org/officeDocument/2006/relationships" type="ellipse" r:blip="">
-              <dgm:adjLst/>
-            </dgm:shape>
-            <dgm:presOf axis="desOrSelf" ptType="node"/>
-            <dgm:constrLst>
-              <dgm:constr type="h" refType="w"/>
-              <dgm:constr type="tMarg" refType="primFontSz" fact="0.05"/>
-              <dgm:constr type="bMarg" refType="primFontSz" fact="0.05"/>
-              <dgm:constr type="lMarg" refType="primFontSz" fact="0.05"/>
-              <dgm:constr type="rMarg" refType="primFontSz" fact="0.05"/>
-            </dgm:constrLst>
-            <dgm:ruleLst>
-              <dgm:rule type="primFontSz" val="5" fact="NaN" max="NaN"/>
-            </dgm:ruleLst>
-          </dgm:layoutNode>
-        </dgm:forEach>
-      </dgm:forEach>
-    </dgm:forEach>
-  </dgm:layoutNode>
-</dgm:layoutDef>
-</file>
-
-<file path=ppt/diagrams/quickStyle1.xml><?xml version="1.0" encoding="utf-8"?>
-<dgm:styleDef xmlns:dgm="http://schemas.openxmlformats.org/drawingml/2006/diagram" xmlns:a="http://schemas.openxmlformats.org/drawingml/2006/main" uniqueId="urn:microsoft.com/office/officeart/2005/8/quickstyle/simple4">
-  <dgm:title val=""/>
-  <dgm:desc val=""/>
-  <dgm:catLst>
-    <dgm:cat type="simple" pri="10400"/>
-  </dgm:catLst>
-  <dgm:scene3d>
-    <a:camera prst="orthographicFront"/>
-    <a:lightRig rig="threePt" dir="t"/>
-  </dgm:scene3d>
-  <dgm:styleLbl name="node0">
-    <dgm:scene3d>
-      <a:camera prst="orthographicFront"/>
-      <a:lightRig rig="threePt" dir="t"/>
-    </dgm:scene3d>
-    <dgm:sp3d/>
-    <dgm:txPr/>
-    <dgm:style>
-      <a:lnRef idx="0">
-        <a:scrgbClr r="0" g="0" b="0"/>
-      </a:lnRef>
-      <a:fillRef idx="3">
-        <a:scrgbClr r="0" g="0" b="0"/>
-      </a:fillRef>
-      <a:effectRef idx="2">
-        <a:scrgbClr r="0" g="0" b="0"/>
-      </a:effectRef>
-      <a:fontRef idx="minor">
-        <a:schemeClr val="lt1"/>
-      </a:fontRef>
-    </dgm:style>
-  </dgm:styleLbl>
-  <dgm:styleLbl name="lnNode1">
-    <dgm:scene3d>
-      <a:camera prst="orthographicFront"/>
-      <a:lightRig rig="threePt" dir="t"/>
-    </dgm:scene3d>
-    <dgm:sp3d/>
-    <dgm:txPr/>
-    <dgm:style>
-      <a:lnRef idx="1">
-        <a:scrgbClr r="0" g="0" b="0"/>
-      </a:lnRef>
-      <a:fillRef idx="3">
-        <a:scrgbClr r="0" g="0" b="0"/>
-      </a:fillRef>
-      <a:effectRef idx="2">
-        <a:scrgbClr r="0" g="0" b="0"/>
-      </a:effectRef>
-      <a:fontRef idx="minor">
-        <a:schemeClr val="lt1"/>
-      </a:fontRef>
-    </dgm:style>
-  </dgm:styleLbl>
-  <dgm:styleLbl name="vennNode1">
-    <dgm:scene3d>
-      <a:camera prst="orthographicFront"/>
-      <a:lightRig rig="threePt" dir="t"/>
-    </dgm:scene3d>
-    <dgm:sp3d/>
-    <dgm:txPr/>
-    <dgm:style>
-      <a:lnRef idx="0">
-        <a:scrgbClr r="0" g="0" b="0"/>
-      </a:lnRef>
-      <a:fillRef idx="3">
-        <a:scrgbClr r="0" g="0" b="0"/>
-      </a:fillRef>
-      <a:effectRef idx="0">
-        <a:scrgbClr r="0" g="0" b="0"/>
-      </a:effectRef>
-      <a:fontRef idx="minor">
-        <a:schemeClr val="tx1"/>
-      </a:fontRef>
-    </dgm:style>
-  </dgm:styleLbl>
-  <dgm:styleLbl name="alignNode1">
-    <dgm:scene3d>
-      <a:camera prst="orthographicFront"/>
-      <a:lightRig rig="threePt" dir="t"/>
-    </dgm:scene3d>
-    <dgm:sp3d/>
-    <dgm:txPr/>
-    <dgm:style>
-      <a:lnRef idx="1">
-        <a:scrgbClr r="0" g="0" b="0"/>
-      </a:lnRef>
-      <a:fillRef idx="3">
-        <a:scrgbClr r="0" g="0" b="0"/>
-      </a:fillRef>
-      <a:effectRef idx="2">
-        <a:scrgbClr r="0" g="0" b="0"/>
-      </a:effectRef>
-      <a:fontRef idx="minor">
-        <a:schemeClr val="lt1"/>
-      </a:fontRef>
-    </dgm:style>
-  </dgm:styleLbl>
-  <dgm:styleLbl name="node1">
-    <dgm:scene3d>
-      <a:camera prst="orthographicFront"/>
-      <a:lightRig rig="threePt" dir="t"/>
-    </dgm:scene3d>
-    <dgm:sp3d/>
-    <dgm:txPr/>
-    <dgm:style>
-      <a:lnRef idx="0">
-        <a:scrgbClr r="0" g="0" b="0"/>
-      </a:lnRef>
-      <a:fillRef idx="3">
-        <a:scrgbClr r="0" g="0" b="0"/>
-      </a:fillRef>
-      <a:effectRef idx="2">
-        <a:scrgbClr r="0" g="0" b="0"/>
-      </a:effectRef>
-      <a:fontRef idx="minor">
-        <a:schemeClr val="lt1"/>
-      </a:fontRef>
-    </dgm:style>
-  </dgm:styleLbl>
-  <dgm:styleLbl name="node2">
-    <dgm:scene3d>
-      <a:camera prst="orthographicFront"/>
-      <a:lightRig rig="threePt" dir="t"/>
-    </dgm:scene3d>
-    <dgm:sp3d/>
-    <dgm:txPr/>
-    <dgm:style>
-      <a:lnRef idx="0">
-        <a:scrgbClr r="0" g="0" b="0"/>
-      </a:lnRef>
-      <a:fillRef idx="3">
-        <a:scrgbClr r="0" g="0" b="0"/>
-      </a:fillRef>
-      <a:effectRef idx="2">
-        <a:scrgbClr r="0" g="0" b="0"/>
-      </a:effectRef>
-      <a:fontRef idx="minor">
-        <a:schemeClr val="lt1"/>
-      </a:fontRef>
-    </dgm:style>
-  </dgm:styleLbl>
-  <dgm:styleLbl name="node3">
-    <dgm:scene3d>
-      <a:camera prst="orthographicFront"/>
-      <a:lightRig rig="threePt" dir="t"/>
-    </dgm:scene3d>
-    <dgm:sp3d/>
-    <dgm:txPr/>
-    <dgm:style>
-      <a:lnRef idx="0">
-        <a:scrgbClr r="0" g="0" b="0"/>
-      </a:lnRef>
-      <a:fillRef idx="3">
-        <a:scrgbClr r="0" g="0" b="0"/>
-      </a:fillRef>
-      <a:effectRef idx="2">
-        <a:scrgbClr r="0" g="0" b="0"/>
-      </a:effectRef>
-      <a:fontRef idx="minor">
-        <a:schemeClr val="lt1"/>
-      </a:fontRef>
-    </dgm:style>
-  </dgm:styleLbl>
-  <dgm:styleLbl name="node4">
-    <dgm:scene3d>
-      <a:camera prst="orthographicFront"/>
-      <a:lightRig rig="threePt" dir="t"/>
-    </dgm:scene3d>
-    <dgm:sp3d/>
-    <dgm:txPr/>
-    <dgm:style>
-      <a:lnRef idx="0">
-        <a:scrgbClr r="0" g="0" b="0"/>
-      </a:lnRef>
-      <a:fillRef idx="3">
-        <a:scrgbClr r="0" g="0" b="0"/>
-      </a:fillRef>
-      <a:effectRef idx="2">
-        <a:scrgbClr r="0" g="0" b="0"/>
-      </a:effectRef>
-      <a:fontRef idx="minor">
-        <a:schemeClr val="lt1"/>
-      </a:fontRef>
-    </dgm:style>
-  </dgm:styleLbl>
-  <dgm:styleLbl name="fgImgPlace1">
-    <dgm:scene3d>
-      <a:camera prst="orthographicFront"/>
-      <a:lightRig rig="threePt" dir="t"/>
-    </dgm:scene3d>
-    <dgm:sp3d/>
-    <dgm:txPr/>
-    <dgm:style>
-      <a:lnRef idx="0">
-        <a:scrgbClr r="0" g="0" b="0"/>
-      </a:lnRef>
-      <a:fillRef idx="1">
-        <a:scrgbClr r="0" g="0" b="0"/>
-      </a:fillRef>
-      <a:effectRef idx="2">
-        <a:scrgbClr r="0" g="0" b="0"/>
-      </a:effectRef>
-      <a:fontRef idx="minor"/>
-    </dgm:style>
-  </dgm:styleLbl>
-  <dgm:styleLbl name="alignImgPlace1">
-    <dgm:scene3d>
-      <a:camera prst="orthographicFront"/>
-      <a:lightRig rig="threePt" dir="t"/>
-    </dgm:scene3d>
-    <dgm:sp3d/>
-    <dgm:txPr/>
-    <dgm:style>
-      <a:lnRef idx="0">
-        <a:scrgbClr r="0" g="0" b="0"/>
-      </a:lnRef>
-      <a:fillRef idx="1">
-        <a:scrgbClr r="0" g="0" b="0"/>
-      </a:fillRef>
-      <a:effectRef idx="2">
-        <a:scrgbClr r="0" g="0" b="0"/>
-      </a:effectRef>
-      <a:fontRef idx="minor"/>
-    </dgm:style>
-  </dgm:styleLbl>
-  <dgm:styleLbl name="bgImgPlace1">
-    <dgm:scene3d>
-      <a:camera prst="orthographicFront"/>
-      <a:lightRig rig="threePt" dir="t"/>
-    </dgm:scene3d>
-    <dgm:sp3d/>
-    <dgm:txPr/>
-    <dgm:style>
-      <a:lnRef idx="0">
-        <a:scrgbClr r="0" g="0" b="0"/>
-      </a:lnRef>
-      <a:fillRef idx="1">
-        <a:scrgbClr r="0" g="0" b="0"/>
-      </a:fillRef>
-      <a:effectRef idx="2">
-        <a:scrgbClr r="0" g="0" b="0"/>
-      </a:effectRef>
-      <a:fontRef idx="minor"/>
-    </dgm:style>
-  </dgm:styleLbl>
-  <dgm:styleLbl name="sibTrans2D1">
-    <dgm:scene3d>
-      <a:camera prst="orthographicFront"/>
-      <a:lightRig rig="threePt" dir="t"/>
-    </dgm:scene3d>
-    <dgm:sp3d/>
-    <dgm:txPr/>
-    <dgm:style>
-      <a:lnRef idx="0">
-        <a:scrgbClr r="0" g="0" b="0"/>
-      </a:lnRef>
-      <a:fillRef idx="3">
-        <a:scrgbClr r="0" g="0" b="0"/>
-      </a:fillRef>
-      <a:effectRef idx="2">
-        <a:scrgbClr r="0" g="0" b="0"/>
-      </a:effectRef>
-      <a:fontRef idx="minor">
-        <a:schemeClr val="lt1"/>
-      </a:fontRef>
-    </dgm:style>
-  </dgm:styleLbl>
-  <dgm:styleLbl name="fgSibTrans2D1">
-    <dgm:scene3d>
-      <a:camera prst="orthographicFront"/>
-      <a:lightRig rig="threePt" dir="t"/>
-    </dgm:scene3d>
-    <dgm:sp3d/>
-    <dgm:txPr/>
-    <dgm:style>
-      <a:lnRef idx="0">
-        <a:scrgbClr r="0" g="0" b="0"/>
-      </a:lnRef>
-      <a:fillRef idx="3">
-        <a:scrgbClr r="0" g="0" b="0"/>
-      </a:fillRef>
-      <a:effectRef idx="2">
-        <a:scrgbClr r="0" g="0" b="0"/>
-      </a:effectRef>
-      <a:fontRef idx="minor">
-        <a:schemeClr val="lt1"/>
-      </a:fontRef>
-    </dgm:style>
-  </dgm:styleLbl>
-  <dgm:styleLbl name="bgSibTrans2D1">
-    <dgm:scene3d>
-      <a:camera prst="orthographicFront"/>
-      <a:lightRig rig="threePt" dir="t"/>
-    </dgm:scene3d>
-    <dgm:sp3d/>
-    <dgm:txPr/>
-    <dgm:style>
-      <a:lnRef idx="0">
-        <a:scrgbClr r="0" g="0" b="0"/>
-      </a:lnRef>
-      <a:fillRef idx="3">
-        <a:scrgbClr r="0" g="0" b="0"/>
-      </a:fillRef>
-      <a:effectRef idx="2">
-        <a:scrgbClr r="0" g="0" b="0"/>
-      </a:effectRef>
-      <a:fontRef idx="minor">
-        <a:schemeClr val="lt1"/>
-      </a:fontRef>
-    </dgm:style>
-  </dgm:styleLbl>
-  <dgm:styleLbl name="sibTrans1D1">
-    <dgm:scene3d>
-      <a:camera prst="orthographicFront"/>
-      <a:lightRig rig="threePt" dir="t"/>
-    </dgm:scene3d>
-    <dgm:sp3d/>
-    <dgm:txPr/>
-    <dgm:style>
-      <a:lnRef idx="1">
-        <a:scrgbClr r="0" g="0" b="0"/>
-      </a:lnRef>
-      <a:fillRef idx="0">
-        <a:scrgbClr r="0" g="0" b="0"/>
-      </a:fillRef>
-      <a:effectRef idx="0">
-        <a:scrgbClr r="0" g="0" b="0"/>
-      </a:effectRef>
-      <a:fontRef idx="minor"/>
-    </dgm:style>
-  </dgm:styleLbl>
-  <dgm:styleLbl name="callout">
-    <dgm:scene3d>
-      <a:camera prst="orthographicFront"/>
-      <a:lightRig rig="threePt" dir="t"/>
-    </dgm:scene3d>
-    <dgm:sp3d/>
-    <dgm:txPr/>
-    <dgm:style>
-      <a:lnRef idx="2">
-        <a:scrgbClr r="0" g="0" b="0"/>
-      </a:lnRef>
-      <a:fillRef idx="1">
-        <a:scrgbClr r="0" g="0" b="0"/>
-      </a:fillRef>
-      <a:effectRef idx="1">
-        <a:scrgbClr r="0" g="0" b="0"/>
-      </a:effectRef>
-      <a:fontRef idx="minor"/>
-    </dgm:style>
-  </dgm:styleLbl>
-  <dgm:styleLbl name="asst0">
-    <dgm:scene3d>
-      <a:camera prst="orthographicFront"/>
-      <a:lightRig rig="threePt" dir="t"/>
-    </dgm:scene3d>
-    <dgm:sp3d/>
-    <dgm:txPr/>
-    <dgm:style>
-      <a:lnRef idx="0">
-        <a:scrgbClr r="0" g="0" b="0"/>
-      </a:lnRef>
-      <a:fillRef idx="3">
-        <a:scrgbClr r="0" g="0" b="0"/>
-      </a:fillRef>
-      <a:effectRef idx="2">
-        <a:scrgbClr r="0" g="0" b="0"/>
-      </a:effectRef>
-      <a:fontRef idx="minor">
-        <a:schemeClr val="lt1"/>
-      </a:fontRef>
-    </dgm:style>
-  </dgm:styleLbl>
-  <dgm:styleLbl name="asst1">
-    <dgm:scene3d>
-      <a:camera prst="orthographicFront"/>
-      <a:lightRig rig="threePt" dir="t"/>
-    </dgm:scene3d>
-    <dgm:sp3d/>
-    <dgm:txPr/>
-    <dgm:style>
-      <a:lnRef idx="0">
-        <a:scrgbClr r="0" g="0" b="0"/>
-      </a:lnRef>
-      <a:fillRef idx="3">
-        <a:scrgbClr r="0" g="0" b="0"/>
-      </a:fillRef>
-      <a:effectRef idx="2">
-        <a:scrgbClr r="0" g="0" b="0"/>
-      </a:effectRef>
-      <a:fontRef idx="minor">
-        <a:schemeClr val="lt1"/>
-      </a:fontRef>
-    </dgm:style>
-  </dgm:styleLbl>
-  <dgm:styleLbl name="asst2">
-    <dgm:scene3d>
-      <a:camera prst="orthographicFront"/>
-      <a:lightRig rig="threePt" dir="t"/>
-    </dgm:scene3d>
-    <dgm:sp3d/>
-    <dgm:txPr/>
-    <dgm:style>
-      <a:lnRef idx="0">
-        <a:scrgbClr r="0" g="0" b="0"/>
-      </a:lnRef>
-      <a:fillRef idx="3">
-        <a:scrgbClr r="0" g="0" b="0"/>
-      </a:fillRef>
-      <a:effectRef idx="2">
-        <a:scrgbClr r="0" g="0" b="0"/>
-      </a:effectRef>
-      <a:fontRef idx="minor">
-        <a:schemeClr val="lt1"/>
-      </a:fontRef>
-    </dgm:style>
-  </dgm:styleLbl>
-  <dgm:styleLbl name="asst3">
-    <dgm:scene3d>
-      <a:camera prst="orthographicFront"/>
-      <a:lightRig rig="threePt" dir="t"/>
-    </dgm:scene3d>
-    <dgm:sp3d/>
-    <dgm:txPr/>
-    <dgm:style>
-      <a:lnRef idx="0">
-        <a:scrgbClr r="0" g="0" b="0"/>
-      </a:lnRef>
-      <a:fillRef idx="3">
-        <a:scrgbClr r="0" g="0" b="0"/>
-      </a:fillRef>
-      <a:effectRef idx="2">
-        <a:scrgbClr r="0" g="0" b="0"/>
-      </a:effectRef>
-      <a:fontRef idx="minor">
-        <a:schemeClr val="lt1"/>
-      </a:fontRef>
-    </dgm:style>
-  </dgm:styleLbl>
-  <dgm:styleLbl name="asst4">
-    <dgm:scene3d>
-      <a:camera prst="orthographicFront"/>
-      <a:lightRig rig="threePt" dir="t"/>
-    </dgm:scene3d>
-    <dgm:sp3d/>
-    <dgm:txPr/>
-    <dgm:style>
-      <a:lnRef idx="0">
-        <a:scrgbClr r="0" g="0" b="0"/>
-      </a:lnRef>
-      <a:fillRef idx="3">
-        <a:scrgbClr r="0" g="0" b="0"/>
-      </a:fillRef>
-      <a:effectRef idx="2">
-        <a:scrgbClr r="0" g="0" b="0"/>
-      </a:effectRef>
-      <a:fontRef idx="minor">
-        <a:schemeClr val="lt1"/>
-      </a:fontRef>
-    </dgm:style>
-  </dgm:styleLbl>
-  <dgm:styleLbl name="parChTrans2D1">
-    <dgm:scene3d>
-      <a:camera prst="orthographicFront"/>
-      <a:lightRig rig="threePt" dir="t"/>
-    </dgm:scene3d>
-    <dgm:sp3d/>
-    <dgm:txPr/>
-    <dgm:style>
-      <a:lnRef idx="0">
-        <a:scrgbClr r="0" g="0" b="0"/>
-      </a:lnRef>
-      <a:fillRef idx="3">
-        <a:scrgbClr r="0" g="0" b="0"/>
-      </a:fillRef>
-      <a:effectRef idx="2">
-        <a:scrgbClr r="0" g="0" b="0"/>
-      </a:effectRef>
-      <a:fontRef idx="minor">
-        <a:schemeClr val="lt1"/>
-      </a:fontRef>
-    </dgm:style>
-  </dgm:styleLbl>
-  <dgm:styleLbl name="parChTrans2D2">
-    <dgm:scene3d>
-      <a:camera prst="orthographicFront"/>
-      <a:lightRig rig="threePt" dir="t"/>
-    </dgm:scene3d>
-    <dgm:sp3d/>
-    <dgm:txPr/>
-    <dgm:style>
-      <a:lnRef idx="0">
-        <a:scrgbClr r="0" g="0" b="0"/>
-      </a:lnRef>
-      <a:fillRef idx="3">
-        <a:scrgbClr r="0" g="0" b="0"/>
-      </a:fillRef>
-      <a:effectRef idx="2">
-        <a:scrgbClr r="0" g="0" b="0"/>
-      </a:effectRef>
-      <a:fontRef idx="minor">
-        <a:schemeClr val="lt1"/>
-      </a:fontRef>
-    </dgm:style>
-  </dgm:styleLbl>
-  <dgm:styleLbl name="parChTrans2D3">
-    <dgm:scene3d>
-      <a:camera prst="orthographicFront"/>
-      <a:lightRig rig="threePt" dir="t"/>
-    </dgm:scene3d>
-    <dgm:sp3d/>
-    <dgm:txPr/>
-    <dgm:style>
-      <a:lnRef idx="1">
-        <a:scrgbClr r="0" g="0" b="0"/>
-      </a:lnRef>
-      <a:fillRef idx="3">
-        <a:scrgbClr r="0" g="0" b="0"/>
-      </a:fillRef>
-      <a:effectRef idx="2">
-        <a:scrgbClr r="0" g="0" b="0"/>
-      </a:effectRef>
-      <a:fontRef idx="minor">
-        <a:schemeClr val="lt1"/>
-      </a:fontRef>
-    </dgm:style>
-  </dgm:styleLbl>
-  <dgm:styleLbl name="parChTrans2D4">
-    <dgm:scene3d>
-      <a:camera prst="orthographicFront"/>
-      <a:lightRig rig="threePt" dir="t"/>
-    </dgm:scene3d>
-    <dgm:sp3d/>
-    <dgm:txPr/>
-    <dgm:style>
-      <a:lnRef idx="1">
-        <a:scrgbClr r="0" g="0" b="0"/>
-      </a:lnRef>
-      <a:fillRef idx="3">
-        <a:scrgbClr r="0" g="0" b="0"/>
-      </a:fillRef>
-      <a:effectRef idx="2">
-        <a:scrgbClr r="0" g="0" b="0"/>
-      </a:effectRef>
-      <a:fontRef idx="minor">
-        <a:schemeClr val="lt1"/>
-      </a:fontRef>
-    </dgm:style>
-  </dgm:styleLbl>
-  <dgm:styleLbl name="parChTrans1D1">
-    <dgm:scene3d>
-      <a:camera prst="orthographicFront"/>
-      <a:lightRig rig="threePt" dir="t"/>
-    </dgm:scene3d>
-    <dgm:sp3d/>
-    <dgm:txPr/>
-    <dgm:style>
-      <a:lnRef idx="1">
-        <a:scrgbClr r="0" g="0" b="0"/>
-      </a:lnRef>
-      <a:fillRef idx="0">
-        <a:scrgbClr r="0" g="0" b="0"/>
-      </a:fillRef>
-      <a:effectRef idx="0">
-        <a:scrgbClr r="0" g="0" b="0"/>
-      </a:effectRef>
-      <a:fontRef idx="minor"/>
-    </dgm:style>
-  </dgm:styleLbl>
-  <dgm:styleLbl name="parChTrans1D2">
-    <dgm:scene3d>
-      <a:camera prst="orthographicFront"/>
-      <a:lightRig rig="threePt" dir="t"/>
-    </dgm:scene3d>
-    <dgm:sp3d/>
-    <dgm:txPr/>
-    <dgm:style>
-      <a:lnRef idx="1">
-        <a:scrgbClr r="0" g="0" b="0"/>
-      </a:lnRef>
-      <a:fillRef idx="0">
-        <a:scrgbClr r="0" g="0" b="0"/>
-      </a:fillRef>
-      <a:effectRef idx="0">
-        <a:scrgbClr r="0" g="0" b="0"/>
-      </a:effectRef>
-      <a:fontRef idx="minor"/>
-    </dgm:style>
-  </dgm:styleLbl>
-  <dgm:styleLbl name="parChTrans1D3">
-    <dgm:scene3d>
-      <a:camera prst="orthographicFront"/>
-      <a:lightRig rig="threePt" dir="t"/>
-    </dgm:scene3d>
-    <dgm:sp3d/>
-    <dgm:txPr/>
-    <dgm:style>
-      <a:lnRef idx="1">
-        <a:scrgbClr r="0" g="0" b="0"/>
-      </a:lnRef>
-      <a:fillRef idx="0">
-        <a:scrgbClr r="0" g="0" b="0"/>
-      </a:fillRef>
-      <a:effectRef idx="0">
-        <a:scrgbClr r="0" g="0" b="0"/>
-      </a:effectRef>
-      <a:fontRef idx="minor"/>
-    </dgm:style>
-  </dgm:styleLbl>
-  <dgm:styleLbl name="parChTrans1D4">
-    <dgm:scene3d>
-      <a:camera prst="orthographicFront"/>
-      <a:lightRig rig="threePt" dir="t"/>
-    </dgm:scene3d>
-    <dgm:sp3d/>
-    <dgm:txPr/>
-    <dgm:style>
-      <a:lnRef idx="1">
-        <a:scrgbClr r="0" g="0" b="0"/>
-      </a:lnRef>
-      <a:fillRef idx="0">
-        <a:scrgbClr r="0" g="0" b="0"/>
-      </a:fillRef>
-      <a:effectRef idx="0">
-        <a:scrgbClr r="0" g="0" b="0"/>
-      </a:effectRef>
-      <a:fontRef idx="minor"/>
-    </dgm:style>
-  </dgm:styleLbl>
-  <dgm:styleLbl name="fgAcc1">
-    <dgm:scene3d>
-      <a:camera prst="orthographicFront"/>
-      <a:lightRig rig="threePt" dir="t"/>
-    </dgm:scene3d>
-    <dgm:sp3d/>
-    <dgm:txPr/>
-    <dgm:style>
-      <a:lnRef idx="1">
-        <a:scrgbClr r="0" g="0" b="0"/>
-      </a:lnRef>
-      <a:fillRef idx="1">
-        <a:scrgbClr r="0" g="0" b="0"/>
-      </a:fillRef>
-      <a:effectRef idx="0">
-        <a:scrgbClr r="0" g="0" b="0"/>
-      </a:effectRef>
-      <a:fontRef idx="minor"/>
-    </dgm:style>
-  </dgm:styleLbl>
-  <dgm:styleLbl name="conFgAcc1">
-    <dgm:scene3d>
-      <a:camera prst="orthographicFront"/>
-      <a:lightRig rig="threePt" dir="t"/>
-    </dgm:scene3d>
-    <dgm:sp3d/>
-    <dgm:txPr/>
-    <dgm:style>
-      <a:lnRef idx="1">
-        <a:scrgbClr r="0" g="0" b="0"/>
-      </a:lnRef>
-      <a:fillRef idx="1">
-        <a:scrgbClr r="0" g="0" b="0"/>
-      </a:fillRef>
-      <a:effectRef idx="0">
-        <a:scrgbClr r="0" g="0" b="0"/>
-      </a:effectRef>
-      <a:fontRef idx="minor"/>
-    </dgm:style>
-  </dgm:styleLbl>
-  <dgm:styleLbl name="alignAcc1">
-    <dgm:scene3d>
-      <a:camera prst="orthographicFront"/>
-      <a:lightRig rig="threePt" dir="t"/>
-    </dgm:scene3d>
-    <dgm:sp3d/>
-    <dgm:txPr/>
-    <dgm:style>
-      <a:lnRef idx="1">
-        <a:scrgbClr r="0" g="0" b="0"/>
-      </a:lnRef>
-      <a:fillRef idx="1">
-        <a:scrgbClr r="0" g="0" b="0"/>
-      </a:fillRef>
-      <a:effectRef idx="0">
-        <a:scrgbClr r="0" g="0" b="0"/>
-      </a:effectRef>
-      <a:fontRef idx="minor"/>
-    </dgm:style>
-  </dgm:styleLbl>
-  <dgm:styleLbl name="trAlignAcc1">
-    <dgm:scene3d>
-      <a:camera prst="orthographicFront"/>
-      <a:lightRig rig="threePt" dir="t"/>
-    </dgm:scene3d>
-    <dgm:sp3d/>
-    <dgm:txPr/>
-    <dgm:style>
-      <a:lnRef idx="1">
-        <a:scrgbClr r="0" g="0" b="0"/>
-      </a:lnRef>
-      <a:fillRef idx="1">
-        <a:scrgbClr r="0" g="0" b="0"/>
-      </a:fillRef>
-      <a:effectRef idx="0">
-        <a:scrgbClr r="0" g="0" b="0"/>
-      </a:effectRef>
-      <a:fontRef idx="minor"/>
-    </dgm:style>
-  </dgm:styleLbl>
-  <dgm:styleLbl name="bgAcc1">
-    <dgm:scene3d>
-      <a:camera prst="orthographicFront"/>
-      <a:lightRig rig="threePt" dir="t"/>
-    </dgm:scene3d>
-    <dgm:sp3d/>
-    <dgm:txPr/>
-    <dgm:style>
-      <a:lnRef idx="1">
-        <a:scrgbClr r="0" g="0" b="0"/>
-      </a:lnRef>
-      <a:fillRef idx="1">
-        <a:scrgbClr r="0" g="0" b="0"/>
-      </a:fillRef>
-      <a:effectRef idx="0">
-        <a:scrgbClr r="0" g="0" b="0"/>
-      </a:effectRef>
-      <a:fontRef idx="minor"/>
-    </dgm:style>
-  </dgm:styleLbl>
-  <dgm:styleLbl name="solidFgAcc1">
-    <dgm:scene3d>
-      <a:camera prst="orthographicFront"/>
-      <a:lightRig rig="threePt" dir="t"/>
-    </dgm:scene3d>
-    <dgm:sp3d/>
-    <dgm:txPr/>
-    <dgm:style>
-      <a:lnRef idx="1">
-        <a:scrgbClr r="0" g="0" b="0"/>
-      </a:lnRef>
-      <a:fillRef idx="1">
-        <a:scrgbClr r="0" g="0" b="0"/>
-      </a:fillRef>
-      <a:effectRef idx="0">
-        <a:scrgbClr r="0" g="0" b="0"/>
-      </a:effectRef>
-      <a:fontRef idx="minor"/>
-    </dgm:style>
-  </dgm:styleLbl>
-  <dgm:styleLbl name="solidAlignAcc1">
-    <dgm:scene3d>
-      <a:camera prst="orthographicFront"/>
-      <a:lightRig rig="threePt" dir="t"/>
-    </dgm:scene3d>
-    <dgm:sp3d/>
-    <dgm:txPr/>
-    <dgm:style>
-      <a:lnRef idx="1">
-        <a:scrgbClr r="0" g="0" b="0"/>
-      </a:lnRef>
-      <a:fillRef idx="1">
-        <a:scrgbClr r="0" g="0" b="0"/>
-      </a:fillRef>
-      <a:effectRef idx="0">
-        <a:scrgbClr r="0" g="0" b="0"/>
-      </a:effectRef>
-      <a:fontRef idx="minor"/>
-    </dgm:style>
-  </dgm:styleLbl>
-  <dgm:styleLbl name="solidBgAcc1">
-    <dgm:scene3d>
-      <a:camera prst="orthographicFront"/>
-      <a:lightRig rig="threePt" dir="t"/>
-    </dgm:scene3d>
-    <dgm:sp3d/>
-    <dgm:txPr/>
-    <dgm:style>
-      <a:lnRef idx="1">
-        <a:scrgbClr r="0" g="0" b="0"/>
-      </a:lnRef>
-      <a:fillRef idx="1">
-        <a:scrgbClr r="0" g="0" b="0"/>
-      </a:fillRef>
-      <a:effectRef idx="0">
-        <a:scrgbClr r="0" g="0" b="0"/>
-      </a:effectRef>
-      <a:fontRef idx="minor"/>
-    </dgm:style>
-  </dgm:styleLbl>
-  <dgm:styleLbl name="fgAccFollowNode1">
-    <dgm:scene3d>
-      <a:camera prst="orthographicFront"/>
-      <a:lightRig rig="threePt" dir="t"/>
-    </dgm:scene3d>
-    <dgm:sp3d/>
-    <dgm:txPr/>
-    <dgm:style>
-      <a:lnRef idx="1">
-        <a:scrgbClr r="0" g="0" b="0"/>
-      </a:lnRef>
-      <a:fillRef idx="1">
-        <a:scrgbClr r="0" g="0" b="0"/>
-      </a:fillRef>
-      <a:effectRef idx="0">
-        <a:scrgbClr r="0" g="0" b="0"/>
-      </a:effectRef>
-      <a:fontRef idx="minor"/>
-    </dgm:style>
-  </dgm:styleLbl>
-  <dgm:styleLbl name="alignAccFollowNode1">
-    <dgm:scene3d>
-      <a:camera prst="orthographicFront"/>
-      <a:lightRig rig="threePt" dir="t"/>
-    </dgm:scene3d>
-    <dgm:sp3d/>
-    <dgm:txPr/>
-    <dgm:style>
-      <a:lnRef idx="1">
-        <a:scrgbClr r="0" g="0" b="0"/>
-      </a:lnRef>
-      <a:fillRef idx="1">
-        <a:scrgbClr r="0" g="0" b="0"/>
-      </a:fillRef>
-      <a:effectRef idx="0">
-        <a:scrgbClr r="0" g="0" b="0"/>
-      </a:effectRef>
-      <a:fontRef idx="minor"/>
-    </dgm:style>
-  </dgm:styleLbl>
-  <dgm:styleLbl name="bgAccFollowNode1">
-    <dgm:scene3d>
-      <a:camera prst="orthographicFront"/>
-      <a:lightRig rig="threePt" dir="t"/>
-    </dgm:scene3d>
-    <dgm:sp3d/>
-    <dgm:txPr/>
-    <dgm:style>
-      <a:lnRef idx="1">
-        <a:scrgbClr r="0" g="0" b="0"/>
-      </a:lnRef>
-      <a:fillRef idx="1">
-        <a:scrgbClr r="0" g="0" b="0"/>
-      </a:fillRef>
-      <a:effectRef idx="0">
-        <a:scrgbClr r="0" g="0" b="0"/>
-      </a:effectRef>
-      <a:fontRef idx="minor"/>
-    </dgm:style>
-  </dgm:styleLbl>
-  <dgm:styleLbl name="fgAcc0">
-    <dgm:scene3d>
-      <a:camera prst="orthographicFront"/>
-      <a:lightRig rig="threePt" dir="t"/>
-    </dgm:scene3d>
-    <dgm:sp3d/>
-    <dgm:txPr/>
-    <dgm:style>
-      <a:lnRef idx="1">
-        <a:scrgbClr r="0" g="0" b="0"/>
-      </a:lnRef>
-      <a:fillRef idx="1">
-        <a:scrgbClr r="0" g="0" b="0"/>
-      </a:fillRef>
-      <a:effectRef idx="0">
-        <a:scrgbClr r="0" g="0" b="0"/>
-      </a:effectRef>
-      <a:fontRef idx="minor"/>
-    </dgm:style>
-  </dgm:styleLbl>
-  <dgm:styleLbl name="fgAcc2">
-    <dgm:scene3d>
-      <a:camera prst="orthographicFront"/>
-      <a:lightRig rig="threePt" dir="t"/>
-    </dgm:scene3d>
-    <dgm:sp3d/>
-    <dgm:txPr/>
-    <dgm:style>
-      <a:lnRef idx="1">
-        <a:scrgbClr r="0" g="0" b="0"/>
-      </a:lnRef>
-      <a:fillRef idx="1">
-        <a:scrgbClr r="0" g="0" b="0"/>
-      </a:fillRef>
-      <a:effectRef idx="0">
-        <a:scrgbClr r="0" g="0" b="0"/>
-      </a:effectRef>
-      <a:fontRef idx="minor"/>
-    </dgm:style>
-  </dgm:styleLbl>
-  <dgm:styleLbl name="fgAcc3">
-    <dgm:scene3d>
-      <a:camera prst="orthographicFront"/>
-      <a:lightRig rig="threePt" dir="t"/>
-    </dgm:scene3d>
-    <dgm:sp3d/>
-    <dgm:txPr/>
-    <dgm:style>
-      <a:lnRef idx="1">
-        <a:scrgbClr r="0" g="0" b="0"/>
-      </a:lnRef>
-      <a:fillRef idx="1">
-        <a:scrgbClr r="0" g="0" b="0"/>
-      </a:fillRef>
-      <a:effectRef idx="0">
-        <a:scrgbClr r="0" g="0" b="0"/>
-      </a:effectRef>
-      <a:fontRef idx="minor"/>
-    </dgm:style>
-  </dgm:styleLbl>
-  <dgm:styleLbl name="fgAcc4">
-    <dgm:scene3d>
-      <a:camera prst="orthographicFront"/>
-      <a:lightRig rig="threePt" dir="t"/>
-    </dgm:scene3d>
-    <dgm:sp3d/>
-    <dgm:txPr/>
-    <dgm:style>
-      <a:lnRef idx="1">
-        <a:scrgbClr r="0" g="0" b="0"/>
-      </a:lnRef>
-      <a:fillRef idx="1">
-        <a:scrgbClr r="0" g="0" b="0"/>
-      </a:fillRef>
-      <a:effectRef idx="0">
-        <a:scrgbClr r="0" g="0" b="0"/>
-      </a:effectRef>
-      <a:fontRef idx="minor"/>
-    </dgm:style>
-  </dgm:styleLbl>
-  <dgm:styleLbl name="bgShp">
-    <dgm:scene3d>
-      <a:camera prst="orthographicFront"/>
-      <a:lightRig rig="threePt" dir="t"/>
-    </dgm:scene3d>
-    <dgm:sp3d/>
-    <dgm:txPr/>
-    <dgm:style>
-      <a:lnRef idx="0">
-        <a:scrgbClr r="0" g="0" b="0"/>
-      </a:lnRef>
-      <a:fillRef idx="1">
-        <a:scrgbClr r="0" g="0" b="0"/>
-      </a:fillRef>
-      <a:effectRef idx="2">
-        <a:scrgbClr r="0" g="0" b="0"/>
-      </a:effectRef>
-      <a:fontRef idx="minor"/>
-    </dgm:style>
-  </dgm:styleLbl>
-  <dgm:styleLbl name="dkBgShp">
-    <dgm:scene3d>
-      <a:camera prst="orthographicFront"/>
-      <a:lightRig rig="threePt" dir="t"/>
-    </dgm:scene3d>
-    <dgm:sp3d/>
-    <dgm:txPr/>
-    <dgm:style>
-      <a:lnRef idx="0">
-        <a:scrgbClr r="0" g="0" b="0"/>
-      </a:lnRef>
-      <a:fillRef idx="1">
-        <a:scrgbClr r="0" g="0" b="0"/>
-      </a:fillRef>
-      <a:effectRef idx="2">
-        <a:scrgbClr r="0" g="0" b="0"/>
-      </a:effectRef>
-      <a:fontRef idx="minor"/>
-    </dgm:style>
-  </dgm:styleLbl>
-  <dgm:styleLbl name="trBgShp">
-    <dgm:scene3d>
-      <a:camera prst="orthographicFront"/>
-      <a:lightRig rig="threePt" dir="t"/>
-    </dgm:scene3d>
-    <dgm:sp3d/>
-    <dgm:txPr/>
-    <dgm:style>
-      <a:lnRef idx="0">
-        <a:scrgbClr r="0" g="0" b="0"/>
-      </a:lnRef>
-      <a:fillRef idx="1">
-        <a:scrgbClr r="0" g="0" b="0"/>
-      </a:fillRef>
-      <a:effectRef idx="0">
-        <a:scrgbClr r="0" g="0" b="0"/>
-      </a:effectRef>
-      <a:fontRef idx="minor"/>
-    </dgm:style>
-  </dgm:styleLbl>
-  <dgm:styleLbl name="fgShp">
-    <dgm:scene3d>
-      <a:camera prst="orthographicFront"/>
-      <a:lightRig rig="threePt" dir="t"/>
-    </dgm:scene3d>
-    <dgm:sp3d/>
-    <dgm:txPr/>
-    <dgm:style>
-      <a:lnRef idx="0">
-        <a:scrgbClr r="0" g="0" b="0"/>
-      </a:lnRef>
-      <a:fillRef idx="3">
-        <a:scrgbClr r="0" g="0" b="0"/>
-      </a:fillRef>
-      <a:effectRef idx="2">
-        <a:scrgbClr r="0" g="0" b="0"/>
-      </a:effectRef>
-      <a:fontRef idx="minor"/>
-    </dgm:style>
-  </dgm:styleLbl>
-  <dgm:styleLbl name="revTx">
-    <dgm:scene3d>
-      <a:camera prst="orthographicFront"/>
-      <a:lightRig rig="threePt" dir="t"/>
-    </dgm:scene3d>
-    <dgm:sp3d/>
-    <dgm:txPr/>
-    <dgm:style>
-      <a:lnRef idx="0">
-        <a:scrgbClr r="0" g="0" b="0"/>
-      </a:lnRef>
-      <a:fillRef idx="0">
-        <a:scrgbClr r="0" g="0" b="0"/>
-      </a:fillRef>
-      <a:effectRef idx="0">
-        <a:scrgbClr r="0" g="0" b="0"/>
-      </a:effectRef>
-      <a:fontRef idx="minor"/>
-    </dgm:style>
-  </dgm:styleLbl>
-</dgm:styleDef>
 </file>
 
 <file path=ppt/slideLayouts/slideLayout1.xml><?xml version="1.0" encoding="utf-8"?>
@@ -7684,8 +3854,8 @@
         </p:nvSpPr>
         <p:spPr>
           <a:xfrm>
-            <a:off x="0" y="1080502"/>
-            <a:ext cx="5526156" cy="1508105"/>
+            <a:off x="-111760" y="1121142"/>
+            <a:ext cx="5730240" cy="1508105"/>
           </a:xfrm>
           <a:prstGeom prst="rect">
             <a:avLst/>
@@ -7702,7 +3872,7 @@
             <a:r>
               <a:rPr lang="en-US" sz="2800" b="1" dirty="0">
                 <a:solidFill>
-                  <a:schemeClr val="bg1"/>
+                  <a:srgbClr val="FFFFFF"/>
                 </a:solidFill>
                 <a:latin typeface="+mj-lt"/>
                 <a:ea typeface="Proxima Nova"/>
@@ -7714,7 +3884,7 @@
             <a:r>
               <a:rPr lang="en-US" sz="2800" b="1" dirty="0" err="1">
                 <a:solidFill>
-                  <a:schemeClr val="bg1"/>
+                  <a:srgbClr val="FFFFFF"/>
                 </a:solidFill>
                 <a:latin typeface="+mj-lt"/>
                 <a:ea typeface="Proxima Nova"/>
@@ -7726,7 +3896,7 @@
             <a:r>
               <a:rPr lang="en-US" sz="2800" b="1" dirty="0">
                 <a:solidFill>
-                  <a:schemeClr val="bg1"/>
+                  <a:srgbClr val="FFFFFF"/>
                 </a:solidFill>
                 <a:latin typeface="+mj-lt"/>
                 <a:ea typeface="Proxima Nova"/>
@@ -7740,7 +3910,7 @@
             <a:pPr lvl="0" algn="ctr"/>
             <a:endParaRPr lang="en-US" b="1" dirty="0">
               <a:solidFill>
-                <a:schemeClr val="bg1"/>
+                <a:srgbClr val="FFFFFF"/>
               </a:solidFill>
               <a:latin typeface="+mj-lt"/>
               <a:ea typeface="Proxima Nova"/>
@@ -7841,10 +4011,1243 @@
 <file path=ppt/slides/slide2.xml><?xml version="1.0" encoding="utf-8"?>
 <p:sld xmlns:a="http://schemas.openxmlformats.org/drawingml/2006/main" xmlns:r="http://schemas.openxmlformats.org/officeDocument/2006/relationships" xmlns:p="http://schemas.openxmlformats.org/presentationml/2006/main">
   <p:cSld>
+    <p:spTree>
+      <p:nvGrpSpPr>
+        <p:cNvPr id="1" name=""/>
+        <p:cNvGrpSpPr/>
+        <p:nvPr/>
+      </p:nvGrpSpPr>
+      <p:grpSpPr>
+        <a:xfrm>
+          <a:off x="0" y="0"/>
+          <a:ext cx="0" cy="0"/>
+          <a:chOff x="0" y="0"/>
+          <a:chExt cx="0" cy="0"/>
+        </a:xfrm>
+      </p:grpSpPr>
+      <p:pic>
+        <p:nvPicPr>
+          <p:cNvPr id="5" name="Picture 4">
+            <a:extLst>
+              <a:ext uri="{FF2B5EF4-FFF2-40B4-BE49-F238E27FC236}">
+                <a16:creationId xmlns:a16="http://schemas.microsoft.com/office/drawing/2014/main" id="{D39B61DD-2323-4F58-98DD-DBC482F82E43}"/>
+              </a:ext>
+            </a:extLst>
+          </p:cNvPr>
+          <p:cNvPicPr>
+            <a:picLocks noChangeAspect="1"/>
+          </p:cNvPicPr>
+          <p:nvPr/>
+        </p:nvPicPr>
+        <p:blipFill>
+          <a:blip r:embed="rId2">
+            <a:extLst>
+              <a:ext uri="{28A0092B-C50C-407E-A947-70E740481C1C}">
+                <a14:useLocalDpi xmlns:a14="http://schemas.microsoft.com/office/drawing/2010/main" val="0"/>
+              </a:ext>
+            </a:extLst>
+          </a:blip>
+          <a:srcRect/>
+          <a:stretch/>
+        </p:blipFill>
+        <p:spPr>
+          <a:xfrm>
+            <a:off x="0" y="335775"/>
+            <a:ext cx="5895975" cy="6522225"/>
+          </a:xfrm>
+          <a:prstGeom prst="rect">
+            <a:avLst/>
+          </a:prstGeom>
+        </p:spPr>
+      </p:pic>
+      <p:sp>
+        <p:nvSpPr>
+          <p:cNvPr id="6" name="Rectangle: Rounded Corners 5">
+            <a:extLst>
+              <a:ext uri="{FF2B5EF4-FFF2-40B4-BE49-F238E27FC236}">
+                <a16:creationId xmlns:a16="http://schemas.microsoft.com/office/drawing/2014/main" id="{2048DDD1-94D1-4595-869B-3416F15F8A1B}"/>
+              </a:ext>
+            </a:extLst>
+          </p:cNvPr>
+          <p:cNvSpPr/>
+          <p:nvPr/>
+        </p:nvSpPr>
+        <p:spPr>
+          <a:xfrm>
+            <a:off x="5648325" y="95508"/>
+            <a:ext cx="3771900" cy="676275"/>
+          </a:xfrm>
+          <a:prstGeom prst="roundRect">
+            <a:avLst/>
+          </a:prstGeom>
+          <a:solidFill>
+            <a:srgbClr val="314C73"/>
+          </a:solidFill>
+        </p:spPr>
+        <p:style>
+          <a:lnRef idx="2">
+            <a:schemeClr val="accent1">
+              <a:shade val="50000"/>
+            </a:schemeClr>
+          </a:lnRef>
+          <a:fillRef idx="1">
+            <a:schemeClr val="accent1"/>
+          </a:fillRef>
+          <a:effectRef idx="0">
+            <a:schemeClr val="accent1"/>
+          </a:effectRef>
+          <a:fontRef idx="minor">
+            <a:schemeClr val="lt1"/>
+          </a:fontRef>
+        </p:style>
+        <p:txBody>
+          <a:bodyPr rtlCol="0" anchor="ctr"/>
+          <a:lstStyle/>
+          <a:p>
+            <a:pPr algn="ctr"/>
+            <a:r>
+              <a:rPr lang="en-US" sz="2400" dirty="0"/>
+              <a:t>1) Introduction To TIC</a:t>
+            </a:r>
+            <a:endParaRPr lang="fr-FR" sz="2400" dirty="0"/>
+          </a:p>
+        </p:txBody>
+      </p:sp>
+      <p:sp>
+        <p:nvSpPr>
+          <p:cNvPr id="7" name="Rectangle: Rounded Corners 6">
+            <a:extLst>
+              <a:ext uri="{FF2B5EF4-FFF2-40B4-BE49-F238E27FC236}">
+                <a16:creationId xmlns:a16="http://schemas.microsoft.com/office/drawing/2014/main" id="{A9313251-9350-4175-B3FC-5EE78265F0AB}"/>
+              </a:ext>
+            </a:extLst>
+          </p:cNvPr>
+          <p:cNvSpPr/>
+          <p:nvPr/>
+        </p:nvSpPr>
+        <p:spPr>
+          <a:xfrm>
+            <a:off x="7143750" y="1336160"/>
+            <a:ext cx="3771900" cy="676275"/>
+          </a:xfrm>
+          <a:prstGeom prst="roundRect">
+            <a:avLst/>
+          </a:prstGeom>
+          <a:solidFill>
+            <a:srgbClr val="314C73"/>
+          </a:solidFill>
+        </p:spPr>
+        <p:style>
+          <a:lnRef idx="2">
+            <a:schemeClr val="accent1">
+              <a:shade val="50000"/>
+            </a:schemeClr>
+          </a:lnRef>
+          <a:fillRef idx="1">
+            <a:schemeClr val="accent1"/>
+          </a:fillRef>
+          <a:effectRef idx="0">
+            <a:schemeClr val="accent1"/>
+          </a:effectRef>
+          <a:fontRef idx="minor">
+            <a:schemeClr val="lt1"/>
+          </a:fontRef>
+        </p:style>
+        <p:txBody>
+          <a:bodyPr rtlCol="0" anchor="ctr"/>
+          <a:lstStyle/>
+          <a:p>
+            <a:pPr algn="ctr"/>
+            <a:r>
+              <a:rPr lang="en-US" sz="2400" dirty="0"/>
+              <a:t>2) Google Services</a:t>
+            </a:r>
+            <a:endParaRPr lang="fr-FR" sz="2400" dirty="0"/>
+          </a:p>
+        </p:txBody>
+      </p:sp>
+      <p:sp>
+        <p:nvSpPr>
+          <p:cNvPr id="8" name="Rectangle: Rounded Corners 7">
+            <a:extLst>
+              <a:ext uri="{FF2B5EF4-FFF2-40B4-BE49-F238E27FC236}">
+                <a16:creationId xmlns:a16="http://schemas.microsoft.com/office/drawing/2014/main" id="{5F70A680-726C-41AD-BF1B-9D31784AD430}"/>
+              </a:ext>
+            </a:extLst>
+          </p:cNvPr>
+          <p:cNvSpPr/>
+          <p:nvPr/>
+        </p:nvSpPr>
+        <p:spPr>
+          <a:xfrm>
+            <a:off x="6296027" y="2464889"/>
+            <a:ext cx="3771900" cy="676275"/>
+          </a:xfrm>
+          <a:prstGeom prst="roundRect">
+            <a:avLst/>
+          </a:prstGeom>
+          <a:solidFill>
+            <a:srgbClr val="314C73"/>
+          </a:solidFill>
+        </p:spPr>
+        <p:style>
+          <a:lnRef idx="2">
+            <a:schemeClr val="accent1">
+              <a:shade val="50000"/>
+            </a:schemeClr>
+          </a:lnRef>
+          <a:fillRef idx="1">
+            <a:schemeClr val="accent1"/>
+          </a:fillRef>
+          <a:effectRef idx="0">
+            <a:schemeClr val="accent1"/>
+          </a:effectRef>
+          <a:fontRef idx="minor">
+            <a:schemeClr val="lt1"/>
+          </a:fontRef>
+        </p:style>
+        <p:txBody>
+          <a:bodyPr rtlCol="0" anchor="ctr"/>
+          <a:lstStyle/>
+          <a:p>
+            <a:pPr algn="ctr"/>
+            <a:r>
+              <a:rPr lang="en-US" sz="2400" dirty="0"/>
+              <a:t>3) Microsoft Tools</a:t>
+            </a:r>
+            <a:endParaRPr lang="fr-FR" sz="2400" dirty="0"/>
+          </a:p>
+        </p:txBody>
+      </p:sp>
+      <p:sp>
+        <p:nvSpPr>
+          <p:cNvPr id="9" name="Rectangle: Rounded Corners 8">
+            <a:extLst>
+              <a:ext uri="{FF2B5EF4-FFF2-40B4-BE49-F238E27FC236}">
+                <a16:creationId xmlns:a16="http://schemas.microsoft.com/office/drawing/2014/main" id="{1101535F-66DD-431D-A0A6-8AB70A9CEF75}"/>
+              </a:ext>
+            </a:extLst>
+          </p:cNvPr>
+          <p:cNvSpPr/>
+          <p:nvPr/>
+        </p:nvSpPr>
+        <p:spPr>
+          <a:xfrm>
+            <a:off x="7143750" y="3618159"/>
+            <a:ext cx="3771900" cy="676275"/>
+          </a:xfrm>
+          <a:prstGeom prst="roundRect">
+            <a:avLst/>
+          </a:prstGeom>
+          <a:solidFill>
+            <a:srgbClr val="314C73"/>
+          </a:solidFill>
+        </p:spPr>
+        <p:style>
+          <a:lnRef idx="2">
+            <a:schemeClr val="accent1">
+              <a:shade val="50000"/>
+            </a:schemeClr>
+          </a:lnRef>
+          <a:fillRef idx="1">
+            <a:schemeClr val="accent1"/>
+          </a:fillRef>
+          <a:effectRef idx="0">
+            <a:schemeClr val="accent1"/>
+          </a:effectRef>
+          <a:fontRef idx="minor">
+            <a:schemeClr val="lt1"/>
+          </a:fontRef>
+        </p:style>
+        <p:txBody>
+          <a:bodyPr rtlCol="0" anchor="ctr"/>
+          <a:lstStyle/>
+          <a:p>
+            <a:pPr algn="ctr"/>
+            <a:r>
+              <a:rPr lang="en-US" sz="2400" dirty="0"/>
+              <a:t>4) Git </a:t>
+            </a:r>
+            <a:r>
+              <a:rPr lang="en-US" sz="2400" dirty="0" err="1"/>
+              <a:t>Github</a:t>
+            </a:r>
+            <a:r>
+              <a:rPr lang="en-US" sz="2400" dirty="0"/>
+              <a:t> </a:t>
+            </a:r>
+            <a:endParaRPr lang="fr-FR" sz="2400" dirty="0"/>
+          </a:p>
+        </p:txBody>
+      </p:sp>
+      <p:sp>
+        <p:nvSpPr>
+          <p:cNvPr id="10" name="Rectangle: Rounded Corners 9">
+            <a:extLst>
+              <a:ext uri="{FF2B5EF4-FFF2-40B4-BE49-F238E27FC236}">
+                <a16:creationId xmlns:a16="http://schemas.microsoft.com/office/drawing/2014/main" id="{AE934824-7302-46BF-BF82-689845974913}"/>
+              </a:ext>
+            </a:extLst>
+          </p:cNvPr>
+          <p:cNvSpPr/>
+          <p:nvPr/>
+        </p:nvSpPr>
+        <p:spPr>
+          <a:xfrm>
+            <a:off x="6296027" y="4771429"/>
+            <a:ext cx="3771900" cy="676275"/>
+          </a:xfrm>
+          <a:prstGeom prst="roundRect">
+            <a:avLst/>
+          </a:prstGeom>
+          <a:solidFill>
+            <a:srgbClr val="314C73"/>
+          </a:solidFill>
+        </p:spPr>
+        <p:style>
+          <a:lnRef idx="2">
+            <a:schemeClr val="accent1">
+              <a:shade val="50000"/>
+            </a:schemeClr>
+          </a:lnRef>
+          <a:fillRef idx="1">
+            <a:schemeClr val="accent1"/>
+          </a:fillRef>
+          <a:effectRef idx="0">
+            <a:schemeClr val="accent1"/>
+          </a:effectRef>
+          <a:fontRef idx="minor">
+            <a:schemeClr val="lt1"/>
+          </a:fontRef>
+        </p:style>
+        <p:txBody>
+          <a:bodyPr rtlCol="0" anchor="ctr"/>
+          <a:lstStyle/>
+          <a:p>
+            <a:pPr algn="ctr"/>
+            <a:r>
+              <a:rPr lang="en-US" sz="2400" dirty="0"/>
+              <a:t>5) Conclusion </a:t>
+            </a:r>
+            <a:endParaRPr lang="fr-FR" sz="2400" dirty="0"/>
+          </a:p>
+        </p:txBody>
+      </p:sp>
+      <p:sp>
+        <p:nvSpPr>
+          <p:cNvPr id="11" name="Rectangle: Rounded Corners 10">
+            <a:extLst>
+              <a:ext uri="{FF2B5EF4-FFF2-40B4-BE49-F238E27FC236}">
+                <a16:creationId xmlns:a16="http://schemas.microsoft.com/office/drawing/2014/main" id="{9F9F0A6E-492D-4D37-9314-16AE252DDD54}"/>
+              </a:ext>
+            </a:extLst>
+          </p:cNvPr>
+          <p:cNvSpPr/>
+          <p:nvPr/>
+        </p:nvSpPr>
+        <p:spPr>
+          <a:xfrm>
+            <a:off x="5648325" y="5924699"/>
+            <a:ext cx="3771900" cy="676275"/>
+          </a:xfrm>
+          <a:prstGeom prst="roundRect">
+            <a:avLst/>
+          </a:prstGeom>
+          <a:solidFill>
+            <a:srgbClr val="314C73"/>
+          </a:solidFill>
+        </p:spPr>
+        <p:style>
+          <a:lnRef idx="2">
+            <a:schemeClr val="accent1">
+              <a:shade val="50000"/>
+            </a:schemeClr>
+          </a:lnRef>
+          <a:fillRef idx="1">
+            <a:schemeClr val="accent1"/>
+          </a:fillRef>
+          <a:effectRef idx="0">
+            <a:schemeClr val="accent1"/>
+          </a:effectRef>
+          <a:fontRef idx="minor">
+            <a:schemeClr val="lt1"/>
+          </a:fontRef>
+        </p:style>
+        <p:txBody>
+          <a:bodyPr rtlCol="0" anchor="ctr"/>
+          <a:lstStyle/>
+          <a:p>
+            <a:pPr algn="ctr"/>
+            <a:r>
+              <a:rPr lang="en-US" sz="2400" dirty="0"/>
+              <a:t>6) References </a:t>
+            </a:r>
+            <a:endParaRPr lang="fr-FR" sz="2400" dirty="0"/>
+          </a:p>
+        </p:txBody>
+      </p:sp>
+      <p:cxnSp>
+        <p:nvCxnSpPr>
+          <p:cNvPr id="13" name="Straight Connector 12">
+            <a:extLst>
+              <a:ext uri="{FF2B5EF4-FFF2-40B4-BE49-F238E27FC236}">
+                <a16:creationId xmlns:a16="http://schemas.microsoft.com/office/drawing/2014/main" id="{A2ABF1E9-6EB1-4A34-8AC9-E54B1086781C}"/>
+              </a:ext>
+            </a:extLst>
+          </p:cNvPr>
+          <p:cNvCxnSpPr>
+            <a:cxnSpLocks/>
+          </p:cNvCxnSpPr>
+          <p:nvPr/>
+        </p:nvCxnSpPr>
+        <p:spPr>
+          <a:xfrm flipH="1">
+            <a:off x="209550" y="438150"/>
+            <a:ext cx="5438775" cy="0"/>
+          </a:xfrm>
+          <a:prstGeom prst="line">
+            <a:avLst/>
+          </a:prstGeom>
+          <a:ln w="28575">
+            <a:solidFill>
+              <a:srgbClr val="213755"/>
+            </a:solidFill>
+          </a:ln>
+        </p:spPr>
+        <p:style>
+          <a:lnRef idx="1">
+            <a:schemeClr val="accent1"/>
+          </a:lnRef>
+          <a:fillRef idx="0">
+            <a:schemeClr val="accent1"/>
+          </a:fillRef>
+          <a:effectRef idx="0">
+            <a:schemeClr val="accent1"/>
+          </a:effectRef>
+          <a:fontRef idx="minor">
+            <a:schemeClr val="tx1"/>
+          </a:fontRef>
+        </p:style>
+      </p:cxnSp>
+      <p:cxnSp>
+        <p:nvCxnSpPr>
+          <p:cNvPr id="16" name="Straight Connector 15">
+            <a:extLst>
+              <a:ext uri="{FF2B5EF4-FFF2-40B4-BE49-F238E27FC236}">
+                <a16:creationId xmlns:a16="http://schemas.microsoft.com/office/drawing/2014/main" id="{6EE50B4B-19CC-4AE3-839B-EC5FF13E01F1}"/>
+              </a:ext>
+            </a:extLst>
+          </p:cNvPr>
+          <p:cNvCxnSpPr>
+            <a:cxnSpLocks/>
+          </p:cNvCxnSpPr>
+          <p:nvPr/>
+        </p:nvCxnSpPr>
+        <p:spPr>
+          <a:xfrm>
+            <a:off x="200025" y="438150"/>
+            <a:ext cx="0" cy="5848350"/>
+          </a:xfrm>
+          <a:prstGeom prst="line">
+            <a:avLst/>
+          </a:prstGeom>
+          <a:ln w="28575">
+            <a:solidFill>
+              <a:srgbClr val="213755"/>
+            </a:solidFill>
+          </a:ln>
+        </p:spPr>
+        <p:style>
+          <a:lnRef idx="1">
+            <a:schemeClr val="accent1"/>
+          </a:lnRef>
+          <a:fillRef idx="0">
+            <a:schemeClr val="accent1"/>
+          </a:fillRef>
+          <a:effectRef idx="0">
+            <a:schemeClr val="accent1"/>
+          </a:effectRef>
+          <a:fontRef idx="minor">
+            <a:schemeClr val="tx1"/>
+          </a:fontRef>
+        </p:style>
+      </p:cxnSp>
+      <p:cxnSp>
+        <p:nvCxnSpPr>
+          <p:cNvPr id="18" name="Straight Connector 17">
+            <a:extLst>
+              <a:ext uri="{FF2B5EF4-FFF2-40B4-BE49-F238E27FC236}">
+                <a16:creationId xmlns:a16="http://schemas.microsoft.com/office/drawing/2014/main" id="{F6613BC8-9E96-412E-8153-71ADE8A1C178}"/>
+              </a:ext>
+            </a:extLst>
+          </p:cNvPr>
+          <p:cNvCxnSpPr>
+            <a:stCxn id="11" idx="1"/>
+          </p:cNvCxnSpPr>
+          <p:nvPr/>
+        </p:nvCxnSpPr>
+        <p:spPr>
+          <a:xfrm flipH="1">
+            <a:off x="200025" y="6262837"/>
+            <a:ext cx="5448300" cy="23663"/>
+          </a:xfrm>
+          <a:prstGeom prst="line">
+            <a:avLst/>
+          </a:prstGeom>
+          <a:ln w="28575">
+            <a:solidFill>
+              <a:srgbClr val="213755"/>
+            </a:solidFill>
+          </a:ln>
+        </p:spPr>
+        <p:style>
+          <a:lnRef idx="1">
+            <a:schemeClr val="accent1"/>
+          </a:lnRef>
+          <a:fillRef idx="0">
+            <a:schemeClr val="accent1"/>
+          </a:fillRef>
+          <a:effectRef idx="0">
+            <a:schemeClr val="accent1"/>
+          </a:effectRef>
+          <a:fontRef idx="minor">
+            <a:schemeClr val="tx1"/>
+          </a:fontRef>
+        </p:style>
+      </p:cxnSp>
+      <p:cxnSp>
+        <p:nvCxnSpPr>
+          <p:cNvPr id="21" name="Straight Connector 20">
+            <a:extLst>
+              <a:ext uri="{FF2B5EF4-FFF2-40B4-BE49-F238E27FC236}">
+                <a16:creationId xmlns:a16="http://schemas.microsoft.com/office/drawing/2014/main" id="{6191E95B-BCAF-4236-9679-36056FDC7121}"/>
+              </a:ext>
+            </a:extLst>
+          </p:cNvPr>
+          <p:cNvCxnSpPr>
+            <a:cxnSpLocks/>
+          </p:cNvCxnSpPr>
+          <p:nvPr/>
+        </p:nvCxnSpPr>
+        <p:spPr>
+          <a:xfrm>
+            <a:off x="9419813" y="465405"/>
+            <a:ext cx="2427218" cy="4504"/>
+          </a:xfrm>
+          <a:prstGeom prst="line">
+            <a:avLst/>
+          </a:prstGeom>
+          <a:ln w="28575">
+            <a:solidFill>
+              <a:srgbClr val="213755"/>
+            </a:solidFill>
+          </a:ln>
+        </p:spPr>
+        <p:style>
+          <a:lnRef idx="1">
+            <a:schemeClr val="accent1"/>
+          </a:lnRef>
+          <a:fillRef idx="0">
+            <a:schemeClr val="accent1"/>
+          </a:fillRef>
+          <a:effectRef idx="0">
+            <a:schemeClr val="accent1"/>
+          </a:effectRef>
+          <a:fontRef idx="minor">
+            <a:schemeClr val="tx1"/>
+          </a:fontRef>
+        </p:style>
+      </p:cxnSp>
+      <p:cxnSp>
+        <p:nvCxnSpPr>
+          <p:cNvPr id="22" name="Straight Connector 21">
+            <a:extLst>
+              <a:ext uri="{FF2B5EF4-FFF2-40B4-BE49-F238E27FC236}">
+                <a16:creationId xmlns:a16="http://schemas.microsoft.com/office/drawing/2014/main" id="{FDBE8F87-1798-41E2-85D3-592D9871878D}"/>
+              </a:ext>
+            </a:extLst>
+          </p:cNvPr>
+          <p:cNvCxnSpPr>
+            <a:cxnSpLocks/>
+          </p:cNvCxnSpPr>
+          <p:nvPr/>
+        </p:nvCxnSpPr>
+        <p:spPr>
+          <a:xfrm>
+            <a:off x="9419813" y="6286500"/>
+            <a:ext cx="2427218" cy="4504"/>
+          </a:xfrm>
+          <a:prstGeom prst="line">
+            <a:avLst/>
+          </a:prstGeom>
+          <a:ln w="28575">
+            <a:solidFill>
+              <a:srgbClr val="213755"/>
+            </a:solidFill>
+          </a:ln>
+        </p:spPr>
+        <p:style>
+          <a:lnRef idx="1">
+            <a:schemeClr val="accent1"/>
+          </a:lnRef>
+          <a:fillRef idx="0">
+            <a:schemeClr val="accent1"/>
+          </a:fillRef>
+          <a:effectRef idx="0">
+            <a:schemeClr val="accent1"/>
+          </a:effectRef>
+          <a:fontRef idx="minor">
+            <a:schemeClr val="tx1"/>
+          </a:fontRef>
+        </p:style>
+      </p:cxnSp>
+      <p:cxnSp>
+        <p:nvCxnSpPr>
+          <p:cNvPr id="23" name="Straight Connector 22">
+            <a:extLst>
+              <a:ext uri="{FF2B5EF4-FFF2-40B4-BE49-F238E27FC236}">
+                <a16:creationId xmlns:a16="http://schemas.microsoft.com/office/drawing/2014/main" id="{C3845D0C-D0AA-4936-9D77-1711745AAACD}"/>
+              </a:ext>
+            </a:extLst>
+          </p:cNvPr>
+          <p:cNvCxnSpPr>
+            <a:cxnSpLocks/>
+          </p:cNvCxnSpPr>
+          <p:nvPr/>
+        </p:nvCxnSpPr>
+        <p:spPr>
+          <a:xfrm flipV="1">
+            <a:off x="11847031" y="465405"/>
+            <a:ext cx="0" cy="5821095"/>
+          </a:xfrm>
+          <a:prstGeom prst="line">
+            <a:avLst/>
+          </a:prstGeom>
+          <a:ln w="28575">
+            <a:solidFill>
+              <a:srgbClr val="213755"/>
+            </a:solidFill>
+          </a:ln>
+        </p:spPr>
+        <p:style>
+          <a:lnRef idx="1">
+            <a:schemeClr val="accent1"/>
+          </a:lnRef>
+          <a:fillRef idx="0">
+            <a:schemeClr val="accent1"/>
+          </a:fillRef>
+          <a:effectRef idx="0">
+            <a:schemeClr val="accent1"/>
+          </a:effectRef>
+          <a:fontRef idx="minor">
+            <a:schemeClr val="tx1"/>
+          </a:fontRef>
+        </p:style>
+      </p:cxnSp>
+    </p:spTree>
+    <p:extLst>
+      <p:ext uri="{BB962C8B-B14F-4D97-AF65-F5344CB8AC3E}">
+        <p14:creationId xmlns:p14="http://schemas.microsoft.com/office/powerpoint/2010/main" val="1811162646"/>
+      </p:ext>
+    </p:extLst>
+  </p:cSld>
+  <p:clrMapOvr>
+    <a:masterClrMapping/>
+  </p:clrMapOvr>
+  <p:timing>
+    <p:tnLst>
+      <p:par>
+        <p:cTn id="1" dur="indefinite" restart="never" nodeType="tmRoot">
+          <p:childTnLst>
+            <p:seq concurrent="1" nextAc="seek">
+              <p:cTn id="2" dur="indefinite" nodeType="mainSeq">
+                <p:childTnLst>
+                  <p:par>
+                    <p:cTn id="3" fill="hold">
+                      <p:stCondLst>
+                        <p:cond delay="indefinite"/>
+                      </p:stCondLst>
+                      <p:childTnLst>
+                        <p:par>
+                          <p:cTn id="4" fill="hold">
+                            <p:stCondLst>
+                              <p:cond delay="0"/>
+                            </p:stCondLst>
+                            <p:childTnLst>
+                              <p:par>
+                                <p:cTn id="5" presetID="2" presetClass="entr" presetSubtype="4" fill="hold" grpId="0" nodeType="clickEffect">
+                                  <p:stCondLst>
+                                    <p:cond delay="0"/>
+                                  </p:stCondLst>
+                                  <p:childTnLst>
+                                    <p:set>
+                                      <p:cBhvr>
+                                        <p:cTn id="6" dur="1" fill="hold">
+                                          <p:stCondLst>
+                                            <p:cond delay="0"/>
+                                          </p:stCondLst>
+                                        </p:cTn>
+                                        <p:tgtEl>
+                                          <p:spTgt spid="6"/>
+                                        </p:tgtEl>
+                                        <p:attrNameLst>
+                                          <p:attrName>style.visibility</p:attrName>
+                                        </p:attrNameLst>
+                                      </p:cBhvr>
+                                      <p:to>
+                                        <p:strVal val="visible"/>
+                                      </p:to>
+                                    </p:set>
+                                    <p:anim calcmode="lin" valueType="num">
+                                      <p:cBhvr additive="base">
+                                        <p:cTn id="7" dur="500" fill="hold"/>
+                                        <p:tgtEl>
+                                          <p:spTgt spid="6"/>
+                                        </p:tgtEl>
+                                        <p:attrNameLst>
+                                          <p:attrName>ppt_x</p:attrName>
+                                        </p:attrNameLst>
+                                      </p:cBhvr>
+                                      <p:tavLst>
+                                        <p:tav tm="0">
+                                          <p:val>
+                                            <p:strVal val="#ppt_x"/>
+                                          </p:val>
+                                        </p:tav>
+                                        <p:tav tm="100000">
+                                          <p:val>
+                                            <p:strVal val="#ppt_x"/>
+                                          </p:val>
+                                        </p:tav>
+                                      </p:tavLst>
+                                    </p:anim>
+                                    <p:anim calcmode="lin" valueType="num">
+                                      <p:cBhvr additive="base">
+                                        <p:cTn id="8" dur="500" fill="hold"/>
+                                        <p:tgtEl>
+                                          <p:spTgt spid="6"/>
+                                        </p:tgtEl>
+                                        <p:attrNameLst>
+                                          <p:attrName>ppt_y</p:attrName>
+                                        </p:attrNameLst>
+                                      </p:cBhvr>
+                                      <p:tavLst>
+                                        <p:tav tm="0">
+                                          <p:val>
+                                            <p:strVal val="1+#ppt_h/2"/>
+                                          </p:val>
+                                        </p:tav>
+                                        <p:tav tm="100000">
+                                          <p:val>
+                                            <p:strVal val="#ppt_y"/>
+                                          </p:val>
+                                        </p:tav>
+                                      </p:tavLst>
+                                    </p:anim>
+                                  </p:childTnLst>
+                                </p:cTn>
+                              </p:par>
+                            </p:childTnLst>
+                          </p:cTn>
+                        </p:par>
+                      </p:childTnLst>
+                    </p:cTn>
+                  </p:par>
+                  <p:par>
+                    <p:cTn id="9" fill="hold">
+                      <p:stCondLst>
+                        <p:cond delay="indefinite"/>
+                      </p:stCondLst>
+                      <p:childTnLst>
+                        <p:par>
+                          <p:cTn id="10" fill="hold">
+                            <p:stCondLst>
+                              <p:cond delay="0"/>
+                            </p:stCondLst>
+                            <p:childTnLst>
+                              <p:par>
+                                <p:cTn id="11" presetID="2" presetClass="entr" presetSubtype="4" fill="hold" grpId="0" nodeType="clickEffect">
+                                  <p:stCondLst>
+                                    <p:cond delay="0"/>
+                                  </p:stCondLst>
+                                  <p:childTnLst>
+                                    <p:set>
+                                      <p:cBhvr>
+                                        <p:cTn id="12" dur="1" fill="hold">
+                                          <p:stCondLst>
+                                            <p:cond delay="0"/>
+                                          </p:stCondLst>
+                                        </p:cTn>
+                                        <p:tgtEl>
+                                          <p:spTgt spid="7"/>
+                                        </p:tgtEl>
+                                        <p:attrNameLst>
+                                          <p:attrName>style.visibility</p:attrName>
+                                        </p:attrNameLst>
+                                      </p:cBhvr>
+                                      <p:to>
+                                        <p:strVal val="visible"/>
+                                      </p:to>
+                                    </p:set>
+                                    <p:anim calcmode="lin" valueType="num">
+                                      <p:cBhvr additive="base">
+                                        <p:cTn id="13" dur="500" fill="hold"/>
+                                        <p:tgtEl>
+                                          <p:spTgt spid="7"/>
+                                        </p:tgtEl>
+                                        <p:attrNameLst>
+                                          <p:attrName>ppt_x</p:attrName>
+                                        </p:attrNameLst>
+                                      </p:cBhvr>
+                                      <p:tavLst>
+                                        <p:tav tm="0">
+                                          <p:val>
+                                            <p:strVal val="#ppt_x"/>
+                                          </p:val>
+                                        </p:tav>
+                                        <p:tav tm="100000">
+                                          <p:val>
+                                            <p:strVal val="#ppt_x"/>
+                                          </p:val>
+                                        </p:tav>
+                                      </p:tavLst>
+                                    </p:anim>
+                                    <p:anim calcmode="lin" valueType="num">
+                                      <p:cBhvr additive="base">
+                                        <p:cTn id="14" dur="500" fill="hold"/>
+                                        <p:tgtEl>
+                                          <p:spTgt spid="7"/>
+                                        </p:tgtEl>
+                                        <p:attrNameLst>
+                                          <p:attrName>ppt_y</p:attrName>
+                                        </p:attrNameLst>
+                                      </p:cBhvr>
+                                      <p:tavLst>
+                                        <p:tav tm="0">
+                                          <p:val>
+                                            <p:strVal val="1+#ppt_h/2"/>
+                                          </p:val>
+                                        </p:tav>
+                                        <p:tav tm="100000">
+                                          <p:val>
+                                            <p:strVal val="#ppt_y"/>
+                                          </p:val>
+                                        </p:tav>
+                                      </p:tavLst>
+                                    </p:anim>
+                                  </p:childTnLst>
+                                </p:cTn>
+                              </p:par>
+                            </p:childTnLst>
+                          </p:cTn>
+                        </p:par>
+                      </p:childTnLst>
+                    </p:cTn>
+                  </p:par>
+                  <p:par>
+                    <p:cTn id="15" fill="hold">
+                      <p:stCondLst>
+                        <p:cond delay="indefinite"/>
+                      </p:stCondLst>
+                      <p:childTnLst>
+                        <p:par>
+                          <p:cTn id="16" fill="hold">
+                            <p:stCondLst>
+                              <p:cond delay="0"/>
+                            </p:stCondLst>
+                            <p:childTnLst>
+                              <p:par>
+                                <p:cTn id="17" presetID="2" presetClass="entr" presetSubtype="4" fill="hold" grpId="0" nodeType="clickEffect">
+                                  <p:stCondLst>
+                                    <p:cond delay="0"/>
+                                  </p:stCondLst>
+                                  <p:childTnLst>
+                                    <p:set>
+                                      <p:cBhvr>
+                                        <p:cTn id="18" dur="1" fill="hold">
+                                          <p:stCondLst>
+                                            <p:cond delay="0"/>
+                                          </p:stCondLst>
+                                        </p:cTn>
+                                        <p:tgtEl>
+                                          <p:spTgt spid="8"/>
+                                        </p:tgtEl>
+                                        <p:attrNameLst>
+                                          <p:attrName>style.visibility</p:attrName>
+                                        </p:attrNameLst>
+                                      </p:cBhvr>
+                                      <p:to>
+                                        <p:strVal val="visible"/>
+                                      </p:to>
+                                    </p:set>
+                                    <p:anim calcmode="lin" valueType="num">
+                                      <p:cBhvr additive="base">
+                                        <p:cTn id="19" dur="500" fill="hold"/>
+                                        <p:tgtEl>
+                                          <p:spTgt spid="8"/>
+                                        </p:tgtEl>
+                                        <p:attrNameLst>
+                                          <p:attrName>ppt_x</p:attrName>
+                                        </p:attrNameLst>
+                                      </p:cBhvr>
+                                      <p:tavLst>
+                                        <p:tav tm="0">
+                                          <p:val>
+                                            <p:strVal val="#ppt_x"/>
+                                          </p:val>
+                                        </p:tav>
+                                        <p:tav tm="100000">
+                                          <p:val>
+                                            <p:strVal val="#ppt_x"/>
+                                          </p:val>
+                                        </p:tav>
+                                      </p:tavLst>
+                                    </p:anim>
+                                    <p:anim calcmode="lin" valueType="num">
+                                      <p:cBhvr additive="base">
+                                        <p:cTn id="20" dur="500" fill="hold"/>
+                                        <p:tgtEl>
+                                          <p:spTgt spid="8"/>
+                                        </p:tgtEl>
+                                        <p:attrNameLst>
+                                          <p:attrName>ppt_y</p:attrName>
+                                        </p:attrNameLst>
+                                      </p:cBhvr>
+                                      <p:tavLst>
+                                        <p:tav tm="0">
+                                          <p:val>
+                                            <p:strVal val="1+#ppt_h/2"/>
+                                          </p:val>
+                                        </p:tav>
+                                        <p:tav tm="100000">
+                                          <p:val>
+                                            <p:strVal val="#ppt_y"/>
+                                          </p:val>
+                                        </p:tav>
+                                      </p:tavLst>
+                                    </p:anim>
+                                  </p:childTnLst>
+                                </p:cTn>
+                              </p:par>
+                            </p:childTnLst>
+                          </p:cTn>
+                        </p:par>
+                      </p:childTnLst>
+                    </p:cTn>
+                  </p:par>
+                  <p:par>
+                    <p:cTn id="21" fill="hold">
+                      <p:stCondLst>
+                        <p:cond delay="indefinite"/>
+                      </p:stCondLst>
+                      <p:childTnLst>
+                        <p:par>
+                          <p:cTn id="22" fill="hold">
+                            <p:stCondLst>
+                              <p:cond delay="0"/>
+                            </p:stCondLst>
+                            <p:childTnLst>
+                              <p:par>
+                                <p:cTn id="23" presetID="2" presetClass="entr" presetSubtype="4" fill="hold" grpId="0" nodeType="clickEffect">
+                                  <p:stCondLst>
+                                    <p:cond delay="0"/>
+                                  </p:stCondLst>
+                                  <p:childTnLst>
+                                    <p:set>
+                                      <p:cBhvr>
+                                        <p:cTn id="24" dur="1" fill="hold">
+                                          <p:stCondLst>
+                                            <p:cond delay="0"/>
+                                          </p:stCondLst>
+                                        </p:cTn>
+                                        <p:tgtEl>
+                                          <p:spTgt spid="9"/>
+                                        </p:tgtEl>
+                                        <p:attrNameLst>
+                                          <p:attrName>style.visibility</p:attrName>
+                                        </p:attrNameLst>
+                                      </p:cBhvr>
+                                      <p:to>
+                                        <p:strVal val="visible"/>
+                                      </p:to>
+                                    </p:set>
+                                    <p:anim calcmode="lin" valueType="num">
+                                      <p:cBhvr additive="base">
+                                        <p:cTn id="25" dur="500" fill="hold"/>
+                                        <p:tgtEl>
+                                          <p:spTgt spid="9"/>
+                                        </p:tgtEl>
+                                        <p:attrNameLst>
+                                          <p:attrName>ppt_x</p:attrName>
+                                        </p:attrNameLst>
+                                      </p:cBhvr>
+                                      <p:tavLst>
+                                        <p:tav tm="0">
+                                          <p:val>
+                                            <p:strVal val="#ppt_x"/>
+                                          </p:val>
+                                        </p:tav>
+                                        <p:tav tm="100000">
+                                          <p:val>
+                                            <p:strVal val="#ppt_x"/>
+                                          </p:val>
+                                        </p:tav>
+                                      </p:tavLst>
+                                    </p:anim>
+                                    <p:anim calcmode="lin" valueType="num">
+                                      <p:cBhvr additive="base">
+                                        <p:cTn id="26" dur="500" fill="hold"/>
+                                        <p:tgtEl>
+                                          <p:spTgt spid="9"/>
+                                        </p:tgtEl>
+                                        <p:attrNameLst>
+                                          <p:attrName>ppt_y</p:attrName>
+                                        </p:attrNameLst>
+                                      </p:cBhvr>
+                                      <p:tavLst>
+                                        <p:tav tm="0">
+                                          <p:val>
+                                            <p:strVal val="1+#ppt_h/2"/>
+                                          </p:val>
+                                        </p:tav>
+                                        <p:tav tm="100000">
+                                          <p:val>
+                                            <p:strVal val="#ppt_y"/>
+                                          </p:val>
+                                        </p:tav>
+                                      </p:tavLst>
+                                    </p:anim>
+                                  </p:childTnLst>
+                                </p:cTn>
+                              </p:par>
+                            </p:childTnLst>
+                          </p:cTn>
+                        </p:par>
+                      </p:childTnLst>
+                    </p:cTn>
+                  </p:par>
+                  <p:par>
+                    <p:cTn id="27" fill="hold">
+                      <p:stCondLst>
+                        <p:cond delay="indefinite"/>
+                      </p:stCondLst>
+                      <p:childTnLst>
+                        <p:par>
+                          <p:cTn id="28" fill="hold">
+                            <p:stCondLst>
+                              <p:cond delay="0"/>
+                            </p:stCondLst>
+                            <p:childTnLst>
+                              <p:par>
+                                <p:cTn id="29" presetID="2" presetClass="entr" presetSubtype="4" fill="hold" grpId="0" nodeType="clickEffect">
+                                  <p:stCondLst>
+                                    <p:cond delay="0"/>
+                                  </p:stCondLst>
+                                  <p:childTnLst>
+                                    <p:set>
+                                      <p:cBhvr>
+                                        <p:cTn id="30" dur="1" fill="hold">
+                                          <p:stCondLst>
+                                            <p:cond delay="0"/>
+                                          </p:stCondLst>
+                                        </p:cTn>
+                                        <p:tgtEl>
+                                          <p:spTgt spid="10"/>
+                                        </p:tgtEl>
+                                        <p:attrNameLst>
+                                          <p:attrName>style.visibility</p:attrName>
+                                        </p:attrNameLst>
+                                      </p:cBhvr>
+                                      <p:to>
+                                        <p:strVal val="visible"/>
+                                      </p:to>
+                                    </p:set>
+                                    <p:anim calcmode="lin" valueType="num">
+                                      <p:cBhvr additive="base">
+                                        <p:cTn id="31" dur="500" fill="hold"/>
+                                        <p:tgtEl>
+                                          <p:spTgt spid="10"/>
+                                        </p:tgtEl>
+                                        <p:attrNameLst>
+                                          <p:attrName>ppt_x</p:attrName>
+                                        </p:attrNameLst>
+                                      </p:cBhvr>
+                                      <p:tavLst>
+                                        <p:tav tm="0">
+                                          <p:val>
+                                            <p:strVal val="#ppt_x"/>
+                                          </p:val>
+                                        </p:tav>
+                                        <p:tav tm="100000">
+                                          <p:val>
+                                            <p:strVal val="#ppt_x"/>
+                                          </p:val>
+                                        </p:tav>
+                                      </p:tavLst>
+                                    </p:anim>
+                                    <p:anim calcmode="lin" valueType="num">
+                                      <p:cBhvr additive="base">
+                                        <p:cTn id="32" dur="500" fill="hold"/>
+                                        <p:tgtEl>
+                                          <p:spTgt spid="10"/>
+                                        </p:tgtEl>
+                                        <p:attrNameLst>
+                                          <p:attrName>ppt_y</p:attrName>
+                                        </p:attrNameLst>
+                                      </p:cBhvr>
+                                      <p:tavLst>
+                                        <p:tav tm="0">
+                                          <p:val>
+                                            <p:strVal val="1+#ppt_h/2"/>
+                                          </p:val>
+                                        </p:tav>
+                                        <p:tav tm="100000">
+                                          <p:val>
+                                            <p:strVal val="#ppt_y"/>
+                                          </p:val>
+                                        </p:tav>
+                                      </p:tavLst>
+                                    </p:anim>
+                                  </p:childTnLst>
+                                </p:cTn>
+                              </p:par>
+                            </p:childTnLst>
+                          </p:cTn>
+                        </p:par>
+                      </p:childTnLst>
+                    </p:cTn>
+                  </p:par>
+                  <p:par>
+                    <p:cTn id="33" fill="hold">
+                      <p:stCondLst>
+                        <p:cond delay="indefinite"/>
+                      </p:stCondLst>
+                      <p:childTnLst>
+                        <p:par>
+                          <p:cTn id="34" fill="hold">
+                            <p:stCondLst>
+                              <p:cond delay="0"/>
+                            </p:stCondLst>
+                            <p:childTnLst>
+                              <p:par>
+                                <p:cTn id="35" presetID="2" presetClass="entr" presetSubtype="4" fill="hold" grpId="0" nodeType="clickEffect">
+                                  <p:stCondLst>
+                                    <p:cond delay="0"/>
+                                  </p:stCondLst>
+                                  <p:childTnLst>
+                                    <p:set>
+                                      <p:cBhvr>
+                                        <p:cTn id="36" dur="1" fill="hold">
+                                          <p:stCondLst>
+                                            <p:cond delay="0"/>
+                                          </p:stCondLst>
+                                        </p:cTn>
+                                        <p:tgtEl>
+                                          <p:spTgt spid="11"/>
+                                        </p:tgtEl>
+                                        <p:attrNameLst>
+                                          <p:attrName>style.visibility</p:attrName>
+                                        </p:attrNameLst>
+                                      </p:cBhvr>
+                                      <p:to>
+                                        <p:strVal val="visible"/>
+                                      </p:to>
+                                    </p:set>
+                                    <p:anim calcmode="lin" valueType="num">
+                                      <p:cBhvr additive="base">
+                                        <p:cTn id="37" dur="500" fill="hold"/>
+                                        <p:tgtEl>
+                                          <p:spTgt spid="11"/>
+                                        </p:tgtEl>
+                                        <p:attrNameLst>
+                                          <p:attrName>ppt_x</p:attrName>
+                                        </p:attrNameLst>
+                                      </p:cBhvr>
+                                      <p:tavLst>
+                                        <p:tav tm="0">
+                                          <p:val>
+                                            <p:strVal val="#ppt_x"/>
+                                          </p:val>
+                                        </p:tav>
+                                        <p:tav tm="100000">
+                                          <p:val>
+                                            <p:strVal val="#ppt_x"/>
+                                          </p:val>
+                                        </p:tav>
+                                      </p:tavLst>
+                                    </p:anim>
+                                    <p:anim calcmode="lin" valueType="num">
+                                      <p:cBhvr additive="base">
+                                        <p:cTn id="38" dur="500" fill="hold"/>
+                                        <p:tgtEl>
+                                          <p:spTgt spid="11"/>
+                                        </p:tgtEl>
+                                        <p:attrNameLst>
+                                          <p:attrName>ppt_y</p:attrName>
+                                        </p:attrNameLst>
+                                      </p:cBhvr>
+                                      <p:tavLst>
+                                        <p:tav tm="0">
+                                          <p:val>
+                                            <p:strVal val="1+#ppt_h/2"/>
+                                          </p:val>
+                                        </p:tav>
+                                        <p:tav tm="100000">
+                                          <p:val>
+                                            <p:strVal val="#ppt_y"/>
+                                          </p:val>
+                                        </p:tav>
+                                      </p:tavLst>
+                                    </p:anim>
+                                  </p:childTnLst>
+                                </p:cTn>
+                              </p:par>
+                            </p:childTnLst>
+                          </p:cTn>
+                        </p:par>
+                      </p:childTnLst>
+                    </p:cTn>
+                  </p:par>
+                </p:childTnLst>
+              </p:cTn>
+              <p:prevCondLst>
+                <p:cond evt="onPrev" delay="0">
+                  <p:tgtEl>
+                    <p:sldTgt/>
+                  </p:tgtEl>
+                </p:cond>
+              </p:prevCondLst>
+              <p:nextCondLst>
+                <p:cond evt="onNext" delay="0">
+                  <p:tgtEl>
+                    <p:sldTgt/>
+                  </p:tgtEl>
+                </p:cond>
+              </p:nextCondLst>
+            </p:seq>
+          </p:childTnLst>
+        </p:cTn>
+      </p:par>
+    </p:tnLst>
+    <p:bldLst>
+      <p:bldP spid="6" grpId="0" animBg="1"/>
+      <p:bldP spid="7" grpId="0" animBg="1"/>
+      <p:bldP spid="8" grpId="0" animBg="1"/>
+      <p:bldP spid="9" grpId="0" animBg="1"/>
+      <p:bldP spid="10" grpId="0" animBg="1"/>
+      <p:bldP spid="11" grpId="0" animBg="1"/>
+    </p:bldLst>
+  </p:timing>
+</p:sld>
+</file>
+
+<file path=ppt/slides/slide3.xml><?xml version="1.0" encoding="utf-8"?>
+<p:sld xmlns:a="http://schemas.openxmlformats.org/drawingml/2006/main" xmlns:r="http://schemas.openxmlformats.org/officeDocument/2006/relationships" xmlns:p="http://schemas.openxmlformats.org/presentationml/2006/main">
+  <p:cSld>
     <p:bg>
       <p:bgPr>
         <a:solidFill>
-          <a:srgbClr val="FFFFFF"/>
+          <a:srgbClr val="213755"/>
         </a:solidFill>
         <a:effectLst/>
       </p:bgPr>
@@ -7863,87 +5266,10 @@
           <a:chExt cx="0" cy="0"/>
         </a:xfrm>
       </p:grpSpPr>
-      <p:pic>
-        <p:nvPicPr>
-          <p:cNvPr id="17" name="Picture 16">
-            <a:extLst>
-              <a:ext uri="{FF2B5EF4-FFF2-40B4-BE49-F238E27FC236}">
-                <a16:creationId xmlns:a16="http://schemas.microsoft.com/office/drawing/2014/main" id="{6397CD0B-16C7-4822-AB93-6482836F6C91}"/>
-              </a:ext>
-            </a:extLst>
-          </p:cNvPr>
-          <p:cNvPicPr>
-            <a:picLocks noChangeAspect="1"/>
-          </p:cNvPicPr>
-          <p:nvPr/>
-        </p:nvPicPr>
-        <p:blipFill>
-          <a:blip r:embed="rId2">
-            <a:alphaModFix amt="67000"/>
-            <a:extLst>
-              <a:ext uri="{BEBA8EAE-BF5A-486C-A8C5-ECC9F3942E4B}">
-                <a14:imgProps xmlns:a14="http://schemas.microsoft.com/office/drawing/2010/main">
-                  <a14:imgLayer r:embed="rId3">
-                    <a14:imgEffect>
-                      <a14:colorTemperature colorTemp="6652"/>
-                    </a14:imgEffect>
-                    <a14:imgEffect>
-                      <a14:saturation sat="192000"/>
-                    </a14:imgEffect>
-                  </a14:imgLayer>
-                </a14:imgProps>
-              </a:ext>
-              <a:ext uri="{28A0092B-C50C-407E-A947-70E740481C1C}">
-                <a14:useLocalDpi xmlns:a14="http://schemas.microsoft.com/office/drawing/2010/main" val="0"/>
-              </a:ext>
-            </a:extLst>
-          </a:blip>
-          <a:stretch>
-            <a:fillRect/>
-          </a:stretch>
-        </p:blipFill>
-        <p:spPr>
-          <a:xfrm>
-            <a:off x="-1895476" y="-22641"/>
-            <a:ext cx="14087475" cy="6880641"/>
-          </a:xfrm>
-          <a:prstGeom prst="rect">
-            <a:avLst/>
-          </a:prstGeom>
-        </p:spPr>
-      </p:pic>
-      <p:graphicFrame>
-        <p:nvGraphicFramePr>
-          <p:cNvPr id="26" name="Diagram 25">
-            <a:extLst>
-              <a:ext uri="{FF2B5EF4-FFF2-40B4-BE49-F238E27FC236}">
-                <a16:creationId xmlns:a16="http://schemas.microsoft.com/office/drawing/2014/main" id="{1E635DD6-3875-4C43-93B6-5CE30D0D218F}"/>
-              </a:ext>
-            </a:extLst>
-          </p:cNvPr>
-          <p:cNvGraphicFramePr/>
-          <p:nvPr>
-            <p:extLst>
-              <p:ext uri="{D42A27DB-BD31-4B8C-83A1-F6EECF244321}">
-                <p14:modId xmlns:p14="http://schemas.microsoft.com/office/powerpoint/2010/main" val="1143558474"/>
-              </p:ext>
-            </p:extLst>
-          </p:nvPr>
-        </p:nvGraphicFramePr>
-        <p:xfrm>
-          <a:off x="4203010" y="365217"/>
-          <a:ext cx="8902700" cy="5776384"/>
-        </p:xfrm>
-        <a:graphic>
-          <a:graphicData uri="http://schemas.openxmlformats.org/drawingml/2006/diagram">
-            <dgm:relIds xmlns:dgm="http://schemas.openxmlformats.org/drawingml/2006/diagram" xmlns:r="http://schemas.openxmlformats.org/officeDocument/2006/relationships" r:dm="rId4" r:lo="rId5" r:qs="rId6" r:cs="rId7"/>
-          </a:graphicData>
-        </a:graphic>
-      </p:graphicFrame>
     </p:spTree>
     <p:extLst>
       <p:ext uri="{BB962C8B-B14F-4D97-AF65-F5344CB8AC3E}">
-        <p14:creationId xmlns:p14="http://schemas.microsoft.com/office/powerpoint/2010/main" val="2533716995"/>
+        <p14:creationId xmlns:p14="http://schemas.microsoft.com/office/powerpoint/2010/main" val="2466764258"/>
       </p:ext>
     </p:extLst>
   </p:cSld>
